--- a/ppt/PI.pptx
+++ b/ppt/PI.pptx
@@ -9,13 +9,15 @@
     <p:sldId id="257" r:id="rId3"/>
     <p:sldId id="258" r:id="rId4"/>
     <p:sldId id="259" r:id="rId5"/>
-    <p:sldId id="260" r:id="rId6"/>
-    <p:sldId id="261" r:id="rId7"/>
-    <p:sldId id="263" r:id="rId8"/>
-    <p:sldId id="262" r:id="rId9"/>
-    <p:sldId id="265" r:id="rId10"/>
+    <p:sldId id="261" r:id="rId6"/>
+    <p:sldId id="263" r:id="rId7"/>
+    <p:sldId id="262" r:id="rId8"/>
+    <p:sldId id="265" r:id="rId9"/>
+    <p:sldId id="268" r:id="rId10"/>
     <p:sldId id="266" r:id="rId11"/>
-    <p:sldId id="267" r:id="rId12"/>
+    <p:sldId id="269" r:id="rId12"/>
+    <p:sldId id="270" r:id="rId13"/>
+    <p:sldId id="267" r:id="rId14"/>
   </p:sldIdLst>
   <p:sldSz cx="12192000" cy="6858000"/>
   <p:notesSz cx="6858000" cy="9144000"/>
@@ -126,6 +128,7 @@
 <p1510:revInfo xmlns:a="http://schemas.openxmlformats.org/drawingml/2006/main" xmlns:r="http://schemas.openxmlformats.org/officeDocument/2006/relationships" xmlns:p1510="http://schemas.microsoft.com/office/powerpoint/2015/10/main">
   <p1510:revLst>
     <p1510:client id="{31D84F71-79A6-BB43-EA65-0AD95F48200E}" v="1252" dt="2022-11-28T21:07:20.992"/>
+    <p1510:client id="{84C1CA69-4959-59D6-C5FE-BBFCEA7894E5}" v="362" dt="2022-11-29T02:22:50.171"/>
     <p1510:client id="{AEDB71F1-3FB8-4671-A1D0-1A97423E14AB}" v="191" dt="2022-11-28T18:40:55.556"/>
   </p1510:revLst>
 </p1510:revInfo>
@@ -262,7 +265,7 @@
           <a:p>
             <a:fld id="{846CE7D5-CF57-46EF-B807-FDD0502418D4}" type="datetimeFigureOut">
               <a:rPr lang="en-US" smtClean="0"/>
-              <a:t>11/28/2022</a:t>
+              <a:t>11/29/2022</a:t>
             </a:fld>
             <a:endParaRPr lang="en-US"/>
           </a:p>
@@ -432,7 +435,7 @@
           <a:p>
             <a:fld id="{846CE7D5-CF57-46EF-B807-FDD0502418D4}" type="datetimeFigureOut">
               <a:rPr lang="en-US" smtClean="0"/>
-              <a:t>11/28/2022</a:t>
+              <a:t>11/29/2022</a:t>
             </a:fld>
             <a:endParaRPr lang="en-US"/>
           </a:p>
@@ -612,7 +615,7 @@
           <a:p>
             <a:fld id="{846CE7D5-CF57-46EF-B807-FDD0502418D4}" type="datetimeFigureOut">
               <a:rPr lang="en-US" smtClean="0"/>
-              <a:t>11/28/2022</a:t>
+              <a:t>11/29/2022</a:t>
             </a:fld>
             <a:endParaRPr lang="en-US"/>
           </a:p>
@@ -782,7 +785,7 @@
           <a:p>
             <a:fld id="{846CE7D5-CF57-46EF-B807-FDD0502418D4}" type="datetimeFigureOut">
               <a:rPr lang="en-US" smtClean="0"/>
-              <a:t>11/28/2022</a:t>
+              <a:t>11/29/2022</a:t>
             </a:fld>
             <a:endParaRPr lang="en-US"/>
           </a:p>
@@ -1028,7 +1031,7 @@
           <a:p>
             <a:fld id="{846CE7D5-CF57-46EF-B807-FDD0502418D4}" type="datetimeFigureOut">
               <a:rPr lang="en-US" smtClean="0"/>
-              <a:t>11/28/2022</a:t>
+              <a:t>11/29/2022</a:t>
             </a:fld>
             <a:endParaRPr lang="en-US"/>
           </a:p>
@@ -1260,7 +1263,7 @@
           <a:p>
             <a:fld id="{846CE7D5-CF57-46EF-B807-FDD0502418D4}" type="datetimeFigureOut">
               <a:rPr lang="en-US" smtClean="0"/>
-              <a:t>11/28/2022</a:t>
+              <a:t>11/29/2022</a:t>
             </a:fld>
             <a:endParaRPr lang="en-US"/>
           </a:p>
@@ -1627,7 +1630,7 @@
           <a:p>
             <a:fld id="{846CE7D5-CF57-46EF-B807-FDD0502418D4}" type="datetimeFigureOut">
               <a:rPr lang="en-US" smtClean="0"/>
-              <a:t>11/28/2022</a:t>
+              <a:t>11/29/2022</a:t>
             </a:fld>
             <a:endParaRPr lang="en-US"/>
           </a:p>
@@ -1745,7 +1748,7 @@
           <a:p>
             <a:fld id="{846CE7D5-CF57-46EF-B807-FDD0502418D4}" type="datetimeFigureOut">
               <a:rPr lang="en-US" smtClean="0"/>
-              <a:t>11/28/2022</a:t>
+              <a:t>11/29/2022</a:t>
             </a:fld>
             <a:endParaRPr lang="en-US"/>
           </a:p>
@@ -1840,7 +1843,7 @@
           <a:p>
             <a:fld id="{846CE7D5-CF57-46EF-B807-FDD0502418D4}" type="datetimeFigureOut">
               <a:rPr lang="en-US" smtClean="0"/>
-              <a:t>11/28/2022</a:t>
+              <a:t>11/29/2022</a:t>
             </a:fld>
             <a:endParaRPr lang="en-US"/>
           </a:p>
@@ -2117,7 +2120,7 @@
           <a:p>
             <a:fld id="{846CE7D5-CF57-46EF-B807-FDD0502418D4}" type="datetimeFigureOut">
               <a:rPr lang="en-US" smtClean="0"/>
-              <a:t>11/28/2022</a:t>
+              <a:t>11/29/2022</a:t>
             </a:fld>
             <a:endParaRPr lang="en-US"/>
           </a:p>
@@ -2374,7 +2377,7 @@
           <a:p>
             <a:fld id="{846CE7D5-CF57-46EF-B807-FDD0502418D4}" type="datetimeFigureOut">
               <a:rPr lang="en-US" smtClean="0"/>
-              <a:t>11/28/2022</a:t>
+              <a:t>11/29/2022</a:t>
             </a:fld>
             <a:endParaRPr lang="en-US"/>
           </a:p>
@@ -2587,7 +2590,7 @@
           <a:p>
             <a:fld id="{846CE7D5-CF57-46EF-B807-FDD0502418D4}" type="datetimeFigureOut">
               <a:rPr lang="en-US" smtClean="0"/>
-              <a:t>11/28/2022</a:t>
+              <a:t>11/29/2022</a:t>
             </a:fld>
             <a:endParaRPr lang="en-US"/>
           </a:p>
@@ -3084,7 +3087,7 @@
                 <a:latin typeface="Poppins" panose="00000500000000000000" pitchFamily="2" charset="0"/>
                 <a:cs typeface="Poppins" panose="00000500000000000000" pitchFamily="2" charset="0"/>
               </a:rPr>
-              <a:t>Ciencias</a:t>
+              <a:t>Ciência</a:t>
             </a:r>
             <a:endParaRPr lang="en-US" sz="6600" dirty="0">
               <a:solidFill>
@@ -3810,6 +3813,2212 @@
       </p:grpSpPr>
       <p:sp>
         <p:nvSpPr>
+          <p:cNvPr id="18" name="Rectangle 17">
+            <a:extLst>
+              <a:ext uri="{FF2B5EF4-FFF2-40B4-BE49-F238E27FC236}">
+                <a16:creationId xmlns:a16="http://schemas.microsoft.com/office/drawing/2014/main" id="{46C53B50-CEB1-5451-1FE3-5C0EE25EB90B}"/>
+              </a:ext>
+            </a:extLst>
+          </p:cNvPr>
+          <p:cNvSpPr/>
+          <p:nvPr/>
+        </p:nvSpPr>
+        <p:spPr>
+          <a:xfrm>
+            <a:off x="13240928" y="-44524"/>
+            <a:ext cx="6196641" cy="7116792"/>
+          </a:xfrm>
+          <a:prstGeom prst="rect">
+            <a:avLst/>
+          </a:prstGeom>
+          <a:solidFill>
+            <a:schemeClr val="tx1"/>
+          </a:solidFill>
+        </p:spPr>
+        <p:style>
+          <a:lnRef idx="2">
+            <a:schemeClr val="accent1">
+              <a:shade val="50000"/>
+            </a:schemeClr>
+          </a:lnRef>
+          <a:fillRef idx="1">
+            <a:schemeClr val="accent1"/>
+          </a:fillRef>
+          <a:effectRef idx="0">
+            <a:schemeClr val="accent1"/>
+          </a:effectRef>
+          <a:fontRef idx="minor">
+            <a:schemeClr val="lt1"/>
+          </a:fontRef>
+        </p:style>
+        <p:txBody>
+          <a:bodyPr rtlCol="0" anchor="ctr"/>
+          <a:lstStyle/>
+          <a:p>
+            <a:pPr algn="ctr"/>
+            <a:endParaRPr lang="en-US"/>
+          </a:p>
+        </p:txBody>
+      </p:sp>
+      <p:sp>
+        <p:nvSpPr>
+          <p:cNvPr id="24" name="Rectangle 23">
+            <a:extLst>
+              <a:ext uri="{FF2B5EF4-FFF2-40B4-BE49-F238E27FC236}">
+                <a16:creationId xmlns:a16="http://schemas.microsoft.com/office/drawing/2014/main" id="{E26073EF-A3F6-91E9-492B-7B1AFE68002C}"/>
+              </a:ext>
+            </a:extLst>
+          </p:cNvPr>
+          <p:cNvSpPr/>
+          <p:nvPr/>
+        </p:nvSpPr>
+        <p:spPr>
+          <a:xfrm>
+            <a:off x="13948698" y="2063680"/>
+            <a:ext cx="2573547" cy="3191774"/>
+          </a:xfrm>
+          <a:prstGeom prst="rect">
+            <a:avLst/>
+          </a:prstGeom>
+          <a:solidFill>
+            <a:schemeClr val="tx1">
+              <a:lumMod val="95000"/>
+              <a:lumOff val="5000"/>
+            </a:schemeClr>
+          </a:solidFill>
+          <a:ln w="57150">
+            <a:solidFill>
+              <a:schemeClr val="bg1"/>
+            </a:solidFill>
+          </a:ln>
+        </p:spPr>
+        <p:style>
+          <a:lnRef idx="2">
+            <a:schemeClr val="accent1">
+              <a:shade val="50000"/>
+            </a:schemeClr>
+          </a:lnRef>
+          <a:fillRef idx="1">
+            <a:schemeClr val="accent1"/>
+          </a:fillRef>
+          <a:effectRef idx="0">
+            <a:schemeClr val="accent1"/>
+          </a:effectRef>
+          <a:fontRef idx="minor">
+            <a:schemeClr val="lt1"/>
+          </a:fontRef>
+        </p:style>
+        <p:txBody>
+          <a:bodyPr rtlCol="0" anchor="ctr"/>
+          <a:lstStyle/>
+          <a:p>
+            <a:pPr algn="ctr"/>
+            <a:endParaRPr lang="en-US" sz="1400">
+              <a:latin typeface="Poppins" panose="00000500000000000000" pitchFamily="2" charset="0"/>
+              <a:cs typeface="Poppins" panose="00000500000000000000" pitchFamily="2" charset="0"/>
+            </a:endParaRPr>
+          </a:p>
+        </p:txBody>
+      </p:sp>
+      <p:sp>
+        <p:nvSpPr>
+          <p:cNvPr id="23" name="Rectangle 22">
+            <a:extLst>
+              <a:ext uri="{FF2B5EF4-FFF2-40B4-BE49-F238E27FC236}">
+                <a16:creationId xmlns:a16="http://schemas.microsoft.com/office/drawing/2014/main" id="{B554536F-231B-E24E-5F47-B8EEA6F2D5CC}"/>
+              </a:ext>
+            </a:extLst>
+          </p:cNvPr>
+          <p:cNvSpPr/>
+          <p:nvPr/>
+        </p:nvSpPr>
+        <p:spPr>
+          <a:xfrm>
+            <a:off x="4905341" y="7598964"/>
+            <a:ext cx="2573547" cy="3191774"/>
+          </a:xfrm>
+          <a:prstGeom prst="rect">
+            <a:avLst/>
+          </a:prstGeom>
+          <a:solidFill>
+            <a:schemeClr val="tx1">
+              <a:lumMod val="95000"/>
+              <a:lumOff val="5000"/>
+            </a:schemeClr>
+          </a:solidFill>
+          <a:ln w="57150">
+            <a:solidFill>
+              <a:schemeClr val="bg1"/>
+            </a:solidFill>
+          </a:ln>
+        </p:spPr>
+        <p:style>
+          <a:lnRef idx="2">
+            <a:schemeClr val="accent1">
+              <a:shade val="50000"/>
+            </a:schemeClr>
+          </a:lnRef>
+          <a:fillRef idx="1">
+            <a:schemeClr val="accent1"/>
+          </a:fillRef>
+          <a:effectRef idx="0">
+            <a:schemeClr val="accent1"/>
+          </a:effectRef>
+          <a:fontRef idx="minor">
+            <a:schemeClr val="lt1"/>
+          </a:fontRef>
+        </p:style>
+        <p:txBody>
+          <a:bodyPr rtlCol="0" anchor="ctr"/>
+          <a:lstStyle/>
+          <a:p>
+            <a:pPr algn="ctr"/>
+            <a:endParaRPr lang="en-US" sz="1400">
+              <a:latin typeface="Poppins" panose="00000500000000000000" pitchFamily="2" charset="0"/>
+              <a:cs typeface="Poppins" panose="00000500000000000000" pitchFamily="2" charset="0"/>
+            </a:endParaRPr>
+          </a:p>
+        </p:txBody>
+      </p:sp>
+      <p:sp>
+        <p:nvSpPr>
+          <p:cNvPr id="2" name="Title 1">
+            <a:extLst>
+              <a:ext uri="{FF2B5EF4-FFF2-40B4-BE49-F238E27FC236}">
+                <a16:creationId xmlns:a16="http://schemas.microsoft.com/office/drawing/2014/main" id="{3FC4B111-A769-BCD9-0A1A-F492DF60BC86}"/>
+              </a:ext>
+            </a:extLst>
+          </p:cNvPr>
+          <p:cNvSpPr>
+            <a:spLocks noGrp="1"/>
+          </p:cNvSpPr>
+          <p:nvPr>
+            <p:ph type="title"/>
+          </p:nvPr>
+        </p:nvSpPr>
+        <p:spPr>
+          <a:xfrm>
+            <a:off x="1499557" y="997729"/>
+            <a:ext cx="3398808" cy="1339940"/>
+          </a:xfrm>
+        </p:spPr>
+        <p:txBody>
+          <a:bodyPr>
+            <a:normAutofit/>
+          </a:bodyPr>
+          <a:lstStyle/>
+          <a:p>
+            <a:r>
+              <a:rPr lang="en-US" sz="3600" b="1" dirty="0" err="1">
+                <a:solidFill>
+                  <a:schemeClr val="bg1"/>
+                </a:solidFill>
+                <a:latin typeface="Poppins"/>
+                <a:cs typeface="Poppins"/>
+              </a:rPr>
+              <a:t>Desafios</a:t>
+            </a:r>
+            <a:endParaRPr lang="en-US" sz="3600" b="1" dirty="0" err="1">
+              <a:solidFill>
+                <a:schemeClr val="bg1"/>
+              </a:solidFill>
+              <a:latin typeface="Poppins" panose="00000500000000000000" pitchFamily="2" charset="0"/>
+              <a:cs typeface="Poppins" panose="00000500000000000000" pitchFamily="2" charset="0"/>
+            </a:endParaRPr>
+          </a:p>
+        </p:txBody>
+      </p:sp>
+      <p:sp>
+        <p:nvSpPr>
+          <p:cNvPr id="21" name="Rectangle 20">
+            <a:extLst>
+              <a:ext uri="{FF2B5EF4-FFF2-40B4-BE49-F238E27FC236}">
+                <a16:creationId xmlns:a16="http://schemas.microsoft.com/office/drawing/2014/main" id="{14724525-A0A6-6053-A86A-78CFCAAEDBB1}"/>
+              </a:ext>
+            </a:extLst>
+          </p:cNvPr>
+          <p:cNvSpPr/>
+          <p:nvPr/>
+        </p:nvSpPr>
+        <p:spPr>
+          <a:xfrm>
+            <a:off x="-3922357" y="2796927"/>
+            <a:ext cx="2573547" cy="3191774"/>
+          </a:xfrm>
+          <a:prstGeom prst="rect">
+            <a:avLst/>
+          </a:prstGeom>
+          <a:solidFill>
+            <a:schemeClr val="tx1">
+              <a:lumMod val="95000"/>
+              <a:lumOff val="5000"/>
+            </a:schemeClr>
+          </a:solidFill>
+          <a:ln w="57150">
+            <a:solidFill>
+              <a:schemeClr val="bg1"/>
+            </a:solidFill>
+          </a:ln>
+        </p:spPr>
+        <p:style>
+          <a:lnRef idx="2">
+            <a:schemeClr val="accent1">
+              <a:shade val="50000"/>
+            </a:schemeClr>
+          </a:lnRef>
+          <a:fillRef idx="1">
+            <a:schemeClr val="accent1"/>
+          </a:fillRef>
+          <a:effectRef idx="0">
+            <a:schemeClr val="accent1"/>
+          </a:effectRef>
+          <a:fontRef idx="minor">
+            <a:schemeClr val="lt1"/>
+          </a:fontRef>
+        </p:style>
+        <p:txBody>
+          <a:bodyPr rtlCol="0" anchor="ctr"/>
+          <a:lstStyle/>
+          <a:p>
+            <a:pPr algn="ctr"/>
+            <a:endParaRPr lang="en-US" sz="1400">
+              <a:latin typeface="Poppins" panose="00000500000000000000" pitchFamily="2" charset="0"/>
+              <a:cs typeface="Poppins" panose="00000500000000000000" pitchFamily="2" charset="0"/>
+            </a:endParaRPr>
+          </a:p>
+        </p:txBody>
+      </p:sp>
+      <p:sp>
+        <p:nvSpPr>
+          <p:cNvPr id="3" name="TextBox 2">
+            <a:extLst>
+              <a:ext uri="{FF2B5EF4-FFF2-40B4-BE49-F238E27FC236}">
+                <a16:creationId xmlns:a16="http://schemas.microsoft.com/office/drawing/2014/main" id="{48AD0700-F686-D263-115F-AAC65DEC63C0}"/>
+              </a:ext>
+            </a:extLst>
+          </p:cNvPr>
+          <p:cNvSpPr txBox="1"/>
+          <p:nvPr/>
+        </p:nvSpPr>
+        <p:spPr>
+          <a:xfrm>
+            <a:off x="-3568857" y="3116262"/>
+            <a:ext cx="2973658" cy="461665"/>
+          </a:xfrm>
+          <a:prstGeom prst="rect">
+            <a:avLst/>
+          </a:prstGeom>
+          <a:noFill/>
+        </p:spPr>
+        <p:txBody>
+          <a:bodyPr rot="0" spcFirstLastPara="0" vertOverflow="overflow" horzOverflow="overflow" vert="horz" wrap="square" lIns="91440" tIns="45720" rIns="91440" bIns="45720" numCol="1" spcCol="0" rtlCol="0" fromWordArt="0" anchor="t" anchorCtr="0" forceAA="0" compatLnSpc="1">
+            <a:prstTxWarp prst="textNoShape">
+              <a:avLst/>
+            </a:prstTxWarp>
+            <a:spAutoFit/>
+          </a:bodyPr>
+          <a:lstStyle/>
+          <a:p>
+            <a:pPr algn="l"/>
+            <a:r>
+              <a:rPr lang="en-US" sz="2400" dirty="0" err="1">
+                <a:solidFill>
+                  <a:schemeClr val="bg1"/>
+                </a:solidFill>
+                <a:latin typeface="Poppins" panose="00000500000000000000" pitchFamily="2" charset="0"/>
+                <a:cs typeface="Poppins" panose="00000500000000000000" pitchFamily="2" charset="0"/>
+              </a:rPr>
+              <a:t>Autonomia</a:t>
+            </a:r>
+            <a:endParaRPr lang="en-US" sz="2400">
+              <a:solidFill>
+                <a:schemeClr val="bg1"/>
+              </a:solidFill>
+              <a:latin typeface="Poppins" panose="00000500000000000000" pitchFamily="2" charset="0"/>
+              <a:cs typeface="Poppins" panose="00000500000000000000" pitchFamily="2" charset="0"/>
+            </a:endParaRPr>
+          </a:p>
+        </p:txBody>
+      </p:sp>
+      <p:sp>
+        <p:nvSpPr>
+          <p:cNvPr id="7" name="TextBox 6">
+            <a:extLst>
+              <a:ext uri="{FF2B5EF4-FFF2-40B4-BE49-F238E27FC236}">
+                <a16:creationId xmlns:a16="http://schemas.microsoft.com/office/drawing/2014/main" id="{6A4702F8-C516-0820-440F-21AFA8122EF3}"/>
+              </a:ext>
+            </a:extLst>
+          </p:cNvPr>
+          <p:cNvSpPr txBox="1"/>
+          <p:nvPr/>
+        </p:nvSpPr>
+        <p:spPr>
+          <a:xfrm>
+            <a:off x="5143821" y="7889544"/>
+            <a:ext cx="2269168" cy="461665"/>
+          </a:xfrm>
+          <a:prstGeom prst="rect">
+            <a:avLst/>
+          </a:prstGeom>
+          <a:noFill/>
+        </p:spPr>
+        <p:txBody>
+          <a:bodyPr rot="0" spcFirstLastPara="0" vertOverflow="overflow" horzOverflow="overflow" vert="horz" wrap="square" lIns="91440" tIns="45720" rIns="91440" bIns="45720" numCol="1" spcCol="0" rtlCol="0" fromWordArt="0" anchor="t" anchorCtr="0" forceAA="0" compatLnSpc="1">
+            <a:prstTxWarp prst="textNoShape">
+              <a:avLst/>
+            </a:prstTxWarp>
+            <a:spAutoFit/>
+          </a:bodyPr>
+          <a:lstStyle/>
+          <a:p>
+            <a:pPr algn="l"/>
+            <a:r>
+              <a:rPr lang="en-US" sz="2400" dirty="0" err="1">
+                <a:solidFill>
+                  <a:schemeClr val="bg1"/>
+                </a:solidFill>
+                <a:latin typeface="Poppins" panose="00000500000000000000" pitchFamily="2" charset="0"/>
+                <a:cs typeface="Poppins" panose="00000500000000000000" pitchFamily="2" charset="0"/>
+              </a:rPr>
+              <a:t>Criatividade</a:t>
+            </a:r>
+          </a:p>
+        </p:txBody>
+      </p:sp>
+      <p:sp>
+        <p:nvSpPr>
+          <p:cNvPr id="13" name="TextBox 12">
+            <a:extLst>
+              <a:ext uri="{FF2B5EF4-FFF2-40B4-BE49-F238E27FC236}">
+                <a16:creationId xmlns:a16="http://schemas.microsoft.com/office/drawing/2014/main" id="{DA0960EC-0DFC-E705-B3DA-86BF4B277729}"/>
+              </a:ext>
+            </a:extLst>
+          </p:cNvPr>
+          <p:cNvSpPr txBox="1"/>
+          <p:nvPr/>
+        </p:nvSpPr>
+        <p:spPr>
+          <a:xfrm>
+            <a:off x="14287820" y="2354263"/>
+            <a:ext cx="2226036" cy="461665"/>
+          </a:xfrm>
+          <a:prstGeom prst="rect">
+            <a:avLst/>
+          </a:prstGeom>
+          <a:noFill/>
+        </p:spPr>
+        <p:txBody>
+          <a:bodyPr rot="0" spcFirstLastPara="0" vertOverflow="overflow" horzOverflow="overflow" vert="horz" wrap="square" lIns="91440" tIns="45720" rIns="91440" bIns="45720" numCol="1" spcCol="0" rtlCol="0" fromWordArt="0" anchor="t" anchorCtr="0" forceAA="0" compatLnSpc="1">
+            <a:prstTxWarp prst="textNoShape">
+              <a:avLst/>
+            </a:prstTxWarp>
+            <a:spAutoFit/>
+          </a:bodyPr>
+          <a:lstStyle/>
+          <a:p>
+            <a:pPr algn="l"/>
+            <a:r>
+              <a:rPr lang="en-US" sz="2400" dirty="0" err="1">
+                <a:solidFill>
+                  <a:schemeClr val="bg1"/>
+                </a:solidFill>
+                <a:latin typeface="Poppins" panose="00000500000000000000" pitchFamily="2" charset="0"/>
+                <a:cs typeface="Poppins" panose="00000500000000000000" pitchFamily="2" charset="0"/>
+              </a:rPr>
+              <a:t>Curiosidade</a:t>
+            </a:r>
+          </a:p>
+        </p:txBody>
+      </p:sp>
+      <p:pic>
+        <p:nvPicPr>
+          <p:cNvPr id="15" name="Picture 16" descr="Icon&#10;&#10;Description automatically generated">
+            <a:extLst>
+              <a:ext uri="{FF2B5EF4-FFF2-40B4-BE49-F238E27FC236}">
+                <a16:creationId xmlns:a16="http://schemas.microsoft.com/office/drawing/2014/main" id="{7DEEF68A-4835-D523-C278-96A25EC56DAB}"/>
+              </a:ext>
+            </a:extLst>
+          </p:cNvPr>
+          <p:cNvPicPr>
+            <a:picLocks noChangeAspect="1"/>
+          </p:cNvPicPr>
+          <p:nvPr/>
+        </p:nvPicPr>
+        <p:blipFill>
+          <a:blip r:embed="rId2"/>
+          <a:stretch>
+            <a:fillRect/>
+          </a:stretch>
+        </p:blipFill>
+        <p:spPr>
+          <a:xfrm>
+            <a:off x="5443268" y="8742873"/>
+            <a:ext cx="1521125" cy="1564256"/>
+          </a:xfrm>
+          <a:prstGeom prst="rect">
+            <a:avLst/>
+          </a:prstGeom>
+        </p:spPr>
+      </p:pic>
+      <p:pic>
+        <p:nvPicPr>
+          <p:cNvPr id="17" name="Picture 18" descr="Icon&#10;&#10;Description automatically generated">
+            <a:extLst>
+              <a:ext uri="{FF2B5EF4-FFF2-40B4-BE49-F238E27FC236}">
+                <a16:creationId xmlns:a16="http://schemas.microsoft.com/office/drawing/2014/main" id="{DDAD4E4C-93BD-E774-6A19-011A59AD6895}"/>
+              </a:ext>
+            </a:extLst>
+          </p:cNvPr>
+          <p:cNvPicPr>
+            <a:picLocks noChangeAspect="1"/>
+          </p:cNvPicPr>
+          <p:nvPr/>
+        </p:nvPicPr>
+        <p:blipFill>
+          <a:blip r:embed="rId3"/>
+          <a:stretch>
+            <a:fillRect/>
+          </a:stretch>
+        </p:blipFill>
+        <p:spPr>
+          <a:xfrm>
+            <a:off x="-3571336" y="3782684"/>
+            <a:ext cx="1794295" cy="1794295"/>
+          </a:xfrm>
+          <a:prstGeom prst="rect">
+            <a:avLst/>
+          </a:prstGeom>
+        </p:spPr>
+      </p:pic>
+      <p:pic>
+        <p:nvPicPr>
+          <p:cNvPr id="19" name="Picture 20" descr="Icon&#10;&#10;Description automatically generated">
+            <a:extLst>
+              <a:ext uri="{FF2B5EF4-FFF2-40B4-BE49-F238E27FC236}">
+                <a16:creationId xmlns:a16="http://schemas.microsoft.com/office/drawing/2014/main" id="{29102A64-DE39-6603-F591-625C877D15BC}"/>
+              </a:ext>
+            </a:extLst>
+          </p:cNvPr>
+          <p:cNvPicPr>
+            <a:picLocks noChangeAspect="1"/>
+          </p:cNvPicPr>
+          <p:nvPr/>
+        </p:nvPicPr>
+        <p:blipFill>
+          <a:blip r:embed="rId4"/>
+          <a:stretch>
+            <a:fillRect/>
+          </a:stretch>
+        </p:blipFill>
+        <p:spPr>
+          <a:xfrm>
+            <a:off x="14486625" y="3279476"/>
+            <a:ext cx="1434862" cy="1449238"/>
+          </a:xfrm>
+          <a:prstGeom prst="rect">
+            <a:avLst/>
+          </a:prstGeom>
+        </p:spPr>
+      </p:pic>
+      <p:sp>
+        <p:nvSpPr>
+          <p:cNvPr id="4" name="TextBox 3">
+            <a:extLst>
+              <a:ext uri="{FF2B5EF4-FFF2-40B4-BE49-F238E27FC236}">
+                <a16:creationId xmlns:a16="http://schemas.microsoft.com/office/drawing/2014/main" id="{970E4548-2B6F-17EE-A46D-75F8149808B6}"/>
+              </a:ext>
+            </a:extLst>
+          </p:cNvPr>
+          <p:cNvSpPr txBox="1"/>
+          <p:nvPr/>
+        </p:nvSpPr>
+        <p:spPr>
+          <a:xfrm>
+            <a:off x="995747" y="2495476"/>
+            <a:ext cx="5510701" cy="954107"/>
+          </a:xfrm>
+          <a:prstGeom prst="rect">
+            <a:avLst/>
+          </a:prstGeom>
+          <a:noFill/>
+        </p:spPr>
+        <p:txBody>
+          <a:bodyPr rot="0" spcFirstLastPara="0" vertOverflow="overflow" horzOverflow="overflow" vert="horz" wrap="square" lIns="91440" tIns="45720" rIns="91440" bIns="45720" numCol="1" spcCol="0" rtlCol="0" fromWordArt="0" anchor="t" anchorCtr="0" forceAA="0" compatLnSpc="1">
+            <a:prstTxWarp prst="textNoShape">
+              <a:avLst/>
+            </a:prstTxWarp>
+            <a:spAutoFit/>
+          </a:bodyPr>
+          <a:lstStyle/>
+          <a:p>
+            <a:pPr marL="457200" indent="-457200">
+              <a:buFont typeface="Arial"/>
+              <a:buChar char="•"/>
+            </a:pPr>
+            <a:r>
+              <a:rPr lang="en-US" sz="2800" dirty="0" err="1">
+                <a:solidFill>
+                  <a:schemeClr val="bg1"/>
+                </a:solidFill>
+                <a:cs typeface="Calibri"/>
+              </a:rPr>
+              <a:t>Criação</a:t>
+            </a:r>
+            <a:r>
+              <a:rPr lang="en-US" sz="2800" dirty="0">
+                <a:solidFill>
+                  <a:schemeClr val="bg1"/>
+                </a:solidFill>
+                <a:cs typeface="Calibri"/>
+              </a:rPr>
+              <a:t> do </a:t>
+            </a:r>
+            <a:r>
+              <a:rPr lang="en-US" sz="2800" dirty="0" err="1">
+                <a:solidFill>
+                  <a:schemeClr val="bg1"/>
+                </a:solidFill>
+                <a:cs typeface="Calibri"/>
+              </a:rPr>
+              <a:t>jogo</a:t>
+            </a:r>
+            <a:r>
+              <a:rPr lang="en-US" sz="2800" dirty="0">
+                <a:solidFill>
+                  <a:schemeClr val="bg1"/>
+                </a:solidFill>
+                <a:cs typeface="Calibri"/>
+              </a:rPr>
+              <a:t>/ </a:t>
+            </a:r>
+            <a:r>
+              <a:rPr lang="en-US" sz="2800" dirty="0" err="1">
+                <a:solidFill>
+                  <a:schemeClr val="bg1"/>
+                </a:solidFill>
+                <a:cs typeface="Calibri"/>
+              </a:rPr>
+              <a:t>encaixar</a:t>
+            </a:r>
+            <a:r>
+              <a:rPr lang="en-US" sz="2800" dirty="0">
+                <a:solidFill>
+                  <a:schemeClr val="bg1"/>
+                </a:solidFill>
+                <a:cs typeface="Calibri"/>
+              </a:rPr>
+              <a:t> </a:t>
+            </a:r>
+            <a:r>
+              <a:rPr lang="en-US" sz="2800" dirty="0" err="1">
+                <a:solidFill>
+                  <a:schemeClr val="bg1"/>
+                </a:solidFill>
+                <a:cs typeface="Calibri"/>
+              </a:rPr>
+              <a:t>ele</a:t>
+            </a:r>
+            <a:r>
+              <a:rPr lang="en-US" sz="2800" dirty="0">
+                <a:solidFill>
+                  <a:schemeClr val="bg1"/>
+                </a:solidFill>
+                <a:cs typeface="Calibri"/>
+              </a:rPr>
+              <a:t> </a:t>
+            </a:r>
+            <a:r>
+              <a:rPr lang="en-US" sz="2800" dirty="0" err="1">
+                <a:solidFill>
+                  <a:schemeClr val="bg1"/>
+                </a:solidFill>
+                <a:cs typeface="Calibri"/>
+              </a:rPr>
+              <a:t>nos</a:t>
+            </a:r>
+            <a:r>
+              <a:rPr lang="en-US" sz="2800" dirty="0">
+                <a:solidFill>
+                  <a:schemeClr val="bg1"/>
+                </a:solidFill>
+                <a:cs typeface="Calibri"/>
+              </a:rPr>
+              <a:t> </a:t>
+            </a:r>
+            <a:r>
+              <a:rPr lang="en-US" sz="2800" dirty="0" err="1">
+                <a:solidFill>
+                  <a:schemeClr val="bg1"/>
+                </a:solidFill>
+                <a:cs typeface="Calibri"/>
+              </a:rPr>
+              <a:t>requisitos</a:t>
+            </a:r>
+            <a:r>
+              <a:rPr lang="en-US" sz="2800" dirty="0">
+                <a:solidFill>
+                  <a:schemeClr val="bg1"/>
+                </a:solidFill>
+                <a:cs typeface="Calibri"/>
+              </a:rPr>
+              <a:t>.</a:t>
+            </a:r>
+          </a:p>
+        </p:txBody>
+      </p:sp>
+      <p:sp>
+        <p:nvSpPr>
+          <p:cNvPr id="5" name="TextBox 4">
+            <a:extLst>
+              <a:ext uri="{FF2B5EF4-FFF2-40B4-BE49-F238E27FC236}">
+                <a16:creationId xmlns:a16="http://schemas.microsoft.com/office/drawing/2014/main" id="{3BE548EB-96CA-7A02-FCBB-A5D7FD340646}"/>
+              </a:ext>
+            </a:extLst>
+          </p:cNvPr>
+          <p:cNvSpPr txBox="1"/>
+          <p:nvPr/>
+        </p:nvSpPr>
+        <p:spPr>
+          <a:xfrm>
+            <a:off x="1061141" y="4139752"/>
+            <a:ext cx="4653935" cy="523220"/>
+          </a:xfrm>
+          <a:prstGeom prst="rect">
+            <a:avLst/>
+          </a:prstGeom>
+          <a:noFill/>
+        </p:spPr>
+        <p:txBody>
+          <a:bodyPr rot="0" spcFirstLastPara="0" vertOverflow="overflow" horzOverflow="overflow" vert="horz" wrap="square" lIns="91440" tIns="45720" rIns="91440" bIns="45720" numCol="1" spcCol="0" rtlCol="0" fromWordArt="0" anchor="t" anchorCtr="0" forceAA="0" compatLnSpc="1">
+            <a:prstTxWarp prst="textNoShape">
+              <a:avLst/>
+            </a:prstTxWarp>
+            <a:spAutoFit/>
+          </a:bodyPr>
+          <a:lstStyle/>
+          <a:p>
+            <a:pPr marL="457200" indent="-457200">
+              <a:buFont typeface="Arial"/>
+              <a:buChar char="•"/>
+            </a:pPr>
+            <a:r>
+              <a:rPr lang="en-US" sz="2800" dirty="0" err="1">
+                <a:solidFill>
+                  <a:schemeClr val="bg1"/>
+                </a:solidFill>
+                <a:cs typeface="Calibri"/>
+              </a:rPr>
+              <a:t>Api</a:t>
+            </a:r>
+            <a:r>
+              <a:rPr lang="en-US" sz="2800" dirty="0">
+                <a:solidFill>
+                  <a:schemeClr val="bg1"/>
+                </a:solidFill>
+                <a:cs typeface="Calibri"/>
+              </a:rPr>
+              <a:t> web-data-viz 😠</a:t>
+            </a:r>
+            <a:endParaRPr lang="en-US" dirty="0">
+              <a:cs typeface="Calibri"/>
+            </a:endParaRPr>
+          </a:p>
+        </p:txBody>
+      </p:sp>
+      <p:sp>
+        <p:nvSpPr>
+          <p:cNvPr id="10" name="Title 1">
+            <a:extLst>
+              <a:ext uri="{FF2B5EF4-FFF2-40B4-BE49-F238E27FC236}">
+                <a16:creationId xmlns:a16="http://schemas.microsoft.com/office/drawing/2014/main" id="{0C032962-00B8-60D3-A525-0A3271B0D4F9}"/>
+              </a:ext>
+            </a:extLst>
+          </p:cNvPr>
+          <p:cNvSpPr txBox="1">
+            <a:spLocks/>
+          </p:cNvSpPr>
+          <p:nvPr/>
+        </p:nvSpPr>
+        <p:spPr>
+          <a:xfrm>
+            <a:off x="14419052" y="1121373"/>
+            <a:ext cx="3398808" cy="1339940"/>
+          </a:xfrm>
+          <a:prstGeom prst="rect">
+            <a:avLst/>
+          </a:prstGeom>
+        </p:spPr>
+        <p:txBody>
+          <a:bodyPr vert="horz" lIns="91440" tIns="45720" rIns="91440" bIns="45720" rtlCol="0" anchor="ctr">
+            <a:normAutofit/>
+          </a:bodyPr>
+          <a:lstStyle>
+            <a:lvl1pPr algn="l" defTabSz="914400" rtl="0" eaLnBrk="1" latinLnBrk="0" hangingPunct="1">
+              <a:lnSpc>
+                <a:spcPct val="90000"/>
+              </a:lnSpc>
+              <a:spcBef>
+                <a:spcPct val="0"/>
+              </a:spcBef>
+              <a:buNone/>
+              <a:defRPr sz="4400" kern="1200">
+                <a:solidFill>
+                  <a:schemeClr val="tx1"/>
+                </a:solidFill>
+                <a:latin typeface="+mj-lt"/>
+                <a:ea typeface="+mj-ea"/>
+                <a:cs typeface="+mj-cs"/>
+              </a:defRPr>
+            </a:lvl1pPr>
+          </a:lstStyle>
+          <a:p>
+            <a:r>
+              <a:rPr lang="en-US" sz="3600" b="1" dirty="0" err="1">
+                <a:solidFill>
+                  <a:schemeClr val="bg1"/>
+                </a:solidFill>
+                <a:latin typeface="Poppins"/>
+                <a:cs typeface="Poppins"/>
+              </a:rPr>
+              <a:t>Superações</a:t>
+            </a:r>
+            <a:endParaRPr lang="en-US" sz="3600" b="1" dirty="0" err="1">
+              <a:solidFill>
+                <a:schemeClr val="bg1"/>
+              </a:solidFill>
+              <a:latin typeface="Poppins" panose="00000500000000000000" pitchFamily="2" charset="0"/>
+              <a:cs typeface="Poppins" panose="00000500000000000000" pitchFamily="2" charset="0"/>
+            </a:endParaRPr>
+          </a:p>
+        </p:txBody>
+      </p:sp>
+      <p:sp>
+        <p:nvSpPr>
+          <p:cNvPr id="12" name="TextBox 11">
+            <a:extLst>
+              <a:ext uri="{FF2B5EF4-FFF2-40B4-BE49-F238E27FC236}">
+                <a16:creationId xmlns:a16="http://schemas.microsoft.com/office/drawing/2014/main" id="{9032E312-1BCD-36A7-2B6F-DAE30760D172}"/>
+              </a:ext>
+            </a:extLst>
+          </p:cNvPr>
+          <p:cNvSpPr txBox="1"/>
+          <p:nvPr/>
+        </p:nvSpPr>
+        <p:spPr>
+          <a:xfrm>
+            <a:off x="14036011" y="2811776"/>
+            <a:ext cx="4159230" cy="523220"/>
+          </a:xfrm>
+          <a:prstGeom prst="rect">
+            <a:avLst/>
+          </a:prstGeom>
+          <a:noFill/>
+        </p:spPr>
+        <p:txBody>
+          <a:bodyPr rot="0" spcFirstLastPara="0" vertOverflow="overflow" horzOverflow="overflow" vert="horz" wrap="square" lIns="91440" tIns="45720" rIns="91440" bIns="45720" numCol="1" spcCol="0" rtlCol="0" fromWordArt="0" anchor="t" anchorCtr="0" forceAA="0" compatLnSpc="1">
+            <a:prstTxWarp prst="textNoShape">
+              <a:avLst/>
+            </a:prstTxWarp>
+            <a:spAutoFit/>
+          </a:bodyPr>
+          <a:lstStyle/>
+          <a:p>
+            <a:pPr marL="457200" indent="-457200">
+              <a:buFont typeface="Arial"/>
+              <a:buChar char="•"/>
+            </a:pPr>
+            <a:r>
+              <a:rPr lang="en-US" sz="2800" dirty="0">
+                <a:solidFill>
+                  <a:schemeClr val="bg1"/>
+                </a:solidFill>
+                <a:cs typeface="Calibri"/>
+              </a:rPr>
+              <a:t>Medo de API.</a:t>
+            </a:r>
+            <a:endParaRPr lang="en-US" sz="2800" dirty="0" err="1">
+              <a:solidFill>
+                <a:schemeClr val="bg1"/>
+              </a:solidFill>
+              <a:cs typeface="Calibri" panose="020F0502020204030204"/>
+            </a:endParaRPr>
+          </a:p>
+        </p:txBody>
+      </p:sp>
+      <p:sp>
+        <p:nvSpPr>
+          <p:cNvPr id="16" name="TextBox 15">
+            <a:extLst>
+              <a:ext uri="{FF2B5EF4-FFF2-40B4-BE49-F238E27FC236}">
+                <a16:creationId xmlns:a16="http://schemas.microsoft.com/office/drawing/2014/main" id="{D73E2020-E4D4-09A9-7637-7F54E7038526}"/>
+              </a:ext>
+            </a:extLst>
+          </p:cNvPr>
+          <p:cNvSpPr txBox="1"/>
+          <p:nvPr/>
+        </p:nvSpPr>
+        <p:spPr>
+          <a:xfrm>
+            <a:off x="14087026" y="3751561"/>
+            <a:ext cx="4653935" cy="954107"/>
+          </a:xfrm>
+          <a:prstGeom prst="rect">
+            <a:avLst/>
+          </a:prstGeom>
+          <a:noFill/>
+        </p:spPr>
+        <p:txBody>
+          <a:bodyPr rot="0" spcFirstLastPara="0" vertOverflow="overflow" horzOverflow="overflow" vert="horz" wrap="square" lIns="91440" tIns="45720" rIns="91440" bIns="45720" numCol="1" spcCol="0" rtlCol="0" fromWordArt="0" anchor="t" anchorCtr="0" forceAA="0" compatLnSpc="1">
+            <a:prstTxWarp prst="textNoShape">
+              <a:avLst/>
+            </a:prstTxWarp>
+            <a:spAutoFit/>
+          </a:bodyPr>
+          <a:lstStyle/>
+          <a:p>
+            <a:pPr marL="457200" indent="-457200">
+              <a:buFont typeface="Arial"/>
+              <a:buChar char="•"/>
+            </a:pPr>
+            <a:r>
+              <a:rPr lang="en-US" sz="2800" dirty="0" err="1">
+                <a:solidFill>
+                  <a:schemeClr val="bg1"/>
+                </a:solidFill>
+                <a:cs typeface="Calibri"/>
+              </a:rPr>
+              <a:t>Criação</a:t>
+            </a:r>
+            <a:r>
+              <a:rPr lang="en-US" sz="2800" dirty="0">
+                <a:solidFill>
+                  <a:schemeClr val="bg1"/>
+                </a:solidFill>
+                <a:cs typeface="Calibri"/>
+              </a:rPr>
+              <a:t> de joins no banco de dados.</a:t>
+            </a:r>
+            <a:endParaRPr lang="en-US"/>
+          </a:p>
+        </p:txBody>
+      </p:sp>
+      <p:sp>
+        <p:nvSpPr>
+          <p:cNvPr id="22" name="TextBox 21">
+            <a:extLst>
+              <a:ext uri="{FF2B5EF4-FFF2-40B4-BE49-F238E27FC236}">
+                <a16:creationId xmlns:a16="http://schemas.microsoft.com/office/drawing/2014/main" id="{56E26D54-F56E-18C1-BF15-5AB873611B14}"/>
+              </a:ext>
+            </a:extLst>
+          </p:cNvPr>
+          <p:cNvSpPr txBox="1"/>
+          <p:nvPr/>
+        </p:nvSpPr>
+        <p:spPr>
+          <a:xfrm>
+            <a:off x="1066800" y="5414034"/>
+            <a:ext cx="4089400" cy="523220"/>
+          </a:xfrm>
+          <a:prstGeom prst="rect">
+            <a:avLst/>
+          </a:prstGeom>
+          <a:noFill/>
+        </p:spPr>
+        <p:txBody>
+          <a:bodyPr rot="0" spcFirstLastPara="0" vertOverflow="overflow" horzOverflow="overflow" vert="horz" wrap="square" lIns="91440" tIns="45720" rIns="91440" bIns="45720" numCol="1" spcCol="0" rtlCol="0" fromWordArt="0" anchor="t" anchorCtr="0" forceAA="0" compatLnSpc="1">
+            <a:prstTxWarp prst="textNoShape">
+              <a:avLst/>
+            </a:prstTxWarp>
+            <a:spAutoFit/>
+          </a:bodyPr>
+          <a:lstStyle/>
+          <a:p>
+            <a:pPr marL="285750" indent="-285750">
+              <a:buFont typeface="Arial"/>
+              <a:buChar char="•"/>
+            </a:pPr>
+            <a:r>
+              <a:rPr lang="en-US" sz="2800" dirty="0" err="1">
+                <a:solidFill>
+                  <a:schemeClr val="bg1"/>
+                </a:solidFill>
+                <a:cs typeface="Calibri" panose="020F0502020204030204"/>
+              </a:rPr>
+              <a:t>Criação</a:t>
+            </a:r>
+            <a:r>
+              <a:rPr lang="en-US" sz="2800" dirty="0">
+                <a:solidFill>
+                  <a:schemeClr val="bg1"/>
+                </a:solidFill>
+                <a:cs typeface="Calibri" panose="020F0502020204030204"/>
+              </a:rPr>
+              <a:t> </a:t>
+            </a:r>
+            <a:r>
+              <a:rPr lang="en-US" sz="2800" dirty="0" err="1">
+                <a:solidFill>
+                  <a:schemeClr val="bg1"/>
+                </a:solidFill>
+                <a:cs typeface="Calibri" panose="020F0502020204030204"/>
+              </a:rPr>
+              <a:t>desses</a:t>
+            </a:r>
+            <a:r>
+              <a:rPr lang="en-US" sz="2800" dirty="0">
+                <a:solidFill>
+                  <a:schemeClr val="bg1"/>
+                </a:solidFill>
+                <a:cs typeface="Calibri" panose="020F0502020204030204"/>
+              </a:rPr>
+              <a:t> slides</a:t>
+            </a:r>
+            <a:endParaRPr lang="en-US" dirty="0">
+              <a:solidFill>
+                <a:schemeClr val="bg1"/>
+              </a:solidFill>
+              <a:cs typeface="Calibri" panose="020F0502020204030204"/>
+            </a:endParaRPr>
+          </a:p>
+        </p:txBody>
+      </p:sp>
+    </p:spTree>
+    <p:extLst>
+      <p:ext uri="{BB962C8B-B14F-4D97-AF65-F5344CB8AC3E}">
+        <p14:creationId xmlns:p14="http://schemas.microsoft.com/office/powerpoint/2010/main" val="2284602901"/>
+      </p:ext>
+    </p:extLst>
+  </p:cSld>
+  <p:clrMapOvr>
+    <a:masterClrMapping/>
+  </p:clrMapOvr>
+  <mc:AlternateContent xmlns:mc="http://schemas.openxmlformats.org/markup-compatibility/2006" xmlns:p159="http://schemas.microsoft.com/office/powerpoint/2015/09/main">
+    <mc:Choice Requires="p159">
+      <p:transition spd="slow">
+        <p159:morph option="byObject"/>
+      </p:transition>
+    </mc:Choice>
+    <mc:Fallback xmlns="">
+      <p:transition spd="slow">
+        <p:fade/>
+      </p:transition>
+    </mc:Fallback>
+  </mc:AlternateContent>
+  <p:timing>
+    <p:tnLst>
+      <p:par>
+        <p:cTn id="1" dur="indefinite" restart="never" nodeType="tmRoot">
+          <p:childTnLst>
+            <p:seq concurrent="1" nextAc="seek">
+              <p:cTn id="2" dur="indefinite" nodeType="mainSeq">
+                <p:childTnLst>
+                  <p:par>
+                    <p:cTn id="3" fill="hold">
+                      <p:stCondLst>
+                        <p:cond delay="indefinite"/>
+                      </p:stCondLst>
+                      <p:childTnLst>
+                        <p:par>
+                          <p:cTn id="4" fill="hold">
+                            <p:stCondLst>
+                              <p:cond delay="0"/>
+                            </p:stCondLst>
+                            <p:childTnLst>
+                              <p:par>
+                                <p:cTn id="5" presetID="2" presetClass="entr" presetSubtype="8" fill="hold" grpId="0" nodeType="clickEffect">
+                                  <p:stCondLst>
+                                    <p:cond delay="0"/>
+                                  </p:stCondLst>
+                                  <p:childTnLst>
+                                    <p:set>
+                                      <p:cBhvr>
+                                        <p:cTn id="6" dur="1" fill="hold">
+                                          <p:stCondLst>
+                                            <p:cond delay="0"/>
+                                          </p:stCondLst>
+                                        </p:cTn>
+                                        <p:tgtEl>
+                                          <p:spTgt spid="4"/>
+                                        </p:tgtEl>
+                                        <p:attrNameLst>
+                                          <p:attrName>style.visibility</p:attrName>
+                                        </p:attrNameLst>
+                                      </p:cBhvr>
+                                      <p:to>
+                                        <p:strVal val="visible"/>
+                                      </p:to>
+                                    </p:set>
+                                    <p:anim calcmode="lin" valueType="num">
+                                      <p:cBhvr additive="base">
+                                        <p:cTn id="7" dur="500" fill="hold"/>
+                                        <p:tgtEl>
+                                          <p:spTgt spid="4"/>
+                                        </p:tgtEl>
+                                        <p:attrNameLst>
+                                          <p:attrName>ppt_x</p:attrName>
+                                        </p:attrNameLst>
+                                      </p:cBhvr>
+                                      <p:tavLst>
+                                        <p:tav tm="0">
+                                          <p:val>
+                                            <p:strVal val="0-#ppt_w/2"/>
+                                          </p:val>
+                                        </p:tav>
+                                        <p:tav tm="100000">
+                                          <p:val>
+                                            <p:strVal val="#ppt_x"/>
+                                          </p:val>
+                                        </p:tav>
+                                      </p:tavLst>
+                                    </p:anim>
+                                    <p:anim calcmode="lin" valueType="num">
+                                      <p:cBhvr additive="base">
+                                        <p:cTn id="8" dur="500" fill="hold"/>
+                                        <p:tgtEl>
+                                          <p:spTgt spid="4"/>
+                                        </p:tgtEl>
+                                        <p:attrNameLst>
+                                          <p:attrName>ppt_y</p:attrName>
+                                        </p:attrNameLst>
+                                      </p:cBhvr>
+                                      <p:tavLst>
+                                        <p:tav tm="0">
+                                          <p:val>
+                                            <p:strVal val="#ppt_y"/>
+                                          </p:val>
+                                        </p:tav>
+                                        <p:tav tm="100000">
+                                          <p:val>
+                                            <p:strVal val="#ppt_y"/>
+                                          </p:val>
+                                        </p:tav>
+                                      </p:tavLst>
+                                    </p:anim>
+                                  </p:childTnLst>
+                                </p:cTn>
+                              </p:par>
+                            </p:childTnLst>
+                          </p:cTn>
+                        </p:par>
+                      </p:childTnLst>
+                    </p:cTn>
+                  </p:par>
+                  <p:par>
+                    <p:cTn id="9" fill="hold">
+                      <p:stCondLst>
+                        <p:cond delay="indefinite"/>
+                      </p:stCondLst>
+                      <p:childTnLst>
+                        <p:par>
+                          <p:cTn id="10" fill="hold">
+                            <p:stCondLst>
+                              <p:cond delay="0"/>
+                            </p:stCondLst>
+                            <p:childTnLst>
+                              <p:par>
+                                <p:cTn id="11" presetID="2" presetClass="entr" presetSubtype="8" fill="hold" grpId="0" nodeType="clickEffect">
+                                  <p:stCondLst>
+                                    <p:cond delay="0"/>
+                                  </p:stCondLst>
+                                  <p:childTnLst>
+                                    <p:set>
+                                      <p:cBhvr>
+                                        <p:cTn id="12" dur="1" fill="hold">
+                                          <p:stCondLst>
+                                            <p:cond delay="0"/>
+                                          </p:stCondLst>
+                                        </p:cTn>
+                                        <p:tgtEl>
+                                          <p:spTgt spid="5"/>
+                                        </p:tgtEl>
+                                        <p:attrNameLst>
+                                          <p:attrName>style.visibility</p:attrName>
+                                        </p:attrNameLst>
+                                      </p:cBhvr>
+                                      <p:to>
+                                        <p:strVal val="visible"/>
+                                      </p:to>
+                                    </p:set>
+                                    <p:anim calcmode="lin" valueType="num">
+                                      <p:cBhvr additive="base">
+                                        <p:cTn id="13" dur="500" fill="hold"/>
+                                        <p:tgtEl>
+                                          <p:spTgt spid="5"/>
+                                        </p:tgtEl>
+                                        <p:attrNameLst>
+                                          <p:attrName>ppt_x</p:attrName>
+                                        </p:attrNameLst>
+                                      </p:cBhvr>
+                                      <p:tavLst>
+                                        <p:tav tm="0">
+                                          <p:val>
+                                            <p:strVal val="0-#ppt_w/2"/>
+                                          </p:val>
+                                        </p:tav>
+                                        <p:tav tm="100000">
+                                          <p:val>
+                                            <p:strVal val="#ppt_x"/>
+                                          </p:val>
+                                        </p:tav>
+                                      </p:tavLst>
+                                    </p:anim>
+                                    <p:anim calcmode="lin" valueType="num">
+                                      <p:cBhvr additive="base">
+                                        <p:cTn id="14" dur="500" fill="hold"/>
+                                        <p:tgtEl>
+                                          <p:spTgt spid="5"/>
+                                        </p:tgtEl>
+                                        <p:attrNameLst>
+                                          <p:attrName>ppt_y</p:attrName>
+                                        </p:attrNameLst>
+                                      </p:cBhvr>
+                                      <p:tavLst>
+                                        <p:tav tm="0">
+                                          <p:val>
+                                            <p:strVal val="#ppt_y"/>
+                                          </p:val>
+                                        </p:tav>
+                                        <p:tav tm="100000">
+                                          <p:val>
+                                            <p:strVal val="#ppt_y"/>
+                                          </p:val>
+                                        </p:tav>
+                                      </p:tavLst>
+                                    </p:anim>
+                                  </p:childTnLst>
+                                </p:cTn>
+                              </p:par>
+                            </p:childTnLst>
+                          </p:cTn>
+                        </p:par>
+                      </p:childTnLst>
+                    </p:cTn>
+                  </p:par>
+                  <p:par>
+                    <p:cTn id="15" fill="hold">
+                      <p:stCondLst>
+                        <p:cond delay="indefinite"/>
+                      </p:stCondLst>
+                      <p:childTnLst>
+                        <p:par>
+                          <p:cTn id="16" fill="hold">
+                            <p:stCondLst>
+                              <p:cond delay="0"/>
+                            </p:stCondLst>
+                            <p:childTnLst>
+                              <p:par>
+                                <p:cTn id="17" presetID="2" presetClass="entr" presetSubtype="8" fill="hold" grpId="0" nodeType="clickEffect">
+                                  <p:stCondLst>
+                                    <p:cond delay="0"/>
+                                  </p:stCondLst>
+                                  <p:childTnLst>
+                                    <p:set>
+                                      <p:cBhvr>
+                                        <p:cTn id="18" dur="1" fill="hold">
+                                          <p:stCondLst>
+                                            <p:cond delay="0"/>
+                                          </p:stCondLst>
+                                        </p:cTn>
+                                        <p:tgtEl>
+                                          <p:spTgt spid="22"/>
+                                        </p:tgtEl>
+                                        <p:attrNameLst>
+                                          <p:attrName>style.visibility</p:attrName>
+                                        </p:attrNameLst>
+                                      </p:cBhvr>
+                                      <p:to>
+                                        <p:strVal val="visible"/>
+                                      </p:to>
+                                    </p:set>
+                                    <p:anim calcmode="lin" valueType="num">
+                                      <p:cBhvr additive="base">
+                                        <p:cTn id="19" dur="500" fill="hold"/>
+                                        <p:tgtEl>
+                                          <p:spTgt spid="22"/>
+                                        </p:tgtEl>
+                                        <p:attrNameLst>
+                                          <p:attrName>ppt_x</p:attrName>
+                                        </p:attrNameLst>
+                                      </p:cBhvr>
+                                      <p:tavLst>
+                                        <p:tav tm="0">
+                                          <p:val>
+                                            <p:strVal val="0-#ppt_w/2"/>
+                                          </p:val>
+                                        </p:tav>
+                                        <p:tav tm="100000">
+                                          <p:val>
+                                            <p:strVal val="#ppt_x"/>
+                                          </p:val>
+                                        </p:tav>
+                                      </p:tavLst>
+                                    </p:anim>
+                                    <p:anim calcmode="lin" valueType="num">
+                                      <p:cBhvr additive="base">
+                                        <p:cTn id="20" dur="500" fill="hold"/>
+                                        <p:tgtEl>
+                                          <p:spTgt spid="22"/>
+                                        </p:tgtEl>
+                                        <p:attrNameLst>
+                                          <p:attrName>ppt_y</p:attrName>
+                                        </p:attrNameLst>
+                                      </p:cBhvr>
+                                      <p:tavLst>
+                                        <p:tav tm="0">
+                                          <p:val>
+                                            <p:strVal val="#ppt_y"/>
+                                          </p:val>
+                                        </p:tav>
+                                        <p:tav tm="100000">
+                                          <p:val>
+                                            <p:strVal val="#ppt_y"/>
+                                          </p:val>
+                                        </p:tav>
+                                      </p:tavLst>
+                                    </p:anim>
+                                  </p:childTnLst>
+                                </p:cTn>
+                              </p:par>
+                            </p:childTnLst>
+                          </p:cTn>
+                        </p:par>
+                      </p:childTnLst>
+                    </p:cTn>
+                  </p:par>
+                </p:childTnLst>
+              </p:cTn>
+              <p:prevCondLst>
+                <p:cond evt="onPrev" delay="0">
+                  <p:tgtEl>
+                    <p:sldTgt/>
+                  </p:tgtEl>
+                </p:cond>
+              </p:prevCondLst>
+              <p:nextCondLst>
+                <p:cond evt="onNext" delay="0">
+                  <p:tgtEl>
+                    <p:sldTgt/>
+                  </p:tgtEl>
+                </p:cond>
+              </p:nextCondLst>
+            </p:seq>
+          </p:childTnLst>
+        </p:cTn>
+      </p:par>
+    </p:tnLst>
+    <p:bldLst>
+      <p:bldP spid="4" grpId="0"/>
+      <p:bldP spid="5" grpId="0"/>
+      <p:bldP spid="22" grpId="0"/>
+    </p:bldLst>
+  </p:timing>
+</p:sld>
+</file>
+
+<file path=ppt/slides/slide12.xml><?xml version="1.0" encoding="utf-8"?>
+<p:sld xmlns:a="http://schemas.openxmlformats.org/drawingml/2006/main" xmlns:r="http://schemas.openxmlformats.org/officeDocument/2006/relationships" xmlns:p="http://schemas.openxmlformats.org/presentationml/2006/main">
+  <p:cSld>
+    <p:bg>
+      <p:bgPr>
+        <a:solidFill>
+          <a:srgbClr val="0E4885"/>
+        </a:solidFill>
+        <a:effectLst/>
+      </p:bgPr>
+    </p:bg>
+    <p:spTree>
+      <p:nvGrpSpPr>
+        <p:cNvPr id="1" name=""/>
+        <p:cNvGrpSpPr/>
+        <p:nvPr/>
+      </p:nvGrpSpPr>
+      <p:grpSpPr>
+        <a:xfrm>
+          <a:off x="0" y="0"/>
+          <a:ext cx="0" cy="0"/>
+          <a:chOff x="0" y="0"/>
+          <a:chExt cx="0" cy="0"/>
+        </a:xfrm>
+      </p:grpSpPr>
+      <p:sp>
+        <p:nvSpPr>
+          <p:cNvPr id="18" name="Rectangle 17">
+            <a:extLst>
+              <a:ext uri="{FF2B5EF4-FFF2-40B4-BE49-F238E27FC236}">
+                <a16:creationId xmlns:a16="http://schemas.microsoft.com/office/drawing/2014/main" id="{46C53B50-CEB1-5451-1FE3-5C0EE25EB90B}"/>
+              </a:ext>
+            </a:extLst>
+          </p:cNvPr>
+          <p:cNvSpPr/>
+          <p:nvPr/>
+        </p:nvSpPr>
+        <p:spPr>
+          <a:xfrm>
+            <a:off x="6612966" y="-202675"/>
+            <a:ext cx="6196641" cy="7116792"/>
+          </a:xfrm>
+          <a:prstGeom prst="rect">
+            <a:avLst/>
+          </a:prstGeom>
+          <a:solidFill>
+            <a:schemeClr val="tx1"/>
+          </a:solidFill>
+        </p:spPr>
+        <p:style>
+          <a:lnRef idx="2">
+            <a:schemeClr val="accent1">
+              <a:shade val="50000"/>
+            </a:schemeClr>
+          </a:lnRef>
+          <a:fillRef idx="1">
+            <a:schemeClr val="accent1"/>
+          </a:fillRef>
+          <a:effectRef idx="0">
+            <a:schemeClr val="accent1"/>
+          </a:effectRef>
+          <a:fontRef idx="minor">
+            <a:schemeClr val="lt1"/>
+          </a:fontRef>
+        </p:style>
+        <p:txBody>
+          <a:bodyPr rtlCol="0" anchor="ctr"/>
+          <a:lstStyle/>
+          <a:p>
+            <a:pPr algn="ctr"/>
+            <a:endParaRPr lang="en-US"/>
+          </a:p>
+        </p:txBody>
+      </p:sp>
+      <p:sp>
+        <p:nvSpPr>
+          <p:cNvPr id="23" name="Rectangle 22">
+            <a:extLst>
+              <a:ext uri="{FF2B5EF4-FFF2-40B4-BE49-F238E27FC236}">
+                <a16:creationId xmlns:a16="http://schemas.microsoft.com/office/drawing/2014/main" id="{B554536F-231B-E24E-5F47-B8EEA6F2D5CC}"/>
+              </a:ext>
+            </a:extLst>
+          </p:cNvPr>
+          <p:cNvSpPr/>
+          <p:nvPr/>
+        </p:nvSpPr>
+        <p:spPr>
+          <a:xfrm>
+            <a:off x="4905341" y="7598964"/>
+            <a:ext cx="2573547" cy="3191774"/>
+          </a:xfrm>
+          <a:prstGeom prst="rect">
+            <a:avLst/>
+          </a:prstGeom>
+          <a:solidFill>
+            <a:schemeClr val="tx1">
+              <a:lumMod val="95000"/>
+              <a:lumOff val="5000"/>
+            </a:schemeClr>
+          </a:solidFill>
+          <a:ln w="57150">
+            <a:solidFill>
+              <a:schemeClr val="bg1"/>
+            </a:solidFill>
+          </a:ln>
+        </p:spPr>
+        <p:style>
+          <a:lnRef idx="2">
+            <a:schemeClr val="accent1">
+              <a:shade val="50000"/>
+            </a:schemeClr>
+          </a:lnRef>
+          <a:fillRef idx="1">
+            <a:schemeClr val="accent1"/>
+          </a:fillRef>
+          <a:effectRef idx="0">
+            <a:schemeClr val="accent1"/>
+          </a:effectRef>
+          <a:fontRef idx="minor">
+            <a:schemeClr val="lt1"/>
+          </a:fontRef>
+        </p:style>
+        <p:txBody>
+          <a:bodyPr rtlCol="0" anchor="ctr"/>
+          <a:lstStyle/>
+          <a:p>
+            <a:pPr algn="ctr"/>
+            <a:endParaRPr lang="en-US" sz="1400">
+              <a:latin typeface="Poppins" panose="00000500000000000000" pitchFamily="2" charset="0"/>
+              <a:cs typeface="Poppins" panose="00000500000000000000" pitchFamily="2" charset="0"/>
+            </a:endParaRPr>
+          </a:p>
+        </p:txBody>
+      </p:sp>
+      <p:sp>
+        <p:nvSpPr>
+          <p:cNvPr id="2" name="Title 1">
+            <a:extLst>
+              <a:ext uri="{FF2B5EF4-FFF2-40B4-BE49-F238E27FC236}">
+                <a16:creationId xmlns:a16="http://schemas.microsoft.com/office/drawing/2014/main" id="{3FC4B111-A769-BCD9-0A1A-F492DF60BC86}"/>
+              </a:ext>
+            </a:extLst>
+          </p:cNvPr>
+          <p:cNvSpPr>
+            <a:spLocks noGrp="1"/>
+          </p:cNvSpPr>
+          <p:nvPr>
+            <p:ph type="title"/>
+          </p:nvPr>
+        </p:nvSpPr>
+        <p:spPr>
+          <a:xfrm>
+            <a:off x="1499557" y="997729"/>
+            <a:ext cx="3398808" cy="1339940"/>
+          </a:xfrm>
+        </p:spPr>
+        <p:txBody>
+          <a:bodyPr>
+            <a:normAutofit/>
+          </a:bodyPr>
+          <a:lstStyle/>
+          <a:p>
+            <a:r>
+              <a:rPr lang="en-US" sz="3600" b="1" dirty="0" err="1">
+                <a:solidFill>
+                  <a:schemeClr val="bg1"/>
+                </a:solidFill>
+                <a:latin typeface="Poppins"/>
+                <a:cs typeface="Poppins"/>
+              </a:rPr>
+              <a:t>Desafios</a:t>
+            </a:r>
+            <a:endParaRPr lang="en-US" sz="3600" b="1" dirty="0" err="1">
+              <a:solidFill>
+                <a:schemeClr val="bg1"/>
+              </a:solidFill>
+              <a:latin typeface="Poppins" panose="00000500000000000000" pitchFamily="2" charset="0"/>
+              <a:cs typeface="Poppins" panose="00000500000000000000" pitchFamily="2" charset="0"/>
+            </a:endParaRPr>
+          </a:p>
+        </p:txBody>
+      </p:sp>
+      <p:sp>
+        <p:nvSpPr>
+          <p:cNvPr id="21" name="Rectangle 20">
+            <a:extLst>
+              <a:ext uri="{FF2B5EF4-FFF2-40B4-BE49-F238E27FC236}">
+                <a16:creationId xmlns:a16="http://schemas.microsoft.com/office/drawing/2014/main" id="{14724525-A0A6-6053-A86A-78CFCAAEDBB1}"/>
+              </a:ext>
+            </a:extLst>
+          </p:cNvPr>
+          <p:cNvSpPr/>
+          <p:nvPr/>
+        </p:nvSpPr>
+        <p:spPr>
+          <a:xfrm>
+            <a:off x="-3922357" y="2796927"/>
+            <a:ext cx="2573547" cy="3191774"/>
+          </a:xfrm>
+          <a:prstGeom prst="rect">
+            <a:avLst/>
+          </a:prstGeom>
+          <a:solidFill>
+            <a:schemeClr val="tx1">
+              <a:lumMod val="95000"/>
+              <a:lumOff val="5000"/>
+            </a:schemeClr>
+          </a:solidFill>
+          <a:ln w="57150">
+            <a:solidFill>
+              <a:schemeClr val="bg1"/>
+            </a:solidFill>
+          </a:ln>
+        </p:spPr>
+        <p:style>
+          <a:lnRef idx="2">
+            <a:schemeClr val="accent1">
+              <a:shade val="50000"/>
+            </a:schemeClr>
+          </a:lnRef>
+          <a:fillRef idx="1">
+            <a:schemeClr val="accent1"/>
+          </a:fillRef>
+          <a:effectRef idx="0">
+            <a:schemeClr val="accent1"/>
+          </a:effectRef>
+          <a:fontRef idx="minor">
+            <a:schemeClr val="lt1"/>
+          </a:fontRef>
+        </p:style>
+        <p:txBody>
+          <a:bodyPr rtlCol="0" anchor="ctr"/>
+          <a:lstStyle/>
+          <a:p>
+            <a:pPr algn="ctr"/>
+            <a:endParaRPr lang="en-US" sz="1400">
+              <a:latin typeface="Poppins" panose="00000500000000000000" pitchFamily="2" charset="0"/>
+              <a:cs typeface="Poppins" panose="00000500000000000000" pitchFamily="2" charset="0"/>
+            </a:endParaRPr>
+          </a:p>
+        </p:txBody>
+      </p:sp>
+      <p:sp>
+        <p:nvSpPr>
+          <p:cNvPr id="3" name="TextBox 2">
+            <a:extLst>
+              <a:ext uri="{FF2B5EF4-FFF2-40B4-BE49-F238E27FC236}">
+                <a16:creationId xmlns:a16="http://schemas.microsoft.com/office/drawing/2014/main" id="{48AD0700-F686-D263-115F-AAC65DEC63C0}"/>
+              </a:ext>
+            </a:extLst>
+          </p:cNvPr>
+          <p:cNvSpPr txBox="1"/>
+          <p:nvPr/>
+        </p:nvSpPr>
+        <p:spPr>
+          <a:xfrm>
+            <a:off x="-3568857" y="3116262"/>
+            <a:ext cx="2973658" cy="461665"/>
+          </a:xfrm>
+          <a:prstGeom prst="rect">
+            <a:avLst/>
+          </a:prstGeom>
+          <a:noFill/>
+        </p:spPr>
+        <p:txBody>
+          <a:bodyPr rot="0" spcFirstLastPara="0" vertOverflow="overflow" horzOverflow="overflow" vert="horz" wrap="square" lIns="91440" tIns="45720" rIns="91440" bIns="45720" numCol="1" spcCol="0" rtlCol="0" fromWordArt="0" anchor="t" anchorCtr="0" forceAA="0" compatLnSpc="1">
+            <a:prstTxWarp prst="textNoShape">
+              <a:avLst/>
+            </a:prstTxWarp>
+            <a:spAutoFit/>
+          </a:bodyPr>
+          <a:lstStyle/>
+          <a:p>
+            <a:pPr algn="l"/>
+            <a:r>
+              <a:rPr lang="en-US" sz="2400" dirty="0" err="1">
+                <a:solidFill>
+                  <a:schemeClr val="bg1"/>
+                </a:solidFill>
+                <a:latin typeface="Poppins" panose="00000500000000000000" pitchFamily="2" charset="0"/>
+                <a:cs typeface="Poppins" panose="00000500000000000000" pitchFamily="2" charset="0"/>
+              </a:rPr>
+              <a:t>Autonomia</a:t>
+            </a:r>
+            <a:endParaRPr lang="en-US" sz="2400">
+              <a:solidFill>
+                <a:schemeClr val="bg1"/>
+              </a:solidFill>
+              <a:latin typeface="Poppins" panose="00000500000000000000" pitchFamily="2" charset="0"/>
+              <a:cs typeface="Poppins" panose="00000500000000000000" pitchFamily="2" charset="0"/>
+            </a:endParaRPr>
+          </a:p>
+        </p:txBody>
+      </p:sp>
+      <p:sp>
+        <p:nvSpPr>
+          <p:cNvPr id="7" name="TextBox 6">
+            <a:extLst>
+              <a:ext uri="{FF2B5EF4-FFF2-40B4-BE49-F238E27FC236}">
+                <a16:creationId xmlns:a16="http://schemas.microsoft.com/office/drawing/2014/main" id="{6A4702F8-C516-0820-440F-21AFA8122EF3}"/>
+              </a:ext>
+            </a:extLst>
+          </p:cNvPr>
+          <p:cNvSpPr txBox="1"/>
+          <p:nvPr/>
+        </p:nvSpPr>
+        <p:spPr>
+          <a:xfrm>
+            <a:off x="5143821" y="7889544"/>
+            <a:ext cx="2269168" cy="461665"/>
+          </a:xfrm>
+          <a:prstGeom prst="rect">
+            <a:avLst/>
+          </a:prstGeom>
+          <a:noFill/>
+        </p:spPr>
+        <p:txBody>
+          <a:bodyPr rot="0" spcFirstLastPara="0" vertOverflow="overflow" horzOverflow="overflow" vert="horz" wrap="square" lIns="91440" tIns="45720" rIns="91440" bIns="45720" numCol="1" spcCol="0" rtlCol="0" fromWordArt="0" anchor="t" anchorCtr="0" forceAA="0" compatLnSpc="1">
+            <a:prstTxWarp prst="textNoShape">
+              <a:avLst/>
+            </a:prstTxWarp>
+            <a:spAutoFit/>
+          </a:bodyPr>
+          <a:lstStyle/>
+          <a:p>
+            <a:pPr algn="l"/>
+            <a:r>
+              <a:rPr lang="en-US" sz="2400" dirty="0" err="1">
+                <a:solidFill>
+                  <a:schemeClr val="bg1"/>
+                </a:solidFill>
+                <a:latin typeface="Poppins" panose="00000500000000000000" pitchFamily="2" charset="0"/>
+                <a:cs typeface="Poppins" panose="00000500000000000000" pitchFamily="2" charset="0"/>
+              </a:rPr>
+              <a:t>Criatividade</a:t>
+            </a:r>
+          </a:p>
+        </p:txBody>
+      </p:sp>
+      <p:pic>
+        <p:nvPicPr>
+          <p:cNvPr id="15" name="Picture 16" descr="Icon&#10;&#10;Description automatically generated">
+            <a:extLst>
+              <a:ext uri="{FF2B5EF4-FFF2-40B4-BE49-F238E27FC236}">
+                <a16:creationId xmlns:a16="http://schemas.microsoft.com/office/drawing/2014/main" id="{7DEEF68A-4835-D523-C278-96A25EC56DAB}"/>
+              </a:ext>
+            </a:extLst>
+          </p:cNvPr>
+          <p:cNvPicPr>
+            <a:picLocks noChangeAspect="1"/>
+          </p:cNvPicPr>
+          <p:nvPr/>
+        </p:nvPicPr>
+        <p:blipFill>
+          <a:blip r:embed="rId2"/>
+          <a:stretch>
+            <a:fillRect/>
+          </a:stretch>
+        </p:blipFill>
+        <p:spPr>
+          <a:xfrm>
+            <a:off x="5443268" y="8742873"/>
+            <a:ext cx="1521125" cy="1564256"/>
+          </a:xfrm>
+          <a:prstGeom prst="rect">
+            <a:avLst/>
+          </a:prstGeom>
+        </p:spPr>
+      </p:pic>
+      <p:pic>
+        <p:nvPicPr>
+          <p:cNvPr id="17" name="Picture 18" descr="Icon&#10;&#10;Description automatically generated">
+            <a:extLst>
+              <a:ext uri="{FF2B5EF4-FFF2-40B4-BE49-F238E27FC236}">
+                <a16:creationId xmlns:a16="http://schemas.microsoft.com/office/drawing/2014/main" id="{DDAD4E4C-93BD-E774-6A19-011A59AD6895}"/>
+              </a:ext>
+            </a:extLst>
+          </p:cNvPr>
+          <p:cNvPicPr>
+            <a:picLocks noChangeAspect="1"/>
+          </p:cNvPicPr>
+          <p:nvPr/>
+        </p:nvPicPr>
+        <p:blipFill>
+          <a:blip r:embed="rId3"/>
+          <a:stretch>
+            <a:fillRect/>
+          </a:stretch>
+        </p:blipFill>
+        <p:spPr>
+          <a:xfrm>
+            <a:off x="-3571336" y="3782684"/>
+            <a:ext cx="1794295" cy="1794295"/>
+          </a:xfrm>
+          <a:prstGeom prst="rect">
+            <a:avLst/>
+          </a:prstGeom>
+        </p:spPr>
+      </p:pic>
+      <p:sp>
+        <p:nvSpPr>
+          <p:cNvPr id="4" name="TextBox 3">
+            <a:extLst>
+              <a:ext uri="{FF2B5EF4-FFF2-40B4-BE49-F238E27FC236}">
+                <a16:creationId xmlns:a16="http://schemas.microsoft.com/office/drawing/2014/main" id="{970E4548-2B6F-17EE-A46D-75F8149808B6}"/>
+              </a:ext>
+            </a:extLst>
+          </p:cNvPr>
+          <p:cNvSpPr txBox="1"/>
+          <p:nvPr/>
+        </p:nvSpPr>
+        <p:spPr>
+          <a:xfrm>
+            <a:off x="995747" y="2495476"/>
+            <a:ext cx="5510701" cy="954107"/>
+          </a:xfrm>
+          <a:prstGeom prst="rect">
+            <a:avLst/>
+          </a:prstGeom>
+          <a:noFill/>
+        </p:spPr>
+        <p:txBody>
+          <a:bodyPr rot="0" spcFirstLastPara="0" vertOverflow="overflow" horzOverflow="overflow" vert="horz" wrap="square" lIns="91440" tIns="45720" rIns="91440" bIns="45720" numCol="1" spcCol="0" rtlCol="0" fromWordArt="0" anchor="t" anchorCtr="0" forceAA="0" compatLnSpc="1">
+            <a:prstTxWarp prst="textNoShape">
+              <a:avLst/>
+            </a:prstTxWarp>
+            <a:spAutoFit/>
+          </a:bodyPr>
+          <a:lstStyle/>
+          <a:p>
+            <a:pPr marL="457200" indent="-457200">
+              <a:buFont typeface="Arial"/>
+              <a:buChar char="•"/>
+            </a:pPr>
+            <a:r>
+              <a:rPr lang="en-US" sz="2800" dirty="0" err="1">
+                <a:solidFill>
+                  <a:schemeClr val="bg1"/>
+                </a:solidFill>
+                <a:cs typeface="Calibri"/>
+              </a:rPr>
+              <a:t>Criação</a:t>
+            </a:r>
+            <a:r>
+              <a:rPr lang="en-US" sz="2800" dirty="0">
+                <a:solidFill>
+                  <a:schemeClr val="bg1"/>
+                </a:solidFill>
+                <a:cs typeface="Calibri"/>
+              </a:rPr>
+              <a:t> do </a:t>
+            </a:r>
+            <a:r>
+              <a:rPr lang="en-US" sz="2800" dirty="0" err="1">
+                <a:solidFill>
+                  <a:schemeClr val="bg1"/>
+                </a:solidFill>
+                <a:cs typeface="Calibri"/>
+              </a:rPr>
+              <a:t>jogo</a:t>
+            </a:r>
+            <a:r>
+              <a:rPr lang="en-US" sz="2800" dirty="0">
+                <a:solidFill>
+                  <a:schemeClr val="bg1"/>
+                </a:solidFill>
+                <a:cs typeface="Calibri"/>
+              </a:rPr>
+              <a:t> e </a:t>
+            </a:r>
+            <a:r>
+              <a:rPr lang="en-US" sz="2800" dirty="0" err="1">
+                <a:solidFill>
+                  <a:schemeClr val="bg1"/>
+                </a:solidFill>
+                <a:cs typeface="Calibri"/>
+              </a:rPr>
+              <a:t>encaixar</a:t>
+            </a:r>
+            <a:r>
+              <a:rPr lang="en-US" sz="2800" dirty="0">
+                <a:solidFill>
+                  <a:schemeClr val="bg1"/>
+                </a:solidFill>
+                <a:cs typeface="Calibri"/>
+              </a:rPr>
+              <a:t> </a:t>
+            </a:r>
+            <a:r>
+              <a:rPr lang="en-US" sz="2800" dirty="0" err="1">
+                <a:solidFill>
+                  <a:schemeClr val="bg1"/>
+                </a:solidFill>
+                <a:cs typeface="Calibri"/>
+              </a:rPr>
+              <a:t>ele</a:t>
+            </a:r>
+            <a:r>
+              <a:rPr lang="en-US" sz="2800" dirty="0">
+                <a:solidFill>
+                  <a:schemeClr val="bg1"/>
+                </a:solidFill>
+                <a:cs typeface="Calibri"/>
+              </a:rPr>
+              <a:t> </a:t>
+            </a:r>
+            <a:r>
+              <a:rPr lang="en-US" sz="2800" dirty="0" err="1">
+                <a:solidFill>
+                  <a:schemeClr val="bg1"/>
+                </a:solidFill>
+                <a:cs typeface="Calibri"/>
+              </a:rPr>
+              <a:t>nos</a:t>
+            </a:r>
+            <a:r>
+              <a:rPr lang="en-US" sz="2800" dirty="0">
+                <a:solidFill>
+                  <a:schemeClr val="bg1"/>
+                </a:solidFill>
+                <a:cs typeface="Calibri"/>
+              </a:rPr>
+              <a:t> </a:t>
+            </a:r>
+            <a:r>
+              <a:rPr lang="en-US" sz="2800" dirty="0" err="1">
+                <a:solidFill>
+                  <a:schemeClr val="bg1"/>
+                </a:solidFill>
+                <a:cs typeface="Calibri"/>
+              </a:rPr>
+              <a:t>requisitos</a:t>
+            </a:r>
+            <a:r>
+              <a:rPr lang="en-US" sz="2800" dirty="0">
+                <a:solidFill>
+                  <a:schemeClr val="bg1"/>
+                </a:solidFill>
+                <a:cs typeface="Calibri"/>
+              </a:rPr>
+              <a:t>.</a:t>
+            </a:r>
+            <a:endParaRPr lang="en-US" sz="2800" dirty="0" err="1">
+              <a:solidFill>
+                <a:schemeClr val="bg1"/>
+              </a:solidFill>
+              <a:cs typeface="Calibri" panose="020F0502020204030204"/>
+            </a:endParaRPr>
+          </a:p>
+        </p:txBody>
+      </p:sp>
+      <p:sp>
+        <p:nvSpPr>
+          <p:cNvPr id="5" name="TextBox 4">
+            <a:extLst>
+              <a:ext uri="{FF2B5EF4-FFF2-40B4-BE49-F238E27FC236}">
+                <a16:creationId xmlns:a16="http://schemas.microsoft.com/office/drawing/2014/main" id="{3BE548EB-96CA-7A02-FCBB-A5D7FD340646}"/>
+              </a:ext>
+            </a:extLst>
+          </p:cNvPr>
+          <p:cNvSpPr txBox="1"/>
+          <p:nvPr/>
+        </p:nvSpPr>
+        <p:spPr>
+          <a:xfrm>
+            <a:off x="1061141" y="4139752"/>
+            <a:ext cx="4653935" cy="523220"/>
+          </a:xfrm>
+          <a:prstGeom prst="rect">
+            <a:avLst/>
+          </a:prstGeom>
+          <a:noFill/>
+        </p:spPr>
+        <p:txBody>
+          <a:bodyPr rot="0" spcFirstLastPara="0" vertOverflow="overflow" horzOverflow="overflow" vert="horz" wrap="square" lIns="91440" tIns="45720" rIns="91440" bIns="45720" numCol="1" spcCol="0" rtlCol="0" fromWordArt="0" anchor="t" anchorCtr="0" forceAA="0" compatLnSpc="1">
+            <a:prstTxWarp prst="textNoShape">
+              <a:avLst/>
+            </a:prstTxWarp>
+            <a:spAutoFit/>
+          </a:bodyPr>
+          <a:lstStyle/>
+          <a:p>
+            <a:pPr marL="457200" indent="-457200">
+              <a:buFont typeface="Arial"/>
+              <a:buChar char="•"/>
+            </a:pPr>
+            <a:r>
+              <a:rPr lang="en-US" sz="2800" dirty="0">
+                <a:solidFill>
+                  <a:schemeClr val="bg1"/>
+                </a:solidFill>
+                <a:cs typeface="Calibri"/>
+              </a:rPr>
+              <a:t>Api web data viz 😠</a:t>
+            </a:r>
+            <a:endParaRPr lang="en-US" dirty="0">
+              <a:cs typeface="Calibri"/>
+            </a:endParaRPr>
+          </a:p>
+        </p:txBody>
+      </p:sp>
+      <p:sp>
+        <p:nvSpPr>
+          <p:cNvPr id="10" name="Title 1">
+            <a:extLst>
+              <a:ext uri="{FF2B5EF4-FFF2-40B4-BE49-F238E27FC236}">
+                <a16:creationId xmlns:a16="http://schemas.microsoft.com/office/drawing/2014/main" id="{0C032962-00B8-60D3-A525-0A3271B0D4F9}"/>
+              </a:ext>
+            </a:extLst>
+          </p:cNvPr>
+          <p:cNvSpPr txBox="1">
+            <a:spLocks/>
+          </p:cNvSpPr>
+          <p:nvPr/>
+        </p:nvSpPr>
+        <p:spPr>
+          <a:xfrm>
+            <a:off x="7791090" y="963222"/>
+            <a:ext cx="3398808" cy="1339940"/>
+          </a:xfrm>
+          <a:prstGeom prst="rect">
+            <a:avLst/>
+          </a:prstGeom>
+        </p:spPr>
+        <p:txBody>
+          <a:bodyPr vert="horz" lIns="91440" tIns="45720" rIns="91440" bIns="45720" rtlCol="0" anchor="ctr">
+            <a:normAutofit/>
+          </a:bodyPr>
+          <a:lstStyle>
+            <a:lvl1pPr algn="l" defTabSz="914400" rtl="0" eaLnBrk="1" latinLnBrk="0" hangingPunct="1">
+              <a:lnSpc>
+                <a:spcPct val="90000"/>
+              </a:lnSpc>
+              <a:spcBef>
+                <a:spcPct val="0"/>
+              </a:spcBef>
+              <a:buNone/>
+              <a:defRPr sz="4400" kern="1200">
+                <a:solidFill>
+                  <a:schemeClr val="tx1"/>
+                </a:solidFill>
+                <a:latin typeface="+mj-lt"/>
+                <a:ea typeface="+mj-ea"/>
+                <a:cs typeface="+mj-cs"/>
+              </a:defRPr>
+            </a:lvl1pPr>
+          </a:lstStyle>
+          <a:p>
+            <a:r>
+              <a:rPr lang="en-US" sz="3600" b="1" dirty="0" err="1">
+                <a:solidFill>
+                  <a:schemeClr val="bg1"/>
+                </a:solidFill>
+                <a:latin typeface="Poppins"/>
+                <a:cs typeface="Poppins"/>
+              </a:rPr>
+              <a:t>Superações</a:t>
+            </a:r>
+            <a:endParaRPr lang="en-US" sz="3600" b="1" dirty="0" err="1">
+              <a:solidFill>
+                <a:schemeClr val="bg1"/>
+              </a:solidFill>
+              <a:latin typeface="Poppins" panose="00000500000000000000" pitchFamily="2" charset="0"/>
+              <a:cs typeface="Poppins" panose="00000500000000000000" pitchFamily="2" charset="0"/>
+            </a:endParaRPr>
+          </a:p>
+        </p:txBody>
+      </p:sp>
+      <p:sp>
+        <p:nvSpPr>
+          <p:cNvPr id="12" name="TextBox 11">
+            <a:extLst>
+              <a:ext uri="{FF2B5EF4-FFF2-40B4-BE49-F238E27FC236}">
+                <a16:creationId xmlns:a16="http://schemas.microsoft.com/office/drawing/2014/main" id="{9032E312-1BCD-36A7-2B6F-DAE30760D172}"/>
+              </a:ext>
+            </a:extLst>
+          </p:cNvPr>
+          <p:cNvSpPr txBox="1"/>
+          <p:nvPr/>
+        </p:nvSpPr>
+        <p:spPr>
+          <a:xfrm>
+            <a:off x="7408049" y="2653625"/>
+            <a:ext cx="4159230" cy="523220"/>
+          </a:xfrm>
+          <a:prstGeom prst="rect">
+            <a:avLst/>
+          </a:prstGeom>
+          <a:noFill/>
+        </p:spPr>
+        <p:txBody>
+          <a:bodyPr rot="0" spcFirstLastPara="0" vertOverflow="overflow" horzOverflow="overflow" vert="horz" wrap="square" lIns="91440" tIns="45720" rIns="91440" bIns="45720" numCol="1" spcCol="0" rtlCol="0" fromWordArt="0" anchor="t" anchorCtr="0" forceAA="0" compatLnSpc="1">
+            <a:prstTxWarp prst="textNoShape">
+              <a:avLst/>
+            </a:prstTxWarp>
+            <a:spAutoFit/>
+          </a:bodyPr>
+          <a:lstStyle/>
+          <a:p>
+            <a:pPr marL="457200" indent="-457200">
+              <a:buFont typeface="Arial"/>
+              <a:buChar char="•"/>
+            </a:pPr>
+            <a:r>
+              <a:rPr lang="en-US" sz="2800" dirty="0">
+                <a:solidFill>
+                  <a:schemeClr val="bg1"/>
+                </a:solidFill>
+                <a:cs typeface="Calibri"/>
+              </a:rPr>
+              <a:t>Medo de API’s.</a:t>
+            </a:r>
+          </a:p>
+        </p:txBody>
+      </p:sp>
+      <p:sp>
+        <p:nvSpPr>
+          <p:cNvPr id="16" name="TextBox 15">
+            <a:extLst>
+              <a:ext uri="{FF2B5EF4-FFF2-40B4-BE49-F238E27FC236}">
+                <a16:creationId xmlns:a16="http://schemas.microsoft.com/office/drawing/2014/main" id="{D73E2020-E4D4-09A9-7637-7F54E7038526}"/>
+              </a:ext>
+            </a:extLst>
+          </p:cNvPr>
+          <p:cNvSpPr txBox="1"/>
+          <p:nvPr/>
+        </p:nvSpPr>
+        <p:spPr>
+          <a:xfrm>
+            <a:off x="7459064" y="3593410"/>
+            <a:ext cx="4653935" cy="954107"/>
+          </a:xfrm>
+          <a:prstGeom prst="rect">
+            <a:avLst/>
+          </a:prstGeom>
+          <a:noFill/>
+        </p:spPr>
+        <p:txBody>
+          <a:bodyPr rot="0" spcFirstLastPara="0" vertOverflow="overflow" horzOverflow="overflow" vert="horz" wrap="square" lIns="91440" tIns="45720" rIns="91440" bIns="45720" numCol="1" spcCol="0" rtlCol="0" fromWordArt="0" anchor="t" anchorCtr="0" forceAA="0" compatLnSpc="1">
+            <a:prstTxWarp prst="textNoShape">
+              <a:avLst/>
+            </a:prstTxWarp>
+            <a:spAutoFit/>
+          </a:bodyPr>
+          <a:lstStyle/>
+          <a:p>
+            <a:pPr marL="457200" indent="-457200">
+              <a:buFont typeface="Arial"/>
+              <a:buChar char="•"/>
+            </a:pPr>
+            <a:r>
+              <a:rPr lang="en-US" sz="2800" u="sng" dirty="0" err="1">
+                <a:solidFill>
+                  <a:schemeClr val="bg1"/>
+                </a:solidFill>
+                <a:cs typeface="Calibri"/>
+              </a:rPr>
+              <a:t>Criação</a:t>
+            </a:r>
+            <a:r>
+              <a:rPr lang="en-US" sz="2800" dirty="0">
+                <a:solidFill>
+                  <a:schemeClr val="bg1"/>
+                </a:solidFill>
+                <a:cs typeface="Calibri"/>
+              </a:rPr>
+              <a:t> de joins no banco de dados.</a:t>
+            </a:r>
+            <a:endParaRPr lang="en-US" dirty="0"/>
+          </a:p>
+        </p:txBody>
+      </p:sp>
+      <p:sp>
+        <p:nvSpPr>
+          <p:cNvPr id="6" name="TextBox 5">
+            <a:extLst>
+              <a:ext uri="{FF2B5EF4-FFF2-40B4-BE49-F238E27FC236}">
+                <a16:creationId xmlns:a16="http://schemas.microsoft.com/office/drawing/2014/main" id="{3D46AB77-FDDB-F57D-446A-218294E6AC9C}"/>
+              </a:ext>
+            </a:extLst>
+          </p:cNvPr>
+          <p:cNvSpPr txBox="1"/>
+          <p:nvPr/>
+        </p:nvSpPr>
+        <p:spPr>
+          <a:xfrm>
+            <a:off x="1066800" y="5414034"/>
+            <a:ext cx="4089400" cy="523220"/>
+          </a:xfrm>
+          <a:prstGeom prst="rect">
+            <a:avLst/>
+          </a:prstGeom>
+          <a:noFill/>
+        </p:spPr>
+        <p:txBody>
+          <a:bodyPr rot="0" spcFirstLastPara="0" vertOverflow="overflow" horzOverflow="overflow" vert="horz" wrap="square" lIns="91440" tIns="45720" rIns="91440" bIns="45720" numCol="1" spcCol="0" rtlCol="0" fromWordArt="0" anchor="t" anchorCtr="0" forceAA="0" compatLnSpc="1">
+            <a:prstTxWarp prst="textNoShape">
+              <a:avLst/>
+            </a:prstTxWarp>
+            <a:spAutoFit/>
+          </a:bodyPr>
+          <a:lstStyle/>
+          <a:p>
+            <a:pPr marL="285750" indent="-285750">
+              <a:buFont typeface="Arial"/>
+              <a:buChar char="•"/>
+            </a:pPr>
+            <a:r>
+              <a:rPr lang="en-US" sz="2800" dirty="0" err="1">
+                <a:solidFill>
+                  <a:schemeClr val="bg1"/>
+                </a:solidFill>
+                <a:cs typeface="Calibri" panose="020F0502020204030204"/>
+              </a:rPr>
+              <a:t>Criação</a:t>
+            </a:r>
+            <a:r>
+              <a:rPr lang="en-US" sz="2800" dirty="0">
+                <a:solidFill>
+                  <a:schemeClr val="bg1"/>
+                </a:solidFill>
+                <a:cs typeface="Calibri" panose="020F0502020204030204"/>
+              </a:rPr>
+              <a:t> </a:t>
+            </a:r>
+            <a:r>
+              <a:rPr lang="en-US" sz="2800" dirty="0" err="1">
+                <a:solidFill>
+                  <a:schemeClr val="bg1"/>
+                </a:solidFill>
+                <a:cs typeface="Calibri" panose="020F0502020204030204"/>
+              </a:rPr>
+              <a:t>desses</a:t>
+            </a:r>
+            <a:r>
+              <a:rPr lang="en-US" sz="2800" dirty="0">
+                <a:solidFill>
+                  <a:schemeClr val="bg1"/>
+                </a:solidFill>
+                <a:cs typeface="Calibri" panose="020F0502020204030204"/>
+              </a:rPr>
+              <a:t> slides</a:t>
+            </a:r>
+            <a:endParaRPr lang="en-US" dirty="0">
+              <a:solidFill>
+                <a:schemeClr val="bg1"/>
+              </a:solidFill>
+              <a:cs typeface="Calibri" panose="020F0502020204030204"/>
+            </a:endParaRPr>
+          </a:p>
+        </p:txBody>
+      </p:sp>
+    </p:spTree>
+    <p:extLst>
+      <p:ext uri="{BB962C8B-B14F-4D97-AF65-F5344CB8AC3E}">
+        <p14:creationId xmlns:p14="http://schemas.microsoft.com/office/powerpoint/2010/main" val="3410074131"/>
+      </p:ext>
+    </p:extLst>
+  </p:cSld>
+  <p:clrMapOvr>
+    <a:masterClrMapping/>
+  </p:clrMapOvr>
+  <mc:AlternateContent xmlns:mc="http://schemas.openxmlformats.org/markup-compatibility/2006" xmlns:p159="http://schemas.microsoft.com/office/powerpoint/2015/09/main">
+    <mc:Choice Requires="p159">
+      <p:transition spd="slow">
+        <p159:morph option="byObject"/>
+      </p:transition>
+    </mc:Choice>
+    <mc:Fallback xmlns="">
+      <p:transition spd="slow">
+        <p:fade/>
+      </p:transition>
+    </mc:Fallback>
+  </mc:AlternateContent>
+</p:sld>
+</file>
+
+<file path=ppt/slides/slide13.xml><?xml version="1.0" encoding="utf-8"?>
+<p:sld xmlns:a="http://schemas.openxmlformats.org/drawingml/2006/main" xmlns:r="http://schemas.openxmlformats.org/officeDocument/2006/relationships" xmlns:p="http://schemas.openxmlformats.org/presentationml/2006/main">
+  <p:cSld>
+    <p:bg>
+      <p:bgPr>
+        <a:solidFill>
+          <a:srgbClr val="0E4885"/>
+        </a:solidFill>
+        <a:effectLst/>
+      </p:bgPr>
+    </p:bg>
+    <p:spTree>
+      <p:nvGrpSpPr>
+        <p:cNvPr id="1" name=""/>
+        <p:cNvGrpSpPr/>
+        <p:nvPr/>
+      </p:nvGrpSpPr>
+      <p:grpSpPr>
+        <a:xfrm>
+          <a:off x="0" y="0"/>
+          <a:ext cx="0" cy="0"/>
+          <a:chOff x="0" y="0"/>
+          <a:chExt cx="0" cy="0"/>
+        </a:xfrm>
+      </p:grpSpPr>
+      <p:sp>
+        <p:nvSpPr>
           <p:cNvPr id="2" name="Title 1">
             <a:extLst>
               <a:ext uri="{FF2B5EF4-FFF2-40B4-BE49-F238E27FC236}">
@@ -3918,7 +6127,7 @@
 </file>
 
 <file path=ppt/slides/slide2.xml><?xml version="1.0" encoding="utf-8"?>
-<p:sld xmlns:a="http://schemas.openxmlformats.org/drawingml/2006/main" xmlns:r="http://schemas.openxmlformats.org/officeDocument/2006/relationships" xmlns:p="http://schemas.openxmlformats.org/presentationml/2006/main" show="0">
+<p:sld xmlns:a="http://schemas.openxmlformats.org/drawingml/2006/main" xmlns:r="http://schemas.openxmlformats.org/officeDocument/2006/relationships" xmlns:p="http://schemas.openxmlformats.org/presentationml/2006/main">
   <p:cSld>
     <p:bg>
       <p:bgPr>
@@ -4204,13 +6413,13 @@
   <p:clrMapOvr>
     <a:masterClrMapping/>
   </p:clrMapOvr>
-  <mc:AlternateContent xmlns:mc="http://schemas.openxmlformats.org/markup-compatibility/2006">
-    <mc:Choice xmlns:p159="http://schemas.microsoft.com/office/powerpoint/2015/09/main" Requires="p159">
+  <mc:AlternateContent xmlns:mc="http://schemas.openxmlformats.org/markup-compatibility/2006" xmlns:p159="http://schemas.microsoft.com/office/powerpoint/2015/09/main">
+    <mc:Choice Requires="p159">
       <p:transition xmlns:p14="http://schemas.microsoft.com/office/powerpoint/2010/main" spd="slow" p14:dur="800">
         <p159:morph option="byObject"/>
       </p:transition>
     </mc:Choice>
-    <mc:Fallback>
+    <mc:Fallback xmlns="">
       <p:transition spd="slow">
         <p:fade/>
       </p:transition>
@@ -4526,7 +6735,7 @@
 </file>
 
 <file path=ppt/slides/slide3.xml><?xml version="1.0" encoding="utf-8"?>
-<p:sld xmlns:a="http://schemas.openxmlformats.org/drawingml/2006/main" xmlns:r="http://schemas.openxmlformats.org/officeDocument/2006/relationships" xmlns:p="http://schemas.openxmlformats.org/presentationml/2006/main" show="0">
+<p:sld xmlns:a="http://schemas.openxmlformats.org/drawingml/2006/main" xmlns:r="http://schemas.openxmlformats.org/officeDocument/2006/relationships" xmlns:p="http://schemas.openxmlformats.org/presentationml/2006/main">
   <p:cSld>
     <p:bg>
       <p:bgPr>
@@ -4723,80 +6932,6 @@
       </p:pic>
       <p:sp>
         <p:nvSpPr>
-          <p:cNvPr id="5" name="Subtitle 2">
-            <a:extLst>
-              <a:ext uri="{FF2B5EF4-FFF2-40B4-BE49-F238E27FC236}">
-                <a16:creationId xmlns:a16="http://schemas.microsoft.com/office/drawing/2014/main" id="{4FEBDF13-A265-0AD9-0A03-E3A2D1995314}"/>
-              </a:ext>
-            </a:extLst>
-          </p:cNvPr>
-          <p:cNvSpPr>
-            <a:spLocks noGrp="1"/>
-          </p:cNvSpPr>
-          <p:nvPr>
-            <p:ph type="subTitle" idx="1"/>
-          </p:nvPr>
-        </p:nvSpPr>
-        <p:spPr>
-          <a:xfrm>
-            <a:off x="13539642" y="2143542"/>
-            <a:ext cx="5270293" cy="1223451"/>
-          </a:xfrm>
-        </p:spPr>
-        <p:txBody>
-          <a:bodyPr vert="horz" lIns="91440" tIns="45720" rIns="91440" bIns="45720" rtlCol="0" anchor="t">
-            <a:noAutofit/>
-          </a:bodyPr>
-          <a:lstStyle/>
-          <a:p>
-            <a:pPr algn="l"/>
-            <a:r>
-              <a:rPr lang="en-US" sz="3000" b="1" dirty="0">
-                <a:solidFill>
-                  <a:srgbClr val="00B0F0"/>
-                </a:solidFill>
-                <a:cs typeface="Calibri"/>
-              </a:rPr>
-              <a:t>O </a:t>
-            </a:r>
-            <a:r>
-              <a:rPr lang="en-US" sz="3000" b="1" dirty="0" err="1">
-                <a:solidFill>
-                  <a:srgbClr val="00B0F0"/>
-                </a:solidFill>
-                <a:cs typeface="Calibri"/>
-              </a:rPr>
-              <a:t>metodo</a:t>
-            </a:r>
-            <a:r>
-              <a:rPr lang="en-US" sz="3000" b="1" dirty="0">
-                <a:solidFill>
-                  <a:srgbClr val="00B0F0"/>
-                </a:solidFill>
-                <a:cs typeface="Calibri"/>
-              </a:rPr>
-              <a:t> </a:t>
-            </a:r>
-            <a:r>
-              <a:rPr lang="en-US" sz="3000" b="1" dirty="0" err="1">
-                <a:solidFill>
-                  <a:srgbClr val="00B0F0"/>
-                </a:solidFill>
-                <a:cs typeface="Calibri"/>
-              </a:rPr>
-              <a:t>cientifico</a:t>
-            </a:r>
-            <a:endParaRPr lang="en-US" sz="3000" b="1" dirty="0">
-              <a:solidFill>
-                <a:srgbClr val="00B0F0"/>
-              </a:solidFill>
-              <a:cs typeface="Calibri"/>
-            </a:endParaRPr>
-          </a:p>
-        </p:txBody>
-      </p:sp>
-      <p:sp>
-        <p:nvSpPr>
           <p:cNvPr id="3" name="TextBox 2">
             <a:extLst>
               <a:ext uri="{FF2B5EF4-FFF2-40B4-BE49-F238E27FC236}">
@@ -4939,166 +7074,6 @@
                 <a:schemeClr val="bg1"/>
               </a:solidFill>
             </a:endParaRPr>
-          </a:p>
-        </p:txBody>
-      </p:sp>
-      <p:sp>
-        <p:nvSpPr>
-          <p:cNvPr id="8" name="TextBox 7">
-            <a:extLst>
-              <a:ext uri="{FF2B5EF4-FFF2-40B4-BE49-F238E27FC236}">
-                <a16:creationId xmlns:a16="http://schemas.microsoft.com/office/drawing/2014/main" id="{79194D97-B53C-8767-7E1D-CFB8771700C4}"/>
-              </a:ext>
-            </a:extLst>
-          </p:cNvPr>
-          <p:cNvSpPr txBox="1"/>
-          <p:nvPr/>
-        </p:nvSpPr>
-        <p:spPr>
-          <a:xfrm>
-            <a:off x="13467720" y="2961580"/>
-            <a:ext cx="4555767" cy="1477328"/>
-          </a:xfrm>
-          <a:prstGeom prst="rect">
-            <a:avLst/>
-          </a:prstGeom>
-          <a:noFill/>
-        </p:spPr>
-        <p:txBody>
-          <a:bodyPr rot="0" spcFirstLastPara="0" vertOverflow="overflow" horzOverflow="overflow" vert="horz" wrap="square" lIns="91440" tIns="45720" rIns="91440" bIns="45720" numCol="1" spcCol="0" rtlCol="0" fromWordArt="0" anchor="t" anchorCtr="0" forceAA="0" compatLnSpc="1">
-            <a:prstTxWarp prst="textNoShape">
-              <a:avLst/>
-            </a:prstTxWarp>
-            <a:spAutoFit/>
-          </a:bodyPr>
-          <a:lstStyle/>
-          <a:p>
-            <a:r>
-              <a:rPr lang="en-US" sz="3000" dirty="0" err="1">
-                <a:solidFill>
-                  <a:schemeClr val="bg1"/>
-                </a:solidFill>
-                <a:cs typeface="Calibri"/>
-              </a:rPr>
-              <a:t>Abrange</a:t>
-            </a:r>
-            <a:r>
-              <a:rPr lang="en-US" sz="3000" dirty="0">
-                <a:solidFill>
-                  <a:schemeClr val="bg1"/>
-                </a:solidFill>
-                <a:cs typeface="Calibri"/>
-              </a:rPr>
-              <a:t> </a:t>
-            </a:r>
-            <a:r>
-              <a:rPr lang="en-US" sz="3000" dirty="0" err="1">
-                <a:solidFill>
-                  <a:schemeClr val="bg1"/>
-                </a:solidFill>
-                <a:cs typeface="Calibri"/>
-              </a:rPr>
-              <a:t>todos</a:t>
-            </a:r>
-            <a:r>
-              <a:rPr lang="en-US" sz="3000" dirty="0">
-                <a:solidFill>
-                  <a:schemeClr val="bg1"/>
-                </a:solidFill>
-                <a:cs typeface="Calibri"/>
-              </a:rPr>
-              <a:t> </a:t>
-            </a:r>
-            <a:r>
-              <a:rPr lang="en-US" sz="3000" dirty="0" err="1">
-                <a:solidFill>
-                  <a:schemeClr val="bg1"/>
-                </a:solidFill>
-                <a:cs typeface="Calibri"/>
-              </a:rPr>
-              <a:t>os</a:t>
-            </a:r>
-            <a:r>
-              <a:rPr lang="en-US" sz="3000" dirty="0">
-                <a:solidFill>
-                  <a:schemeClr val="bg1"/>
-                </a:solidFill>
-                <a:cs typeface="Calibri"/>
-              </a:rPr>
-              <a:t> </a:t>
-            </a:r>
-            <a:r>
-              <a:rPr lang="en-US" sz="3000" dirty="0" err="1">
-                <a:solidFill>
-                  <a:schemeClr val="bg1"/>
-                </a:solidFill>
-                <a:cs typeface="Calibri"/>
-              </a:rPr>
-              <a:t>contextos</a:t>
-            </a:r>
-            <a:r>
-              <a:rPr lang="en-US" sz="3000" dirty="0">
-                <a:solidFill>
-                  <a:schemeClr val="bg1"/>
-                </a:solidFill>
-                <a:cs typeface="Calibri"/>
-              </a:rPr>
-              <a:t> </a:t>
-            </a:r>
-            <a:r>
-              <a:rPr lang="en-US" sz="3000" dirty="0" err="1">
-                <a:solidFill>
-                  <a:schemeClr val="bg1"/>
-                </a:solidFill>
-                <a:cs typeface="Calibri"/>
-              </a:rPr>
-              <a:t>inseridos</a:t>
-            </a:r>
-            <a:r>
-              <a:rPr lang="en-US" sz="3000" dirty="0">
-                <a:solidFill>
-                  <a:schemeClr val="bg1"/>
-                </a:solidFill>
-                <a:cs typeface="Calibri"/>
-              </a:rPr>
-              <a:t> no </a:t>
-            </a:r>
-            <a:r>
-              <a:rPr lang="en-US" sz="3000" dirty="0" err="1">
-                <a:solidFill>
-                  <a:schemeClr val="bg1"/>
-                </a:solidFill>
-                <a:cs typeface="Calibri"/>
-              </a:rPr>
-              <a:t>mundo</a:t>
-            </a:r>
-            <a:r>
-              <a:rPr lang="en-US" sz="3000" dirty="0">
-                <a:solidFill>
-                  <a:schemeClr val="bg1"/>
-                </a:solidFill>
-                <a:cs typeface="Calibri"/>
-              </a:rPr>
-              <a:t> </a:t>
-            </a:r>
-            <a:r>
-              <a:rPr lang="en-US" sz="3000" dirty="0" err="1">
-                <a:solidFill>
-                  <a:schemeClr val="bg1"/>
-                </a:solidFill>
-                <a:cs typeface="Calibri"/>
-              </a:rPr>
-              <a:t>fisico</a:t>
-            </a:r>
-            <a:r>
-              <a:rPr lang="en-US" sz="3000" dirty="0">
-                <a:solidFill>
-                  <a:schemeClr val="bg1"/>
-                </a:solidFill>
-                <a:cs typeface="Calibri"/>
-              </a:rPr>
-              <a:t> e natural</a:t>
-            </a:r>
           </a:p>
         </p:txBody>
       </p:sp>
@@ -5222,6 +7197,247 @@
           </a:prstGeom>
         </p:spPr>
       </p:pic>
+      <p:sp>
+        <p:nvSpPr>
+          <p:cNvPr id="15" name="TextBox 14">
+            <a:extLst>
+              <a:ext uri="{FF2B5EF4-FFF2-40B4-BE49-F238E27FC236}">
+                <a16:creationId xmlns:a16="http://schemas.microsoft.com/office/drawing/2014/main" id="{3D04CBD6-E8C6-2A5A-A18D-B1A98B397A62}"/>
+              </a:ext>
+            </a:extLst>
+          </p:cNvPr>
+          <p:cNvSpPr txBox="1"/>
+          <p:nvPr/>
+        </p:nvSpPr>
+        <p:spPr>
+          <a:xfrm>
+            <a:off x="16170664" y="3522297"/>
+            <a:ext cx="4771427" cy="1477328"/>
+          </a:xfrm>
+          <a:prstGeom prst="rect">
+            <a:avLst/>
+          </a:prstGeom>
+          <a:noFill/>
+        </p:spPr>
+        <p:txBody>
+          <a:bodyPr rot="0" spcFirstLastPara="0" vertOverflow="overflow" horzOverflow="overflow" vert="horz" wrap="square" lIns="91440" tIns="45720" rIns="91440" bIns="45720" numCol="1" spcCol="0" rtlCol="0" fromWordArt="0" anchor="t" anchorCtr="0" forceAA="0" compatLnSpc="1">
+            <a:prstTxWarp prst="textNoShape">
+              <a:avLst/>
+            </a:prstTxWarp>
+            <a:spAutoFit/>
+          </a:bodyPr>
+          <a:lstStyle/>
+          <a:p>
+            <a:r>
+              <a:rPr lang="en-US" sz="3000" b="1" dirty="0">
+                <a:solidFill>
+                  <a:srgbClr val="00B0F0"/>
+                </a:solidFill>
+                <a:ea typeface="+mn-lt"/>
+                <a:cs typeface="+mn-lt"/>
+              </a:rPr>
+              <a:t>O </a:t>
+            </a:r>
+            <a:r>
+              <a:rPr lang="en-US" sz="3000" b="1" dirty="0" err="1">
+                <a:solidFill>
+                  <a:srgbClr val="00B0F0"/>
+                </a:solidFill>
+                <a:ea typeface="+mn-lt"/>
+                <a:cs typeface="+mn-lt"/>
+              </a:rPr>
+              <a:t>metodo</a:t>
+            </a:r>
+            <a:r>
+              <a:rPr lang="en-US" sz="3000" b="1" dirty="0">
+                <a:solidFill>
+                  <a:srgbClr val="00B0F0"/>
+                </a:solidFill>
+                <a:ea typeface="+mn-lt"/>
+                <a:cs typeface="+mn-lt"/>
+              </a:rPr>
+              <a:t> </a:t>
+            </a:r>
+            <a:r>
+              <a:rPr lang="en-US" sz="3000" b="1" dirty="0" err="1">
+                <a:solidFill>
+                  <a:srgbClr val="00B0F0"/>
+                </a:solidFill>
+                <a:ea typeface="+mn-lt"/>
+                <a:cs typeface="+mn-lt"/>
+              </a:rPr>
+              <a:t>cientifico</a:t>
+            </a:r>
+            <a:r>
+              <a:rPr lang="en-US" sz="3000" b="1" dirty="0">
+                <a:solidFill>
+                  <a:srgbClr val="00B0F0"/>
+                </a:solidFill>
+                <a:ea typeface="+mn-lt"/>
+                <a:cs typeface="+mn-lt"/>
+              </a:rPr>
+              <a:t> </a:t>
+            </a:r>
+            <a:r>
+              <a:rPr lang="en-US" sz="3000" dirty="0" err="1">
+                <a:solidFill>
+                  <a:schemeClr val="bg1"/>
+                </a:solidFill>
+                <a:ea typeface="+mn-lt"/>
+                <a:cs typeface="+mn-lt"/>
+              </a:rPr>
+              <a:t>busca</a:t>
+            </a:r>
+            <a:r>
+              <a:rPr lang="en-US" sz="3000" dirty="0">
+                <a:solidFill>
+                  <a:schemeClr val="bg1"/>
+                </a:solidFill>
+                <a:cs typeface="Calibri"/>
+              </a:rPr>
+              <a:t> </a:t>
+            </a:r>
+            <a:r>
+              <a:rPr lang="en-US" sz="3000" dirty="0" err="1">
+                <a:solidFill>
+                  <a:schemeClr val="bg1"/>
+                </a:solidFill>
+                <a:cs typeface="Calibri"/>
+              </a:rPr>
+              <a:t>entender</a:t>
+            </a:r>
+            <a:r>
+              <a:rPr lang="en-US" sz="3000" dirty="0">
+                <a:solidFill>
+                  <a:schemeClr val="bg1"/>
+                </a:solidFill>
+                <a:cs typeface="Calibri"/>
+              </a:rPr>
+              <a:t> </a:t>
+            </a:r>
+            <a:r>
+              <a:rPr lang="en-US" sz="3000" dirty="0" err="1">
+                <a:solidFill>
+                  <a:schemeClr val="bg1"/>
+                </a:solidFill>
+                <a:cs typeface="Calibri"/>
+              </a:rPr>
+              <a:t>mais</a:t>
+            </a:r>
+            <a:r>
+              <a:rPr lang="en-US" sz="3000" dirty="0">
+                <a:solidFill>
+                  <a:schemeClr val="bg1"/>
+                </a:solidFill>
+                <a:cs typeface="Calibri"/>
+              </a:rPr>
+              <a:t> </a:t>
+            </a:r>
+            <a:r>
+              <a:rPr lang="en-US" sz="3000" dirty="0" err="1">
+                <a:solidFill>
+                  <a:schemeClr val="bg1"/>
+                </a:solidFill>
+                <a:cs typeface="Calibri"/>
+              </a:rPr>
+              <a:t>sobre</a:t>
+            </a:r>
+            <a:r>
+              <a:rPr lang="en-US" sz="3000" dirty="0">
+                <a:solidFill>
+                  <a:schemeClr val="bg1"/>
+                </a:solidFill>
+                <a:cs typeface="Calibri"/>
+              </a:rPr>
+              <a:t> o </a:t>
+            </a:r>
+            <a:r>
+              <a:rPr lang="en-US" sz="3000" dirty="0" err="1">
+                <a:solidFill>
+                  <a:schemeClr val="bg1"/>
+                </a:solidFill>
+                <a:cs typeface="Calibri"/>
+              </a:rPr>
+              <a:t>nosso</a:t>
+            </a:r>
+            <a:r>
+              <a:rPr lang="en-US" sz="3000" dirty="0">
+                <a:solidFill>
+                  <a:schemeClr val="bg1"/>
+                </a:solidFill>
+                <a:cs typeface="Calibri"/>
+              </a:rPr>
+              <a:t> </a:t>
+            </a:r>
+            <a:r>
+              <a:rPr lang="en-US" sz="3000" dirty="0" err="1">
+                <a:solidFill>
+                  <a:schemeClr val="bg1"/>
+                </a:solidFill>
+                <a:cs typeface="Calibri"/>
+              </a:rPr>
+              <a:t>mundo</a:t>
+            </a:r>
+            <a:r>
+              <a:rPr lang="en-US" sz="3000" dirty="0">
+                <a:solidFill>
+                  <a:schemeClr val="bg1"/>
+                </a:solidFill>
+                <a:cs typeface="Calibri"/>
+              </a:rPr>
+              <a:t> </a:t>
+            </a:r>
+            <a:r>
+              <a:rPr lang="en-US" sz="3000" dirty="0" err="1">
+                <a:solidFill>
+                  <a:schemeClr val="bg1"/>
+                </a:solidFill>
+                <a:cs typeface="Calibri"/>
+              </a:rPr>
+              <a:t>fisico</a:t>
+            </a:r>
+            <a:r>
+              <a:rPr lang="en-US" sz="3000" dirty="0">
+                <a:solidFill>
+                  <a:schemeClr val="bg1"/>
+                </a:solidFill>
+                <a:cs typeface="Calibri"/>
+              </a:rPr>
+              <a:t> e natural</a:t>
+            </a:r>
+            <a:endParaRPr lang="en-US">
+              <a:solidFill>
+                <a:schemeClr val="bg1"/>
+              </a:solidFill>
+            </a:endParaRPr>
+          </a:p>
+        </p:txBody>
+      </p:sp>
+      <p:sp>
+        <p:nvSpPr>
+          <p:cNvPr id="17" name="Subtitle 16">
+            <a:extLst>
+              <a:ext uri="{FF2B5EF4-FFF2-40B4-BE49-F238E27FC236}">
+                <a16:creationId xmlns:a16="http://schemas.microsoft.com/office/drawing/2014/main" id="{E338487E-592F-500C-2C7D-EA65CA9E341C}"/>
+              </a:ext>
+            </a:extLst>
+          </p:cNvPr>
+          <p:cNvSpPr>
+            <a:spLocks noGrp="1"/>
+          </p:cNvSpPr>
+          <p:nvPr>
+            <p:ph type="subTitle" idx="1"/>
+          </p:nvPr>
+        </p:nvSpPr>
+        <p:spPr/>
+        <p:txBody>
+          <a:bodyPr/>
+          <a:lstStyle/>
+          <a:p>
+            <a:endParaRPr lang="en-US"/>
+          </a:p>
+        </p:txBody>
+      </p:sp>
     </p:spTree>
     <p:extLst>
       <p:ext uri="{BB962C8B-B14F-4D97-AF65-F5344CB8AC3E}">
@@ -5463,7 +7679,7 @@
 </file>
 
 <file path=ppt/slides/slide4.xml><?xml version="1.0" encoding="utf-8"?>
-<p:sld xmlns:a="http://schemas.openxmlformats.org/drawingml/2006/main" xmlns:r="http://schemas.openxmlformats.org/officeDocument/2006/relationships" xmlns:p="http://schemas.openxmlformats.org/presentationml/2006/main" show="0">
+<p:sld xmlns:a="http://schemas.openxmlformats.org/drawingml/2006/main" xmlns:r="http://schemas.openxmlformats.org/officeDocument/2006/relationships" xmlns:p="http://schemas.openxmlformats.org/presentationml/2006/main">
   <p:cSld>
     <p:bg>
       <p:bgPr>
@@ -5579,9 +7795,9 @@
                 </a:solidFill>
                 <a:cs typeface="Calibri"/>
               </a:rPr>
-              <a:t>Pesaquisar</a:t>
-            </a:r>
-            <a:endParaRPr lang="en-US" sz="2800" dirty="0" err="1">
+              <a:t>Pesquisar</a:t>
+            </a:r>
+            <a:endParaRPr lang="en-US" sz="2800" dirty="0">
               <a:solidFill>
                 <a:schemeClr val="bg1"/>
               </a:solidFill>
@@ -5680,235 +7896,6 @@
               <a:t>Explicar</a:t>
             </a:r>
             <a:endParaRPr lang="en-US" sz="2800" dirty="0" err="1">
-              <a:solidFill>
-                <a:schemeClr val="bg1"/>
-              </a:solidFill>
-            </a:endParaRPr>
-          </a:p>
-        </p:txBody>
-      </p:sp>
-      <p:sp>
-        <p:nvSpPr>
-          <p:cNvPr id="8" name="TextBox 7">
-            <a:extLst>
-              <a:ext uri="{FF2B5EF4-FFF2-40B4-BE49-F238E27FC236}">
-                <a16:creationId xmlns:a16="http://schemas.microsoft.com/office/drawing/2014/main" id="{79194D97-B53C-8767-7E1D-CFB8771700C4}"/>
-              </a:ext>
-            </a:extLst>
-          </p:cNvPr>
-          <p:cNvSpPr txBox="1"/>
-          <p:nvPr/>
-        </p:nvSpPr>
-        <p:spPr>
-          <a:xfrm>
-            <a:off x="12964513" y="3594183"/>
-            <a:ext cx="4555767" cy="1477328"/>
-          </a:xfrm>
-          <a:prstGeom prst="rect">
-            <a:avLst/>
-          </a:prstGeom>
-          <a:noFill/>
-        </p:spPr>
-        <p:txBody>
-          <a:bodyPr rot="0" spcFirstLastPara="0" vertOverflow="overflow" horzOverflow="overflow" vert="horz" wrap="square" lIns="91440" tIns="45720" rIns="91440" bIns="45720" numCol="1" spcCol="0" rtlCol="0" fromWordArt="0" anchor="t" anchorCtr="0" forceAA="0" compatLnSpc="1">
-            <a:prstTxWarp prst="textNoShape">
-              <a:avLst/>
-            </a:prstTxWarp>
-            <a:spAutoFit/>
-          </a:bodyPr>
-          <a:lstStyle/>
-          <a:p>
-            <a:r>
-              <a:rPr lang="en-US" sz="3000" b="1" dirty="0">
-                <a:solidFill>
-                  <a:srgbClr val="00B0F0"/>
-                </a:solidFill>
-                <a:ea typeface="+mn-lt"/>
-                <a:cs typeface="+mn-lt"/>
-              </a:rPr>
-              <a:t>O </a:t>
-            </a:r>
-            <a:r>
-              <a:rPr lang="en-US" sz="3000" b="1" dirty="0" err="1">
-                <a:solidFill>
-                  <a:srgbClr val="00B0F0"/>
-                </a:solidFill>
-                <a:ea typeface="+mn-lt"/>
-                <a:cs typeface="+mn-lt"/>
-              </a:rPr>
-              <a:t>metodo</a:t>
-            </a:r>
-            <a:r>
-              <a:rPr lang="en-US" sz="3000" b="1" dirty="0">
-                <a:solidFill>
-                  <a:srgbClr val="00B0F0"/>
-                </a:solidFill>
-                <a:ea typeface="+mn-lt"/>
-                <a:cs typeface="+mn-lt"/>
-              </a:rPr>
-              <a:t> </a:t>
-            </a:r>
-            <a:r>
-              <a:rPr lang="en-US" sz="3000" b="1" dirty="0" err="1">
-                <a:solidFill>
-                  <a:srgbClr val="00B0F0"/>
-                </a:solidFill>
-                <a:ea typeface="+mn-lt"/>
-                <a:cs typeface="+mn-lt"/>
-              </a:rPr>
-              <a:t>cientifico</a:t>
-            </a:r>
-            <a:r>
-              <a:rPr lang="en-US" sz="3000" b="1" dirty="0">
-                <a:solidFill>
-                  <a:srgbClr val="00B0F0"/>
-                </a:solidFill>
-                <a:ea typeface="+mn-lt"/>
-                <a:cs typeface="+mn-lt"/>
-              </a:rPr>
-              <a:t> </a:t>
-            </a:r>
-            <a:r>
-              <a:rPr lang="en-US" sz="3000" dirty="0" err="1">
-                <a:solidFill>
-                  <a:schemeClr val="bg1"/>
-                </a:solidFill>
-                <a:ea typeface="+mn-lt"/>
-                <a:cs typeface="+mn-lt"/>
-              </a:rPr>
-              <a:t>Busca</a:t>
-            </a:r>
-            <a:r>
-              <a:rPr lang="en-US" sz="3000" dirty="0">
-                <a:solidFill>
-                  <a:schemeClr val="bg1"/>
-                </a:solidFill>
-                <a:ea typeface="+mn-lt"/>
-                <a:cs typeface="+mn-lt"/>
-              </a:rPr>
-              <a:t> </a:t>
-            </a:r>
-            <a:r>
-              <a:rPr lang="en-US" sz="3000" dirty="0" err="1">
-                <a:solidFill>
-                  <a:schemeClr val="bg1"/>
-                </a:solidFill>
-                <a:ea typeface="+mn-lt"/>
-                <a:cs typeface="+mn-lt"/>
-              </a:rPr>
-              <a:t>entender</a:t>
-            </a:r>
-            <a:r>
-              <a:rPr lang="en-US" sz="3000" dirty="0">
-                <a:solidFill>
-                  <a:schemeClr val="bg1"/>
-                </a:solidFill>
-                <a:ea typeface="+mn-lt"/>
-                <a:cs typeface="+mn-lt"/>
-              </a:rPr>
-              <a:t> </a:t>
-            </a:r>
-            <a:r>
-              <a:rPr lang="en-US" sz="3000" dirty="0" err="1">
-                <a:solidFill>
-                  <a:schemeClr val="bg1"/>
-                </a:solidFill>
-                <a:ea typeface="+mn-lt"/>
-                <a:cs typeface="+mn-lt"/>
-              </a:rPr>
-              <a:t>mais</a:t>
-            </a:r>
-            <a:r>
-              <a:rPr lang="en-US" sz="3000" dirty="0">
-                <a:solidFill>
-                  <a:schemeClr val="bg1"/>
-                </a:solidFill>
-                <a:ea typeface="+mn-lt"/>
-                <a:cs typeface="+mn-lt"/>
-              </a:rPr>
-              <a:t> </a:t>
-            </a:r>
-            <a:r>
-              <a:rPr lang="en-US" sz="3000" dirty="0" err="1">
-                <a:solidFill>
-                  <a:schemeClr val="bg1"/>
-                </a:solidFill>
-                <a:ea typeface="+mn-lt"/>
-                <a:cs typeface="+mn-lt"/>
-              </a:rPr>
-              <a:t>sobre</a:t>
-            </a:r>
-            <a:r>
-              <a:rPr lang="en-US" sz="3000" dirty="0">
-                <a:solidFill>
-                  <a:schemeClr val="bg1"/>
-                </a:solidFill>
-                <a:ea typeface="+mn-lt"/>
-                <a:cs typeface="+mn-lt"/>
-              </a:rPr>
-              <a:t> </a:t>
-            </a:r>
-            <a:r>
-              <a:rPr lang="en-US" sz="3000" dirty="0" err="1">
-                <a:solidFill>
-                  <a:schemeClr val="bg1"/>
-                </a:solidFill>
-                <a:ea typeface="+mn-lt"/>
-                <a:cs typeface="+mn-lt"/>
-              </a:rPr>
-              <a:t>nosso</a:t>
-            </a:r>
-            <a:r>
-              <a:rPr lang="en-US" sz="3000" dirty="0">
-                <a:solidFill>
-                  <a:schemeClr val="bg1"/>
-                </a:solidFill>
-                <a:ea typeface="+mn-lt"/>
-                <a:cs typeface="+mn-lt"/>
-              </a:rPr>
-              <a:t> </a:t>
-            </a:r>
-            <a:r>
-              <a:rPr lang="en-US" sz="3000" dirty="0" err="1">
-                <a:solidFill>
-                  <a:schemeClr val="bg1"/>
-                </a:solidFill>
-                <a:ea typeface="+mn-lt"/>
-                <a:cs typeface="+mn-lt"/>
-              </a:rPr>
-              <a:t>mundo</a:t>
-            </a:r>
-            <a:r>
-              <a:rPr lang="en-US" sz="3000" dirty="0">
-                <a:solidFill>
-                  <a:schemeClr val="bg1"/>
-                </a:solidFill>
-                <a:ea typeface="+mn-lt"/>
-                <a:cs typeface="+mn-lt"/>
-              </a:rPr>
-              <a:t> natural e </a:t>
-            </a:r>
-            <a:r>
-              <a:rPr lang="en-US" sz="3000" dirty="0" err="1">
-                <a:solidFill>
-                  <a:schemeClr val="bg1"/>
-                </a:solidFill>
-                <a:ea typeface="+mn-lt"/>
-                <a:cs typeface="+mn-lt"/>
-              </a:rPr>
-              <a:t>físico</a:t>
-            </a:r>
-            <a:r>
-              <a:rPr lang="en-US" sz="3000" dirty="0">
-                <a:solidFill>
-                  <a:schemeClr val="bg1"/>
-                </a:solidFill>
-                <a:ea typeface="+mn-lt"/>
-                <a:cs typeface="+mn-lt"/>
-              </a:rPr>
-              <a:t>.</a:t>
-            </a:r>
-            <a:endParaRPr lang="en-US" dirty="0">
               <a:solidFill>
                 <a:schemeClr val="bg1"/>
               </a:solidFill>
@@ -6006,6 +7993,222 @@
           </a:prstGeom>
         </p:spPr>
       </p:pic>
+      <p:sp>
+        <p:nvSpPr>
+          <p:cNvPr id="5" name="TextBox 4">
+            <a:extLst>
+              <a:ext uri="{FF2B5EF4-FFF2-40B4-BE49-F238E27FC236}">
+                <a16:creationId xmlns:a16="http://schemas.microsoft.com/office/drawing/2014/main" id="{CCC14690-9672-A4E4-0F90-18F014D83C9A}"/>
+              </a:ext>
+            </a:extLst>
+          </p:cNvPr>
+          <p:cNvSpPr txBox="1"/>
+          <p:nvPr/>
+        </p:nvSpPr>
+        <p:spPr>
+          <a:xfrm>
+            <a:off x="6595343" y="3493542"/>
+            <a:ext cx="4771427" cy="1477328"/>
+          </a:xfrm>
+          <a:prstGeom prst="rect">
+            <a:avLst/>
+          </a:prstGeom>
+          <a:noFill/>
+        </p:spPr>
+        <p:txBody>
+          <a:bodyPr rot="0" spcFirstLastPara="0" vertOverflow="overflow" horzOverflow="overflow" vert="horz" wrap="square" lIns="91440" tIns="45720" rIns="91440" bIns="45720" numCol="1" spcCol="0" rtlCol="0" fromWordArt="0" anchor="t" anchorCtr="0" forceAA="0" compatLnSpc="1">
+            <a:prstTxWarp prst="textNoShape">
+              <a:avLst/>
+            </a:prstTxWarp>
+            <a:spAutoFit/>
+          </a:bodyPr>
+          <a:lstStyle/>
+          <a:p>
+            <a:r>
+              <a:rPr lang="en-US" sz="3000" b="1" dirty="0">
+                <a:solidFill>
+                  <a:srgbClr val="00B0F0"/>
+                </a:solidFill>
+                <a:ea typeface="+mn-lt"/>
+                <a:cs typeface="+mn-lt"/>
+              </a:rPr>
+              <a:t>O </a:t>
+            </a:r>
+            <a:r>
+              <a:rPr lang="en-US" sz="3000" b="1" dirty="0" err="1">
+                <a:solidFill>
+                  <a:srgbClr val="00B0F0"/>
+                </a:solidFill>
+                <a:ea typeface="+mn-lt"/>
+                <a:cs typeface="+mn-lt"/>
+              </a:rPr>
+              <a:t>método</a:t>
+            </a:r>
+            <a:r>
+              <a:rPr lang="en-US" sz="3000" b="1" dirty="0">
+                <a:solidFill>
+                  <a:srgbClr val="00B0F0"/>
+                </a:solidFill>
+                <a:ea typeface="+mn-lt"/>
+                <a:cs typeface="+mn-lt"/>
+              </a:rPr>
+              <a:t> </a:t>
+            </a:r>
+            <a:r>
+              <a:rPr lang="en-US" sz="3000" b="1" dirty="0" err="1">
+                <a:solidFill>
+                  <a:srgbClr val="00B0F0"/>
+                </a:solidFill>
+                <a:ea typeface="+mn-lt"/>
+                <a:cs typeface="+mn-lt"/>
+              </a:rPr>
+              <a:t>científico</a:t>
+            </a:r>
+            <a:r>
+              <a:rPr lang="en-US" sz="3000" b="1" dirty="0">
+                <a:solidFill>
+                  <a:srgbClr val="00B0F0"/>
+                </a:solidFill>
+                <a:ea typeface="+mn-lt"/>
+                <a:cs typeface="+mn-lt"/>
+              </a:rPr>
+              <a:t> </a:t>
+            </a:r>
+            <a:r>
+              <a:rPr lang="en-US" sz="3000" dirty="0" err="1">
+                <a:solidFill>
+                  <a:schemeClr val="bg1"/>
+                </a:solidFill>
+                <a:ea typeface="+mn-lt"/>
+                <a:cs typeface="+mn-lt"/>
+              </a:rPr>
+              <a:t>busca</a:t>
+            </a:r>
+            <a:r>
+              <a:rPr lang="en-US" sz="3000" dirty="0">
+                <a:solidFill>
+                  <a:schemeClr val="bg1"/>
+                </a:solidFill>
+                <a:cs typeface="Calibri"/>
+              </a:rPr>
+              <a:t> </a:t>
+            </a:r>
+            <a:r>
+              <a:rPr lang="en-US" sz="3000" dirty="0" err="1">
+                <a:solidFill>
+                  <a:schemeClr val="bg1"/>
+                </a:solidFill>
+                <a:cs typeface="Calibri"/>
+              </a:rPr>
+              <a:t>entender</a:t>
+            </a:r>
+            <a:r>
+              <a:rPr lang="en-US" sz="3000" dirty="0">
+                <a:solidFill>
+                  <a:schemeClr val="bg1"/>
+                </a:solidFill>
+                <a:cs typeface="Calibri"/>
+              </a:rPr>
+              <a:t> </a:t>
+            </a:r>
+            <a:r>
+              <a:rPr lang="en-US" sz="3000" dirty="0" err="1">
+                <a:solidFill>
+                  <a:schemeClr val="bg1"/>
+                </a:solidFill>
+                <a:cs typeface="Calibri"/>
+              </a:rPr>
+              <a:t>mais</a:t>
+            </a:r>
+            <a:r>
+              <a:rPr lang="en-US" sz="3000" dirty="0">
+                <a:solidFill>
+                  <a:schemeClr val="bg1"/>
+                </a:solidFill>
+                <a:cs typeface="Calibri"/>
+              </a:rPr>
+              <a:t> </a:t>
+            </a:r>
+            <a:r>
+              <a:rPr lang="en-US" sz="3000" dirty="0" err="1">
+                <a:solidFill>
+                  <a:schemeClr val="bg1"/>
+                </a:solidFill>
+                <a:cs typeface="Calibri"/>
+              </a:rPr>
+              <a:t>sobre</a:t>
+            </a:r>
+            <a:r>
+              <a:rPr lang="en-US" sz="3000" dirty="0">
+                <a:solidFill>
+                  <a:schemeClr val="bg1"/>
+                </a:solidFill>
+                <a:cs typeface="Calibri"/>
+              </a:rPr>
+              <a:t> o </a:t>
+            </a:r>
+            <a:r>
+              <a:rPr lang="en-US" sz="3000" dirty="0" err="1">
+                <a:solidFill>
+                  <a:schemeClr val="bg1"/>
+                </a:solidFill>
+                <a:cs typeface="Calibri"/>
+              </a:rPr>
+              <a:t>nosso</a:t>
+            </a:r>
+            <a:r>
+              <a:rPr lang="en-US" sz="3000" dirty="0">
+                <a:solidFill>
+                  <a:schemeClr val="bg1"/>
+                </a:solidFill>
+                <a:cs typeface="Calibri"/>
+              </a:rPr>
+              <a:t> </a:t>
+            </a:r>
+            <a:r>
+              <a:rPr lang="en-US" sz="3000" dirty="0" err="1">
+                <a:solidFill>
+                  <a:schemeClr val="bg1"/>
+                </a:solidFill>
+                <a:cs typeface="Calibri"/>
+              </a:rPr>
+              <a:t>mundo</a:t>
+            </a:r>
+            <a:r>
+              <a:rPr lang="en-US" sz="3000" dirty="0">
+                <a:solidFill>
+                  <a:schemeClr val="bg1"/>
+                </a:solidFill>
+                <a:cs typeface="Calibri"/>
+              </a:rPr>
+              <a:t> </a:t>
+            </a:r>
+            <a:r>
+              <a:rPr lang="en-US" sz="3000" dirty="0" err="1">
+                <a:solidFill>
+                  <a:schemeClr val="bg1"/>
+                </a:solidFill>
+                <a:cs typeface="Calibri"/>
+              </a:rPr>
+              <a:t>físico</a:t>
+            </a:r>
+            <a:r>
+              <a:rPr lang="en-US" sz="3000" dirty="0">
+                <a:solidFill>
+                  <a:schemeClr val="bg1"/>
+                </a:solidFill>
+                <a:cs typeface="Calibri"/>
+              </a:rPr>
+              <a:t> e natural.</a:t>
+            </a:r>
+            <a:endParaRPr lang="en-US" dirty="0">
+              <a:solidFill>
+                <a:schemeClr val="bg1"/>
+              </a:solidFill>
+            </a:endParaRPr>
+          </a:p>
+        </p:txBody>
+      </p:sp>
     </p:spTree>
     <p:extLst>
       <p:ext uri="{BB962C8B-B14F-4D97-AF65-F5344CB8AC3E}">
@@ -6032,15 +8235,12 @@
 </file>
 
 <file path=ppt/slides/slide5.xml><?xml version="1.0" encoding="utf-8"?>
-<p:sld xmlns:a="http://schemas.openxmlformats.org/drawingml/2006/main" xmlns:r="http://schemas.openxmlformats.org/officeDocument/2006/relationships" xmlns:p="http://schemas.openxmlformats.org/presentationml/2006/main" show="0">
+<p:sld xmlns:a="http://schemas.openxmlformats.org/drawingml/2006/main" xmlns:r="http://schemas.openxmlformats.org/officeDocument/2006/relationships" xmlns:p="http://schemas.openxmlformats.org/presentationml/2006/main">
   <p:cSld>
     <p:bg>
       <p:bgPr>
         <a:solidFill>
-          <a:schemeClr val="tx1">
-            <a:lumMod val="95000"/>
-            <a:lumOff val="5000"/>
-          </a:schemeClr>
+          <a:srgbClr val="0E4885"/>
         </a:solidFill>
         <a:effectLst/>
       </p:bgPr>
@@ -6061,423 +8261,128 @@
       </p:grpSpPr>
       <p:sp>
         <p:nvSpPr>
-          <p:cNvPr id="2" name="Title 1"/>
+          <p:cNvPr id="2" name="Title 1">
+            <a:extLst>
+              <a:ext uri="{FF2B5EF4-FFF2-40B4-BE49-F238E27FC236}">
+                <a16:creationId xmlns:a16="http://schemas.microsoft.com/office/drawing/2014/main" id="{3FC4B111-A769-BCD9-0A1A-F492DF60BC86}"/>
+              </a:ext>
+            </a:extLst>
+          </p:cNvPr>
           <p:cNvSpPr>
             <a:spLocks noGrp="1"/>
           </p:cNvSpPr>
           <p:nvPr>
-            <p:ph type="ctrTitle"/>
+            <p:ph type="title"/>
           </p:nvPr>
         </p:nvSpPr>
         <p:spPr>
           <a:xfrm>
-            <a:off x="1782048" y="526942"/>
-            <a:ext cx="9144000" cy="1323428"/>
-          </a:xfrm>
-        </p:spPr>
-        <p:txBody>
-          <a:bodyPr/>
-          <a:lstStyle/>
-          <a:p>
-            <a:r>
-              <a:rPr lang="en-US" b="1" dirty="0">
-                <a:solidFill>
-                  <a:schemeClr val="bg1"/>
-                </a:solidFill>
-                <a:cs typeface="Calibri Light"/>
-              </a:rPr>
-              <a:t> </a:t>
-            </a:r>
-            <a:r>
-              <a:rPr lang="en-US" b="1" dirty="0">
-                <a:solidFill>
-                  <a:srgbClr val="00B0F0"/>
-                </a:solidFill>
-                <a:cs typeface="Calibri Light"/>
-              </a:rPr>
-              <a:t>Ciência é o </a:t>
-            </a:r>
-            <a:r>
-              <a:rPr lang="en-US" b="1" dirty="0" err="1">
-                <a:solidFill>
-                  <a:srgbClr val="00B0F0"/>
-                </a:solidFill>
-                <a:cs typeface="Calibri Light"/>
-              </a:rPr>
-              <a:t>metodo</a:t>
-            </a:r>
-          </a:p>
-        </p:txBody>
-      </p:sp>
-      <p:sp>
-        <p:nvSpPr>
-          <p:cNvPr id="3" name="TextBox 2">
-            <a:extLst>
-              <a:ext uri="{FF2B5EF4-FFF2-40B4-BE49-F238E27FC236}">
-                <a16:creationId xmlns:a16="http://schemas.microsoft.com/office/drawing/2014/main" id="{F52324C6-5507-4F04-BCE2-0AA190B76E45}"/>
-              </a:ext>
-            </a:extLst>
-          </p:cNvPr>
-          <p:cNvSpPr txBox="1"/>
-          <p:nvPr/>
-        </p:nvSpPr>
-        <p:spPr>
-          <a:xfrm>
-            <a:off x="2088272" y="2725205"/>
-            <a:ext cx="2205302" cy="523220"/>
-          </a:xfrm>
-          <a:prstGeom prst="rect">
-            <a:avLst/>
-          </a:prstGeom>
-          <a:noFill/>
-        </p:spPr>
-        <p:txBody>
-          <a:bodyPr rot="0" spcFirstLastPara="0" vertOverflow="overflow" horzOverflow="overflow" vert="horz" wrap="square" lIns="91440" tIns="45720" rIns="91440" bIns="45720" numCol="1" spcCol="0" rtlCol="0" fromWordArt="0" anchor="t" anchorCtr="0" forceAA="0" compatLnSpc="1">
-            <a:prstTxWarp prst="textNoShape">
-              <a:avLst/>
-            </a:prstTxWarp>
-            <a:spAutoFit/>
+            <a:off x="3253595" y="480143"/>
+            <a:ext cx="6209059" cy="1376365"/>
+          </a:xfrm>
+        </p:spPr>
+        <p:txBody>
+          <a:bodyPr>
+            <a:normAutofit/>
           </a:bodyPr>
           <a:lstStyle/>
           <a:p>
-            <a:pPr algn="l"/>
-            <a:r>
-              <a:rPr lang="en-US" sz="2800" dirty="0" err="1">
-                <a:solidFill>
-                  <a:schemeClr val="bg1"/>
-                </a:solidFill>
-                <a:cs typeface="Calibri"/>
-              </a:rPr>
-              <a:t>Pesaquisar</a:t>
-            </a:r>
-            <a:endParaRPr lang="en-US" sz="2800" dirty="0" err="1">
+            <a:r>
+              <a:rPr lang="en-US" sz="3600" b="1" dirty="0">
+                <a:solidFill>
+                  <a:schemeClr val="bg1"/>
+                </a:solidFill>
+                <a:latin typeface="Poppins" panose="00000500000000000000" pitchFamily="2" charset="0"/>
+                <a:cs typeface="Poppins" panose="00000500000000000000" pitchFamily="2" charset="0"/>
+              </a:rPr>
+              <a:t>A </a:t>
+            </a:r>
+            <a:r>
+              <a:rPr lang="en-US" sz="3600" b="1" dirty="0" err="1">
+                <a:solidFill>
+                  <a:schemeClr val="bg1"/>
+                </a:solidFill>
+                <a:latin typeface="Poppins" panose="00000500000000000000" pitchFamily="2" charset="0"/>
+                <a:cs typeface="Poppins" panose="00000500000000000000" pitchFamily="2" charset="0"/>
+              </a:rPr>
+              <a:t>ciência</a:t>
+            </a:r>
+            <a:r>
+              <a:rPr lang="en-US" sz="3600" b="1" dirty="0">
+                <a:solidFill>
+                  <a:schemeClr val="bg1"/>
+                </a:solidFill>
+                <a:latin typeface="Poppins" panose="00000500000000000000" pitchFamily="2" charset="0"/>
+                <a:cs typeface="Poppins" panose="00000500000000000000" pitchFamily="2" charset="0"/>
+              </a:rPr>
+              <a:t> </a:t>
+            </a:r>
+            <a:r>
+              <a:rPr lang="en-US" sz="3600" b="1" dirty="0" err="1">
+                <a:solidFill>
+                  <a:schemeClr val="bg1"/>
+                </a:solidFill>
+                <a:latin typeface="Poppins" panose="00000500000000000000" pitchFamily="2" charset="0"/>
+                <a:cs typeface="Poppins" panose="00000500000000000000" pitchFamily="2" charset="0"/>
+              </a:rPr>
+              <a:t>na</a:t>
+            </a:r>
+            <a:r>
+              <a:rPr lang="en-US" sz="3600" b="1" dirty="0">
+                <a:solidFill>
+                  <a:schemeClr val="bg1"/>
+                </a:solidFill>
+                <a:latin typeface="Poppins" panose="00000500000000000000" pitchFamily="2" charset="0"/>
+                <a:cs typeface="Poppins" panose="00000500000000000000" pitchFamily="2" charset="0"/>
+              </a:rPr>
+              <a:t> </a:t>
+            </a:r>
+            <a:r>
+              <a:rPr lang="en-US" sz="3600" b="1" dirty="0" err="1">
+                <a:solidFill>
+                  <a:schemeClr val="bg1"/>
+                </a:solidFill>
+                <a:latin typeface="Poppins" panose="00000500000000000000" pitchFamily="2" charset="0"/>
+                <a:cs typeface="Poppins" panose="00000500000000000000" pitchFamily="2" charset="0"/>
+              </a:rPr>
+              <a:t>minha</a:t>
+            </a:r>
+            <a:r>
+              <a:rPr lang="en-US" sz="3600" b="1" dirty="0">
+                <a:solidFill>
+                  <a:schemeClr val="bg1"/>
+                </a:solidFill>
+                <a:latin typeface="Poppins" panose="00000500000000000000" pitchFamily="2" charset="0"/>
+                <a:cs typeface="Poppins" panose="00000500000000000000" pitchFamily="2" charset="0"/>
+              </a:rPr>
+              <a:t> </a:t>
+            </a:r>
+            <a:r>
+              <a:rPr lang="en-US" sz="3600" b="1" dirty="0" err="1">
+                <a:solidFill>
+                  <a:schemeClr val="bg1"/>
+                </a:solidFill>
+                <a:latin typeface="Poppins" panose="00000500000000000000" pitchFamily="2" charset="0"/>
+                <a:cs typeface="Poppins" panose="00000500000000000000" pitchFamily="2" charset="0"/>
+              </a:rPr>
+              <a:t>vida</a:t>
+            </a:r>
+            <a:endParaRPr lang="en-US" sz="3600" b="1" dirty="0">
               <a:solidFill>
                 <a:schemeClr val="bg1"/>
               </a:solidFill>
-            </a:endParaRPr>
-          </a:p>
-        </p:txBody>
-      </p:sp>
-      <p:sp>
-        <p:nvSpPr>
-          <p:cNvPr id="6" name="TextBox 5">
-            <a:extLst>
-              <a:ext uri="{FF2B5EF4-FFF2-40B4-BE49-F238E27FC236}">
-                <a16:creationId xmlns:a16="http://schemas.microsoft.com/office/drawing/2014/main" id="{785B9966-7B86-31C5-AA49-23C3B8158A9B}"/>
-              </a:ext>
-            </a:extLst>
-          </p:cNvPr>
-          <p:cNvSpPr txBox="1"/>
-          <p:nvPr/>
-        </p:nvSpPr>
-        <p:spPr>
-          <a:xfrm>
-            <a:off x="2088271" y="3976034"/>
-            <a:ext cx="2205302" cy="523220"/>
-          </a:xfrm>
-          <a:prstGeom prst="rect">
-            <a:avLst/>
-          </a:prstGeom>
-          <a:noFill/>
-        </p:spPr>
-        <p:txBody>
-          <a:bodyPr rot="0" spcFirstLastPara="0" vertOverflow="overflow" horzOverflow="overflow" vert="horz" wrap="square" lIns="91440" tIns="45720" rIns="91440" bIns="45720" numCol="1" spcCol="0" rtlCol="0" fromWordArt="0" anchor="t" anchorCtr="0" forceAA="0" compatLnSpc="1">
-            <a:prstTxWarp prst="textNoShape">
-              <a:avLst/>
-            </a:prstTxWarp>
-            <a:spAutoFit/>
-          </a:bodyPr>
-          <a:lstStyle/>
-          <a:p>
-            <a:pPr algn="l"/>
-            <a:r>
-              <a:rPr lang="en-US" sz="2800" dirty="0" err="1">
-                <a:solidFill>
-                  <a:schemeClr val="bg1"/>
-                </a:solidFill>
-                <a:cs typeface="Calibri"/>
-              </a:rPr>
-              <a:t>Observar</a:t>
-            </a:r>
-            <a:endParaRPr lang="en-US" sz="2800" dirty="0" err="1">
-              <a:solidFill>
-                <a:schemeClr val="bg1"/>
-              </a:solidFill>
-            </a:endParaRPr>
-          </a:p>
-        </p:txBody>
-      </p:sp>
-      <p:sp>
-        <p:nvSpPr>
-          <p:cNvPr id="7" name="TextBox 6">
-            <a:extLst>
-              <a:ext uri="{FF2B5EF4-FFF2-40B4-BE49-F238E27FC236}">
-                <a16:creationId xmlns:a16="http://schemas.microsoft.com/office/drawing/2014/main" id="{5896C5B4-527D-342A-B639-284E621A7A56}"/>
-              </a:ext>
-            </a:extLst>
-          </p:cNvPr>
-          <p:cNvSpPr txBox="1"/>
-          <p:nvPr/>
-        </p:nvSpPr>
-        <p:spPr>
-          <a:xfrm>
-            <a:off x="2088271" y="5442526"/>
-            <a:ext cx="2205302" cy="523220"/>
-          </a:xfrm>
-          <a:prstGeom prst="rect">
-            <a:avLst/>
-          </a:prstGeom>
-          <a:noFill/>
-        </p:spPr>
-        <p:txBody>
-          <a:bodyPr rot="0" spcFirstLastPara="0" vertOverflow="overflow" horzOverflow="overflow" vert="horz" wrap="square" lIns="91440" tIns="45720" rIns="91440" bIns="45720" numCol="1" spcCol="0" rtlCol="0" fromWordArt="0" anchor="t" anchorCtr="0" forceAA="0" compatLnSpc="1">
-            <a:prstTxWarp prst="textNoShape">
-              <a:avLst/>
-            </a:prstTxWarp>
-            <a:spAutoFit/>
-          </a:bodyPr>
-          <a:lstStyle/>
-          <a:p>
-            <a:pPr algn="l"/>
-            <a:r>
-              <a:rPr lang="en-US" sz="2800" dirty="0" err="1">
-                <a:solidFill>
-                  <a:schemeClr val="bg1"/>
-                </a:solidFill>
-                <a:cs typeface="Calibri"/>
-              </a:rPr>
-              <a:t>Explicar</a:t>
-            </a:r>
-            <a:endParaRPr lang="en-US" sz="2800" dirty="0" err="1">
-              <a:solidFill>
-                <a:schemeClr val="bg1"/>
-              </a:solidFill>
-            </a:endParaRPr>
-          </a:p>
-        </p:txBody>
-      </p:sp>
-      <p:sp>
-        <p:nvSpPr>
-          <p:cNvPr id="8" name="TextBox 7">
-            <a:extLst>
-              <a:ext uri="{FF2B5EF4-FFF2-40B4-BE49-F238E27FC236}">
-                <a16:creationId xmlns:a16="http://schemas.microsoft.com/office/drawing/2014/main" id="{79194D97-B53C-8767-7E1D-CFB8771700C4}"/>
-              </a:ext>
-            </a:extLst>
-          </p:cNvPr>
-          <p:cNvSpPr txBox="1"/>
-          <p:nvPr/>
-        </p:nvSpPr>
-        <p:spPr>
-          <a:xfrm>
-            <a:off x="6595343" y="3493542"/>
-            <a:ext cx="4771427" cy="1477328"/>
-          </a:xfrm>
-          <a:prstGeom prst="rect">
-            <a:avLst/>
-          </a:prstGeom>
-          <a:noFill/>
-        </p:spPr>
-        <p:txBody>
-          <a:bodyPr rot="0" spcFirstLastPara="0" vertOverflow="overflow" horzOverflow="overflow" vert="horz" wrap="square" lIns="91440" tIns="45720" rIns="91440" bIns="45720" numCol="1" spcCol="0" rtlCol="0" fromWordArt="0" anchor="t" anchorCtr="0" forceAA="0" compatLnSpc="1">
-            <a:prstTxWarp prst="textNoShape">
-              <a:avLst/>
-            </a:prstTxWarp>
-            <a:spAutoFit/>
-          </a:bodyPr>
-          <a:lstStyle/>
-          <a:p>
-            <a:r>
-              <a:rPr lang="en-US" sz="3000" b="1" dirty="0">
-                <a:solidFill>
-                  <a:srgbClr val="00B0F0"/>
-                </a:solidFill>
-                <a:ea typeface="+mn-lt"/>
-                <a:cs typeface="+mn-lt"/>
-              </a:rPr>
-              <a:t>O </a:t>
-            </a:r>
-            <a:r>
-              <a:rPr lang="en-US" sz="3000" b="1" dirty="0" err="1">
-                <a:solidFill>
-                  <a:srgbClr val="00B0F0"/>
-                </a:solidFill>
-                <a:ea typeface="+mn-lt"/>
-                <a:cs typeface="+mn-lt"/>
-              </a:rPr>
-              <a:t>metodo</a:t>
-            </a:r>
-            <a:r>
-              <a:rPr lang="en-US" sz="3000" b="1" dirty="0">
-                <a:solidFill>
-                  <a:srgbClr val="00B0F0"/>
-                </a:solidFill>
-                <a:ea typeface="+mn-lt"/>
-                <a:cs typeface="+mn-lt"/>
-              </a:rPr>
-              <a:t> </a:t>
-            </a:r>
-            <a:r>
-              <a:rPr lang="en-US" sz="3000" b="1" dirty="0" err="1">
-                <a:solidFill>
-                  <a:srgbClr val="00B0F0"/>
-                </a:solidFill>
-                <a:ea typeface="+mn-lt"/>
-                <a:cs typeface="+mn-lt"/>
-              </a:rPr>
-              <a:t>cientifico</a:t>
-            </a:r>
-            <a:r>
-              <a:rPr lang="en-US" sz="3000" b="1" dirty="0">
-                <a:solidFill>
-                  <a:srgbClr val="00B0F0"/>
-                </a:solidFill>
-                <a:ea typeface="+mn-lt"/>
-                <a:cs typeface="+mn-lt"/>
-              </a:rPr>
-              <a:t> </a:t>
-            </a:r>
-            <a:r>
-              <a:rPr lang="en-US" sz="3000" dirty="0" err="1">
-                <a:solidFill>
-                  <a:schemeClr val="bg1"/>
-                </a:solidFill>
-                <a:ea typeface="+mn-lt"/>
-                <a:cs typeface="+mn-lt"/>
-              </a:rPr>
-              <a:t>busca</a:t>
-            </a:r>
-            <a:r>
-              <a:rPr lang="en-US" sz="3000" dirty="0">
-                <a:solidFill>
-                  <a:schemeClr val="bg1"/>
-                </a:solidFill>
-                <a:cs typeface="Calibri"/>
-              </a:rPr>
-              <a:t> </a:t>
-            </a:r>
-            <a:r>
-              <a:rPr lang="en-US" sz="3000" dirty="0" err="1">
-                <a:solidFill>
-                  <a:schemeClr val="bg1"/>
-                </a:solidFill>
-                <a:cs typeface="Calibri"/>
-              </a:rPr>
-              <a:t>entender</a:t>
-            </a:r>
-            <a:r>
-              <a:rPr lang="en-US" sz="3000" dirty="0">
-                <a:solidFill>
-                  <a:schemeClr val="bg1"/>
-                </a:solidFill>
-                <a:cs typeface="Calibri"/>
-              </a:rPr>
-              <a:t> </a:t>
-            </a:r>
-            <a:r>
-              <a:rPr lang="en-US" sz="3000" dirty="0" err="1">
-                <a:solidFill>
-                  <a:schemeClr val="bg1"/>
-                </a:solidFill>
-                <a:cs typeface="Calibri"/>
-              </a:rPr>
-              <a:t>mais</a:t>
-            </a:r>
-            <a:r>
-              <a:rPr lang="en-US" sz="3000" dirty="0">
-                <a:solidFill>
-                  <a:schemeClr val="bg1"/>
-                </a:solidFill>
-                <a:cs typeface="Calibri"/>
-              </a:rPr>
-              <a:t> </a:t>
-            </a:r>
-            <a:r>
-              <a:rPr lang="en-US" sz="3000" dirty="0" err="1">
-                <a:solidFill>
-                  <a:schemeClr val="bg1"/>
-                </a:solidFill>
-                <a:cs typeface="Calibri"/>
-              </a:rPr>
-              <a:t>sobre</a:t>
-            </a:r>
-            <a:r>
-              <a:rPr lang="en-US" sz="3000" dirty="0">
-                <a:solidFill>
-                  <a:schemeClr val="bg1"/>
-                </a:solidFill>
-                <a:cs typeface="Calibri"/>
-              </a:rPr>
-              <a:t> o </a:t>
-            </a:r>
-            <a:r>
-              <a:rPr lang="en-US" sz="3000" dirty="0" err="1">
-                <a:solidFill>
-                  <a:schemeClr val="bg1"/>
-                </a:solidFill>
-                <a:cs typeface="Calibri"/>
-              </a:rPr>
-              <a:t>nosso</a:t>
-            </a:r>
-            <a:r>
-              <a:rPr lang="en-US" sz="3000" dirty="0">
-                <a:solidFill>
-                  <a:schemeClr val="bg1"/>
-                </a:solidFill>
-                <a:cs typeface="Calibri"/>
-              </a:rPr>
-              <a:t> </a:t>
-            </a:r>
-            <a:r>
-              <a:rPr lang="en-US" sz="3000" dirty="0" err="1">
-                <a:solidFill>
-                  <a:schemeClr val="bg1"/>
-                </a:solidFill>
-                <a:cs typeface="Calibri"/>
-              </a:rPr>
-              <a:t>mundo</a:t>
-            </a:r>
-            <a:r>
-              <a:rPr lang="en-US" sz="3000" dirty="0">
-                <a:solidFill>
-                  <a:schemeClr val="bg1"/>
-                </a:solidFill>
-                <a:cs typeface="Calibri"/>
-              </a:rPr>
-              <a:t> </a:t>
-            </a:r>
-            <a:r>
-              <a:rPr lang="en-US" sz="3000" dirty="0" err="1">
-                <a:solidFill>
-                  <a:schemeClr val="bg1"/>
-                </a:solidFill>
-                <a:cs typeface="Calibri"/>
-              </a:rPr>
-              <a:t>fisico</a:t>
-            </a:r>
-            <a:r>
-              <a:rPr lang="en-US" sz="3000" dirty="0">
-                <a:solidFill>
-                  <a:schemeClr val="bg1"/>
-                </a:solidFill>
-                <a:cs typeface="Calibri"/>
-              </a:rPr>
-              <a:t> e natural</a:t>
-            </a:r>
-            <a:endParaRPr lang="en-US">
-              <a:solidFill>
-                <a:schemeClr val="bg1"/>
-              </a:solidFill>
+              <a:latin typeface="Poppins" panose="00000500000000000000" pitchFamily="2" charset="0"/>
+              <a:cs typeface="Poppins" panose="00000500000000000000" pitchFamily="2" charset="0"/>
             </a:endParaRPr>
           </a:p>
         </p:txBody>
       </p:sp>
       <p:pic>
         <p:nvPicPr>
-          <p:cNvPr id="9" name="Picture 10" descr="Icon&#10;&#10;Description automatically generated">
-            <a:extLst>
-              <a:ext uri="{FF2B5EF4-FFF2-40B4-BE49-F238E27FC236}">
-                <a16:creationId xmlns:a16="http://schemas.microsoft.com/office/drawing/2014/main" id="{C72AEF13-5CD6-1B78-B10C-670151811F50}"/>
+          <p:cNvPr id="4" name="Picture 4" descr="A picture containing calendar&#10;&#10;Description automatically generated">
+            <a:extLst>
+              <a:ext uri="{FF2B5EF4-FFF2-40B4-BE49-F238E27FC236}">
+                <a16:creationId xmlns:a16="http://schemas.microsoft.com/office/drawing/2014/main" id="{B58C87D5-1FAD-CCA8-6F24-6B95FDBD4371}"/>
               </a:ext>
             </a:extLst>
           </p:cNvPr>
@@ -6494,8 +8399,8 @@
         </p:blipFill>
         <p:spPr>
           <a:xfrm>
-            <a:off x="813757" y="3811438"/>
-            <a:ext cx="845390" cy="831012"/>
+            <a:off x="-6159259" y="2411094"/>
+            <a:ext cx="5647426" cy="3085359"/>
           </a:xfrm>
           <a:prstGeom prst="rect">
             <a:avLst/>
@@ -6504,10 +8409,10 @@
       </p:pic>
       <p:pic>
         <p:nvPicPr>
-          <p:cNvPr id="11" name="Picture 11" descr="Icon&#10;&#10;Description automatically generated">
-            <a:extLst>
-              <a:ext uri="{FF2B5EF4-FFF2-40B4-BE49-F238E27FC236}">
-                <a16:creationId xmlns:a16="http://schemas.microsoft.com/office/drawing/2014/main" id="{0C3C1F14-39BB-DE61-1959-A90A89C3F382}"/>
+          <p:cNvPr id="5" name="Picture 5" descr="Text&#10;&#10;Description automatically generated">
+            <a:extLst>
+              <a:ext uri="{FF2B5EF4-FFF2-40B4-BE49-F238E27FC236}">
+                <a16:creationId xmlns:a16="http://schemas.microsoft.com/office/drawing/2014/main" id="{3252B8BE-BBDE-BB50-CC8A-260D6AF110E2}"/>
               </a:ext>
             </a:extLst>
           </p:cNvPr>
@@ -6524,8 +8429,8 @@
         </p:blipFill>
         <p:spPr>
           <a:xfrm>
-            <a:off x="813758" y="2503098"/>
-            <a:ext cx="974786" cy="989163"/>
+            <a:off x="13048891" y="2515319"/>
+            <a:ext cx="3763992" cy="2862532"/>
           </a:xfrm>
           <a:prstGeom prst="rect">
             <a:avLst/>
@@ -6534,10 +8439,10 @@
       </p:pic>
       <p:pic>
         <p:nvPicPr>
-          <p:cNvPr id="12" name="Picture 12" descr="Icon&#10;&#10;Description automatically generated">
-            <a:extLst>
-              <a:ext uri="{FF2B5EF4-FFF2-40B4-BE49-F238E27FC236}">
-                <a16:creationId xmlns:a16="http://schemas.microsoft.com/office/drawing/2014/main" id="{FBCE7D58-644D-B99A-5184-106E802F6B68}"/>
+          <p:cNvPr id="9" name="Picture 5" descr="Text, qr code&#10;&#10;Description automatically generated">
+            <a:extLst>
+              <a:ext uri="{FF2B5EF4-FFF2-40B4-BE49-F238E27FC236}">
+                <a16:creationId xmlns:a16="http://schemas.microsoft.com/office/drawing/2014/main" id="{310478D3-5041-6C15-6EC0-F117E71E9701}"/>
               </a:ext>
             </a:extLst>
           </p:cNvPr>
@@ -6554,18 +8459,532 @@
         </p:blipFill>
         <p:spPr>
           <a:xfrm>
-            <a:off x="943154" y="5162909"/>
-            <a:ext cx="974786" cy="960409"/>
+            <a:off x="-6475562" y="2349727"/>
+            <a:ext cx="2743200" cy="3653794"/>
           </a:xfrm>
           <a:prstGeom prst="rect">
             <a:avLst/>
           </a:prstGeom>
         </p:spPr>
       </p:pic>
+      <p:sp>
+        <p:nvSpPr>
+          <p:cNvPr id="13" name="TextBox 12">
+            <a:extLst>
+              <a:ext uri="{FF2B5EF4-FFF2-40B4-BE49-F238E27FC236}">
+                <a16:creationId xmlns:a16="http://schemas.microsoft.com/office/drawing/2014/main" id="{7F1B14A0-8D4F-0885-2109-AE119F932ACB}"/>
+              </a:ext>
+            </a:extLst>
+          </p:cNvPr>
+          <p:cNvSpPr txBox="1"/>
+          <p:nvPr/>
+        </p:nvSpPr>
+        <p:spPr>
+          <a:xfrm>
+            <a:off x="14659495" y="3882813"/>
+            <a:ext cx="3679366" cy="584775"/>
+          </a:xfrm>
+          <a:prstGeom prst="rect">
+            <a:avLst/>
+          </a:prstGeom>
+          <a:noFill/>
+        </p:spPr>
+        <p:txBody>
+          <a:bodyPr rot="0" spcFirstLastPara="0" vertOverflow="overflow" horzOverflow="overflow" vert="horz" wrap="square" lIns="91440" tIns="45720" rIns="91440" bIns="45720" numCol="1" spcCol="0" rtlCol="0" fromWordArt="0" anchor="t" anchorCtr="0" forceAA="0" compatLnSpc="1">
+            <a:prstTxWarp prst="textNoShape">
+              <a:avLst/>
+            </a:prstTxWarp>
+            <a:spAutoFit/>
+          </a:bodyPr>
+          <a:lstStyle/>
+          <a:p>
+            <a:r>
+              <a:rPr lang="en-US" sz="3200" dirty="0" err="1">
+                <a:solidFill>
+                  <a:schemeClr val="bg1"/>
+                </a:solidFill>
+                <a:cs typeface="Calibri"/>
+              </a:rPr>
+              <a:t>Revistas</a:t>
+            </a:r>
+            <a:r>
+              <a:rPr lang="en-US" sz="3200" dirty="0">
+                <a:solidFill>
+                  <a:schemeClr val="bg1"/>
+                </a:solidFill>
+                <a:cs typeface="Calibri"/>
+              </a:rPr>
+              <a:t> </a:t>
+            </a:r>
+            <a:r>
+              <a:rPr lang="en-US" sz="3200" dirty="0" err="1">
+                <a:solidFill>
+                  <a:schemeClr val="bg1"/>
+                </a:solidFill>
+                <a:cs typeface="Calibri"/>
+              </a:rPr>
+              <a:t>recreio</a:t>
+            </a:r>
+          </a:p>
+        </p:txBody>
+      </p:sp>
+      <p:sp>
+        <p:nvSpPr>
+          <p:cNvPr id="6" name="TextBox 5">
+            <a:extLst>
+              <a:ext uri="{FF2B5EF4-FFF2-40B4-BE49-F238E27FC236}">
+                <a16:creationId xmlns:a16="http://schemas.microsoft.com/office/drawing/2014/main" id="{38EEDFD7-9C28-B9CC-C0AF-9C60BCEBEFAE}"/>
+              </a:ext>
+            </a:extLst>
+          </p:cNvPr>
+          <p:cNvSpPr txBox="1"/>
+          <p:nvPr/>
+        </p:nvSpPr>
+        <p:spPr>
+          <a:xfrm>
+            <a:off x="-2498105" y="2164488"/>
+            <a:ext cx="2205302" cy="523220"/>
+          </a:xfrm>
+          <a:prstGeom prst="rect">
+            <a:avLst/>
+          </a:prstGeom>
+          <a:noFill/>
+        </p:spPr>
+        <p:txBody>
+          <a:bodyPr rot="0" spcFirstLastPara="0" vertOverflow="overflow" horzOverflow="overflow" vert="horz" wrap="square" lIns="91440" tIns="45720" rIns="91440" bIns="45720" numCol="1" spcCol="0" rtlCol="0" fromWordArt="0" anchor="t" anchorCtr="0" forceAA="0" compatLnSpc="1">
+            <a:prstTxWarp prst="textNoShape">
+              <a:avLst/>
+            </a:prstTxWarp>
+            <a:spAutoFit/>
+          </a:bodyPr>
+          <a:lstStyle/>
+          <a:p>
+            <a:pPr algn="l"/>
+            <a:r>
+              <a:rPr lang="en-US" sz="2800" dirty="0" err="1">
+                <a:solidFill>
+                  <a:schemeClr val="bg1"/>
+                </a:solidFill>
+                <a:cs typeface="Calibri"/>
+              </a:rPr>
+              <a:t>Pesaquisar</a:t>
+            </a:r>
+            <a:endParaRPr lang="en-US" sz="2800" dirty="0" err="1">
+              <a:solidFill>
+                <a:schemeClr val="bg1"/>
+              </a:solidFill>
+            </a:endParaRPr>
+          </a:p>
+        </p:txBody>
+      </p:sp>
+      <p:sp>
+        <p:nvSpPr>
+          <p:cNvPr id="8" name="TextBox 7">
+            <a:extLst>
+              <a:ext uri="{FF2B5EF4-FFF2-40B4-BE49-F238E27FC236}">
+                <a16:creationId xmlns:a16="http://schemas.microsoft.com/office/drawing/2014/main" id="{635FDEBE-3F73-A737-AC95-FF6499B55E61}"/>
+              </a:ext>
+            </a:extLst>
+          </p:cNvPr>
+          <p:cNvSpPr txBox="1"/>
+          <p:nvPr/>
+        </p:nvSpPr>
+        <p:spPr>
+          <a:xfrm>
+            <a:off x="-2498106" y="3400940"/>
+            <a:ext cx="2205302" cy="523220"/>
+          </a:xfrm>
+          <a:prstGeom prst="rect">
+            <a:avLst/>
+          </a:prstGeom>
+          <a:noFill/>
+        </p:spPr>
+        <p:txBody>
+          <a:bodyPr rot="0" spcFirstLastPara="0" vertOverflow="overflow" horzOverflow="overflow" vert="horz" wrap="square" lIns="91440" tIns="45720" rIns="91440" bIns="45720" numCol="1" spcCol="0" rtlCol="0" fromWordArt="0" anchor="t" anchorCtr="0" forceAA="0" compatLnSpc="1">
+            <a:prstTxWarp prst="textNoShape">
+              <a:avLst/>
+            </a:prstTxWarp>
+            <a:spAutoFit/>
+          </a:bodyPr>
+          <a:lstStyle/>
+          <a:p>
+            <a:pPr algn="l"/>
+            <a:r>
+              <a:rPr lang="en-US" sz="2800" dirty="0" err="1">
+                <a:solidFill>
+                  <a:schemeClr val="bg1"/>
+                </a:solidFill>
+                <a:cs typeface="Calibri"/>
+              </a:rPr>
+              <a:t>Observar</a:t>
+            </a:r>
+            <a:endParaRPr lang="en-US" sz="2800" dirty="0" err="1">
+              <a:solidFill>
+                <a:schemeClr val="bg1"/>
+              </a:solidFill>
+            </a:endParaRPr>
+          </a:p>
+        </p:txBody>
+      </p:sp>
+      <p:sp>
+        <p:nvSpPr>
+          <p:cNvPr id="11" name="TextBox 10">
+            <a:extLst>
+              <a:ext uri="{FF2B5EF4-FFF2-40B4-BE49-F238E27FC236}">
+                <a16:creationId xmlns:a16="http://schemas.microsoft.com/office/drawing/2014/main" id="{1094A901-96F8-86C9-077B-65BD68690B3F}"/>
+              </a:ext>
+            </a:extLst>
+          </p:cNvPr>
+          <p:cNvSpPr txBox="1"/>
+          <p:nvPr/>
+        </p:nvSpPr>
+        <p:spPr>
+          <a:xfrm>
+            <a:off x="-2498106" y="4867432"/>
+            <a:ext cx="2205302" cy="523220"/>
+          </a:xfrm>
+          <a:prstGeom prst="rect">
+            <a:avLst/>
+          </a:prstGeom>
+          <a:noFill/>
+        </p:spPr>
+        <p:txBody>
+          <a:bodyPr rot="0" spcFirstLastPara="0" vertOverflow="overflow" horzOverflow="overflow" vert="horz" wrap="square" lIns="91440" tIns="45720" rIns="91440" bIns="45720" numCol="1" spcCol="0" rtlCol="0" fromWordArt="0" anchor="t" anchorCtr="0" forceAA="0" compatLnSpc="1">
+            <a:prstTxWarp prst="textNoShape">
+              <a:avLst/>
+            </a:prstTxWarp>
+            <a:spAutoFit/>
+          </a:bodyPr>
+          <a:lstStyle/>
+          <a:p>
+            <a:pPr algn="l"/>
+            <a:r>
+              <a:rPr lang="en-US" sz="2800" dirty="0" err="1">
+                <a:solidFill>
+                  <a:schemeClr val="bg1"/>
+                </a:solidFill>
+                <a:cs typeface="Calibri"/>
+              </a:rPr>
+              <a:t>Explicar</a:t>
+            </a:r>
+            <a:endParaRPr lang="en-US" sz="2800" dirty="0" err="1">
+              <a:solidFill>
+                <a:schemeClr val="bg1"/>
+              </a:solidFill>
+            </a:endParaRPr>
+          </a:p>
+        </p:txBody>
+      </p:sp>
+      <p:pic>
+        <p:nvPicPr>
+          <p:cNvPr id="14" name="Picture 10" descr="Icon&#10;&#10;Description automatically generated">
+            <a:extLst>
+              <a:ext uri="{FF2B5EF4-FFF2-40B4-BE49-F238E27FC236}">
+                <a16:creationId xmlns:a16="http://schemas.microsoft.com/office/drawing/2014/main" id="{FF8700AA-D178-0812-108D-6E87419E5321}"/>
+              </a:ext>
+            </a:extLst>
+          </p:cNvPr>
+          <p:cNvPicPr>
+            <a:picLocks noChangeAspect="1"/>
+          </p:cNvPicPr>
+          <p:nvPr/>
+        </p:nvPicPr>
+        <p:blipFill>
+          <a:blip r:embed="rId5"/>
+          <a:stretch>
+            <a:fillRect/>
+          </a:stretch>
+        </p:blipFill>
+        <p:spPr>
+          <a:xfrm>
+            <a:off x="-3772620" y="3236344"/>
+            <a:ext cx="845390" cy="831012"/>
+          </a:xfrm>
+          <a:prstGeom prst="rect">
+            <a:avLst/>
+          </a:prstGeom>
+        </p:spPr>
+      </p:pic>
+      <p:pic>
+        <p:nvPicPr>
+          <p:cNvPr id="16" name="Picture 11" descr="Icon&#10;&#10;Description automatically generated">
+            <a:extLst>
+              <a:ext uri="{FF2B5EF4-FFF2-40B4-BE49-F238E27FC236}">
+                <a16:creationId xmlns:a16="http://schemas.microsoft.com/office/drawing/2014/main" id="{576A962C-6D9D-7565-93D7-7E4C739CB9C0}"/>
+              </a:ext>
+            </a:extLst>
+          </p:cNvPr>
+          <p:cNvPicPr>
+            <a:picLocks noChangeAspect="1"/>
+          </p:cNvPicPr>
+          <p:nvPr/>
+        </p:nvPicPr>
+        <p:blipFill>
+          <a:blip r:embed="rId6"/>
+          <a:stretch>
+            <a:fillRect/>
+          </a:stretch>
+        </p:blipFill>
+        <p:spPr>
+          <a:xfrm>
+            <a:off x="-3772619" y="1928004"/>
+            <a:ext cx="974786" cy="989163"/>
+          </a:xfrm>
+          <a:prstGeom prst="rect">
+            <a:avLst/>
+          </a:prstGeom>
+        </p:spPr>
+      </p:pic>
+      <p:pic>
+        <p:nvPicPr>
+          <p:cNvPr id="18" name="Picture 12" descr="Icon&#10;&#10;Description automatically generated">
+            <a:extLst>
+              <a:ext uri="{FF2B5EF4-FFF2-40B4-BE49-F238E27FC236}">
+                <a16:creationId xmlns:a16="http://schemas.microsoft.com/office/drawing/2014/main" id="{77F68334-5B95-0895-6ACB-A2DBAFDCCC8D}"/>
+              </a:ext>
+            </a:extLst>
+          </p:cNvPr>
+          <p:cNvPicPr>
+            <a:picLocks noChangeAspect="1"/>
+          </p:cNvPicPr>
+          <p:nvPr/>
+        </p:nvPicPr>
+        <p:blipFill>
+          <a:blip r:embed="rId7"/>
+          <a:stretch>
+            <a:fillRect/>
+          </a:stretch>
+        </p:blipFill>
+        <p:spPr>
+          <a:xfrm>
+            <a:off x="-3643223" y="4587815"/>
+            <a:ext cx="974786" cy="960409"/>
+          </a:xfrm>
+          <a:prstGeom prst="rect">
+            <a:avLst/>
+          </a:prstGeom>
+        </p:spPr>
+      </p:pic>
+      <p:sp>
+        <p:nvSpPr>
+          <p:cNvPr id="20" name="TextBox 19">
+            <a:extLst>
+              <a:ext uri="{FF2B5EF4-FFF2-40B4-BE49-F238E27FC236}">
+                <a16:creationId xmlns:a16="http://schemas.microsoft.com/office/drawing/2014/main" id="{2A617E5C-8B38-8FE4-64A4-E93E8FADA88A}"/>
+              </a:ext>
+            </a:extLst>
+          </p:cNvPr>
+          <p:cNvSpPr txBox="1"/>
+          <p:nvPr/>
+        </p:nvSpPr>
+        <p:spPr>
+          <a:xfrm>
+            <a:off x="13208928" y="3177240"/>
+            <a:ext cx="4771427" cy="1477328"/>
+          </a:xfrm>
+          <a:prstGeom prst="rect">
+            <a:avLst/>
+          </a:prstGeom>
+          <a:noFill/>
+        </p:spPr>
+        <p:txBody>
+          <a:bodyPr rot="0" spcFirstLastPara="0" vertOverflow="overflow" horzOverflow="overflow" vert="horz" wrap="square" lIns="91440" tIns="45720" rIns="91440" bIns="45720" numCol="1" spcCol="0" rtlCol="0" fromWordArt="0" anchor="t" anchorCtr="0" forceAA="0" compatLnSpc="1">
+            <a:prstTxWarp prst="textNoShape">
+              <a:avLst/>
+            </a:prstTxWarp>
+            <a:spAutoFit/>
+          </a:bodyPr>
+          <a:lstStyle/>
+          <a:p>
+            <a:r>
+              <a:rPr lang="en-US" sz="3000" b="1" dirty="0">
+                <a:solidFill>
+                  <a:srgbClr val="00B0F0"/>
+                </a:solidFill>
+                <a:ea typeface="+mn-lt"/>
+                <a:cs typeface="+mn-lt"/>
+              </a:rPr>
+              <a:t>O </a:t>
+            </a:r>
+            <a:r>
+              <a:rPr lang="en-US" sz="3000" b="1" dirty="0" err="1">
+                <a:solidFill>
+                  <a:srgbClr val="00B0F0"/>
+                </a:solidFill>
+                <a:ea typeface="+mn-lt"/>
+                <a:cs typeface="+mn-lt"/>
+              </a:rPr>
+              <a:t>metodo</a:t>
+            </a:r>
+            <a:r>
+              <a:rPr lang="en-US" sz="3000" b="1" dirty="0">
+                <a:solidFill>
+                  <a:srgbClr val="00B0F0"/>
+                </a:solidFill>
+                <a:ea typeface="+mn-lt"/>
+                <a:cs typeface="+mn-lt"/>
+              </a:rPr>
+              <a:t> </a:t>
+            </a:r>
+            <a:r>
+              <a:rPr lang="en-US" sz="3000" b="1" dirty="0" err="1">
+                <a:solidFill>
+                  <a:srgbClr val="00B0F0"/>
+                </a:solidFill>
+                <a:ea typeface="+mn-lt"/>
+                <a:cs typeface="+mn-lt"/>
+              </a:rPr>
+              <a:t>cientifico</a:t>
+            </a:r>
+            <a:r>
+              <a:rPr lang="en-US" sz="3000" b="1" dirty="0">
+                <a:solidFill>
+                  <a:srgbClr val="00B0F0"/>
+                </a:solidFill>
+                <a:ea typeface="+mn-lt"/>
+                <a:cs typeface="+mn-lt"/>
+              </a:rPr>
+              <a:t> </a:t>
+            </a:r>
+            <a:r>
+              <a:rPr lang="en-US" sz="3000" dirty="0" err="1">
+                <a:solidFill>
+                  <a:schemeClr val="bg1"/>
+                </a:solidFill>
+                <a:ea typeface="+mn-lt"/>
+                <a:cs typeface="+mn-lt"/>
+              </a:rPr>
+              <a:t>busca</a:t>
+            </a:r>
+            <a:r>
+              <a:rPr lang="en-US" sz="3000" dirty="0">
+                <a:solidFill>
+                  <a:schemeClr val="bg1"/>
+                </a:solidFill>
+                <a:cs typeface="Calibri"/>
+              </a:rPr>
+              <a:t> </a:t>
+            </a:r>
+            <a:r>
+              <a:rPr lang="en-US" sz="3000" dirty="0" err="1">
+                <a:solidFill>
+                  <a:schemeClr val="bg1"/>
+                </a:solidFill>
+                <a:cs typeface="Calibri"/>
+              </a:rPr>
+              <a:t>entender</a:t>
+            </a:r>
+            <a:r>
+              <a:rPr lang="en-US" sz="3000" dirty="0">
+                <a:solidFill>
+                  <a:schemeClr val="bg1"/>
+                </a:solidFill>
+                <a:cs typeface="Calibri"/>
+              </a:rPr>
+              <a:t> </a:t>
+            </a:r>
+            <a:r>
+              <a:rPr lang="en-US" sz="3000" dirty="0" err="1">
+                <a:solidFill>
+                  <a:schemeClr val="bg1"/>
+                </a:solidFill>
+                <a:cs typeface="Calibri"/>
+              </a:rPr>
+              <a:t>mais</a:t>
+            </a:r>
+            <a:r>
+              <a:rPr lang="en-US" sz="3000" dirty="0">
+                <a:solidFill>
+                  <a:schemeClr val="bg1"/>
+                </a:solidFill>
+                <a:cs typeface="Calibri"/>
+              </a:rPr>
+              <a:t> </a:t>
+            </a:r>
+            <a:r>
+              <a:rPr lang="en-US" sz="3000" dirty="0" err="1">
+                <a:solidFill>
+                  <a:schemeClr val="bg1"/>
+                </a:solidFill>
+                <a:cs typeface="Calibri"/>
+              </a:rPr>
+              <a:t>sobre</a:t>
+            </a:r>
+            <a:r>
+              <a:rPr lang="en-US" sz="3000" dirty="0">
+                <a:solidFill>
+                  <a:schemeClr val="bg1"/>
+                </a:solidFill>
+                <a:cs typeface="Calibri"/>
+              </a:rPr>
+              <a:t> o </a:t>
+            </a:r>
+            <a:r>
+              <a:rPr lang="en-US" sz="3000" dirty="0" err="1">
+                <a:solidFill>
+                  <a:schemeClr val="bg1"/>
+                </a:solidFill>
+                <a:cs typeface="Calibri"/>
+              </a:rPr>
+              <a:t>nosso</a:t>
+            </a:r>
+            <a:r>
+              <a:rPr lang="en-US" sz="3000" dirty="0">
+                <a:solidFill>
+                  <a:schemeClr val="bg1"/>
+                </a:solidFill>
+                <a:cs typeface="Calibri"/>
+              </a:rPr>
+              <a:t> </a:t>
+            </a:r>
+            <a:r>
+              <a:rPr lang="en-US" sz="3000" dirty="0" err="1">
+                <a:solidFill>
+                  <a:schemeClr val="bg1"/>
+                </a:solidFill>
+                <a:cs typeface="Calibri"/>
+              </a:rPr>
+              <a:t>mundo</a:t>
+            </a:r>
+            <a:r>
+              <a:rPr lang="en-US" sz="3000" dirty="0">
+                <a:solidFill>
+                  <a:schemeClr val="bg1"/>
+                </a:solidFill>
+                <a:cs typeface="Calibri"/>
+              </a:rPr>
+              <a:t> </a:t>
+            </a:r>
+            <a:r>
+              <a:rPr lang="en-US" sz="3000" dirty="0" err="1">
+                <a:solidFill>
+                  <a:schemeClr val="bg1"/>
+                </a:solidFill>
+                <a:cs typeface="Calibri"/>
+              </a:rPr>
+              <a:t>fisico</a:t>
+            </a:r>
+            <a:r>
+              <a:rPr lang="en-US" sz="3000" dirty="0">
+                <a:solidFill>
+                  <a:schemeClr val="bg1"/>
+                </a:solidFill>
+                <a:cs typeface="Calibri"/>
+              </a:rPr>
+              <a:t> e natural</a:t>
+            </a:r>
+            <a:endParaRPr lang="en-US">
+              <a:solidFill>
+                <a:schemeClr val="bg1"/>
+              </a:solidFill>
+            </a:endParaRPr>
+          </a:p>
+        </p:txBody>
+      </p:sp>
     </p:spTree>
     <p:extLst>
       <p:ext uri="{BB962C8B-B14F-4D97-AF65-F5344CB8AC3E}">
-        <p14:creationId xmlns:p14="http://schemas.microsoft.com/office/powerpoint/2010/main" val="1843395085"/>
+        <p14:creationId xmlns:p14="http://schemas.microsoft.com/office/powerpoint/2010/main" val="1131364859"/>
       </p:ext>
     </p:extLst>
   </p:cSld>
@@ -6574,7 +8993,7 @@
   </p:clrMapOvr>
   <mc:AlternateContent xmlns:mc="http://schemas.openxmlformats.org/markup-compatibility/2006" xmlns:p159="http://schemas.microsoft.com/office/powerpoint/2015/09/main">
     <mc:Choice Requires="p159">
-      <p:transition xmlns:p14="http://schemas.microsoft.com/office/powerpoint/2010/main" spd="slow" p14:dur="800">
+      <p:transition xmlns:p14="http://schemas.microsoft.com/office/powerpoint/2010/main" spd="slow" p14:dur="2000">
         <p159:morph option="byObject"/>
       </p:transition>
     </mc:Choice>
@@ -6612,124 +9031,6 @@
           <a:chExt cx="0" cy="0"/>
         </a:xfrm>
       </p:grpSpPr>
-      <p:sp>
-        <p:nvSpPr>
-          <p:cNvPr id="2" name="Title 1">
-            <a:extLst>
-              <a:ext uri="{FF2B5EF4-FFF2-40B4-BE49-F238E27FC236}">
-                <a16:creationId xmlns:a16="http://schemas.microsoft.com/office/drawing/2014/main" id="{3FC4B111-A769-BCD9-0A1A-F492DF60BC86}"/>
-              </a:ext>
-            </a:extLst>
-          </p:cNvPr>
-          <p:cNvSpPr>
-            <a:spLocks noGrp="1"/>
-          </p:cNvSpPr>
-          <p:nvPr>
-            <p:ph type="title"/>
-          </p:nvPr>
-        </p:nvSpPr>
-        <p:spPr>
-          <a:xfrm>
-            <a:off x="3253595" y="480143"/>
-            <a:ext cx="6209059" cy="1376365"/>
-          </a:xfrm>
-        </p:spPr>
-        <p:txBody>
-          <a:bodyPr>
-            <a:normAutofit/>
-          </a:bodyPr>
-          <a:lstStyle/>
-          <a:p>
-            <a:r>
-              <a:rPr lang="en-US" sz="3600" b="1" dirty="0">
-                <a:solidFill>
-                  <a:schemeClr val="bg1"/>
-                </a:solidFill>
-                <a:latin typeface="Poppins" panose="00000500000000000000" pitchFamily="2" charset="0"/>
-                <a:cs typeface="Poppins" panose="00000500000000000000" pitchFamily="2" charset="0"/>
-              </a:rPr>
-              <a:t>A </a:t>
-            </a:r>
-            <a:r>
-              <a:rPr lang="en-US" sz="3600" b="1" dirty="0" err="1">
-                <a:solidFill>
-                  <a:schemeClr val="bg1"/>
-                </a:solidFill>
-                <a:latin typeface="Poppins" panose="00000500000000000000" pitchFamily="2" charset="0"/>
-                <a:cs typeface="Poppins" panose="00000500000000000000" pitchFamily="2" charset="0"/>
-              </a:rPr>
-              <a:t>ciencia</a:t>
-            </a:r>
-            <a:r>
-              <a:rPr lang="en-US" sz="3600" b="1" dirty="0">
-                <a:solidFill>
-                  <a:schemeClr val="bg1"/>
-                </a:solidFill>
-                <a:latin typeface="Poppins" panose="00000500000000000000" pitchFamily="2" charset="0"/>
-                <a:cs typeface="Poppins" panose="00000500000000000000" pitchFamily="2" charset="0"/>
-              </a:rPr>
-              <a:t> </a:t>
-            </a:r>
-            <a:r>
-              <a:rPr lang="en-US" sz="3600" b="1" dirty="0" err="1">
-                <a:solidFill>
-                  <a:schemeClr val="bg1"/>
-                </a:solidFill>
-                <a:latin typeface="Poppins" panose="00000500000000000000" pitchFamily="2" charset="0"/>
-                <a:cs typeface="Poppins" panose="00000500000000000000" pitchFamily="2" charset="0"/>
-              </a:rPr>
-              <a:t>na</a:t>
-            </a:r>
-            <a:r>
-              <a:rPr lang="en-US" sz="3600" b="1" dirty="0">
-                <a:solidFill>
-                  <a:schemeClr val="bg1"/>
-                </a:solidFill>
-                <a:latin typeface="Poppins" panose="00000500000000000000" pitchFamily="2" charset="0"/>
-                <a:cs typeface="Poppins" panose="00000500000000000000" pitchFamily="2" charset="0"/>
-              </a:rPr>
-              <a:t> </a:t>
-            </a:r>
-            <a:r>
-              <a:rPr lang="en-US" sz="3600" b="1" dirty="0" err="1">
-                <a:solidFill>
-                  <a:schemeClr val="bg1"/>
-                </a:solidFill>
-                <a:latin typeface="Poppins" panose="00000500000000000000" pitchFamily="2" charset="0"/>
-                <a:cs typeface="Poppins" panose="00000500000000000000" pitchFamily="2" charset="0"/>
-              </a:rPr>
-              <a:t>minha</a:t>
-            </a:r>
-            <a:r>
-              <a:rPr lang="en-US" sz="3600" b="1" dirty="0">
-                <a:solidFill>
-                  <a:schemeClr val="bg1"/>
-                </a:solidFill>
-                <a:latin typeface="Poppins" panose="00000500000000000000" pitchFamily="2" charset="0"/>
-                <a:cs typeface="Poppins" panose="00000500000000000000" pitchFamily="2" charset="0"/>
-              </a:rPr>
-              <a:t> </a:t>
-            </a:r>
-            <a:r>
-              <a:rPr lang="en-US" sz="3600" b="1" dirty="0" err="1">
-                <a:solidFill>
-                  <a:schemeClr val="bg1"/>
-                </a:solidFill>
-                <a:latin typeface="Poppins" panose="00000500000000000000" pitchFamily="2" charset="0"/>
-                <a:cs typeface="Poppins" panose="00000500000000000000" pitchFamily="2" charset="0"/>
-              </a:rPr>
-              <a:t>vida</a:t>
-            </a:r>
-            <a:endParaRPr lang="en-US" sz="3600" b="1" dirty="0">
-              <a:solidFill>
-                <a:schemeClr val="bg1"/>
-              </a:solidFill>
-              <a:latin typeface="Poppins" panose="00000500000000000000" pitchFamily="2" charset="0"/>
-              <a:cs typeface="Poppins" panose="00000500000000000000" pitchFamily="2" charset="0"/>
-            </a:endParaRPr>
-          </a:p>
-        </p:txBody>
-      </p:sp>
       <p:pic>
         <p:nvPicPr>
           <p:cNvPr id="4" name="Picture 4" descr="A picture containing calendar&#10;&#10;Description automatically generated">
@@ -6790,12 +9091,72 @@
           </a:prstGeom>
         </p:spPr>
       </p:pic>
+      <p:sp>
+        <p:nvSpPr>
+          <p:cNvPr id="16" name="Rectangle 15">
+            <a:extLst>
+              <a:ext uri="{FF2B5EF4-FFF2-40B4-BE49-F238E27FC236}">
+                <a16:creationId xmlns:a16="http://schemas.microsoft.com/office/drawing/2014/main" id="{FA94A387-1BAF-CE0A-3779-640B953461D9}"/>
+              </a:ext>
+            </a:extLst>
+          </p:cNvPr>
+          <p:cNvSpPr/>
+          <p:nvPr/>
+        </p:nvSpPr>
+        <p:spPr>
+          <a:xfrm>
+            <a:off x="357888" y="1930276"/>
+            <a:ext cx="6599207" cy="4226943"/>
+          </a:xfrm>
+          <a:prstGeom prst="rect">
+            <a:avLst/>
+          </a:prstGeom>
+          <a:solidFill>
+            <a:schemeClr val="tx1">
+              <a:lumMod val="95000"/>
+              <a:lumOff val="5000"/>
+            </a:schemeClr>
+          </a:solidFill>
+          <a:ln w="57150">
+            <a:solidFill>
+              <a:schemeClr val="bg1"/>
+            </a:solidFill>
+          </a:ln>
+        </p:spPr>
+        <p:style>
+          <a:lnRef idx="2">
+            <a:schemeClr val="accent1">
+              <a:shade val="50000"/>
+            </a:schemeClr>
+          </a:lnRef>
+          <a:fillRef idx="1">
+            <a:schemeClr val="accent1"/>
+          </a:fillRef>
+          <a:effectRef idx="0">
+            <a:schemeClr val="accent1"/>
+          </a:effectRef>
+          <a:fontRef idx="minor">
+            <a:schemeClr val="lt1"/>
+          </a:fontRef>
+        </p:style>
+        <p:txBody>
+          <a:bodyPr rtlCol="0" anchor="ctr"/>
+          <a:lstStyle/>
+          <a:p>
+            <a:pPr algn="ctr"/>
+            <a:endParaRPr lang="en-US">
+              <a:latin typeface="Poppins" panose="00000500000000000000" pitchFamily="2" charset="0"/>
+              <a:cs typeface="Poppins" panose="00000500000000000000" pitchFamily="2" charset="0"/>
+            </a:endParaRPr>
+          </a:p>
+        </p:txBody>
+      </p:sp>
       <p:pic>
         <p:nvPicPr>
-          <p:cNvPr id="9" name="Picture 5" descr="Text, qr code&#10;&#10;Description automatically generated">
-            <a:extLst>
-              <a:ext uri="{FF2B5EF4-FFF2-40B4-BE49-F238E27FC236}">
-                <a16:creationId xmlns:a16="http://schemas.microsoft.com/office/drawing/2014/main" id="{310478D3-5041-6C15-6EC0-F117E71E9701}"/>
+          <p:cNvPr id="3" name="Picture 5" descr="Text, qr code&#10;&#10;Description automatically generated">
+            <a:extLst>
+              <a:ext uri="{FF2B5EF4-FFF2-40B4-BE49-F238E27FC236}">
+                <a16:creationId xmlns:a16="http://schemas.microsoft.com/office/drawing/2014/main" id="{A6937FE3-904F-303C-CA66-D4BF940712B0}"/>
               </a:ext>
             </a:extLst>
           </p:cNvPr>
@@ -6812,7 +9173,7 @@
         </p:blipFill>
         <p:spPr>
           <a:xfrm>
-            <a:off x="-6475562" y="2349727"/>
+            <a:off x="684362" y="2205954"/>
             <a:ext cx="2743200" cy="3653794"/>
           </a:xfrm>
           <a:prstGeom prst="rect">
@@ -6822,10 +9183,10 @@
       </p:pic>
       <p:sp>
         <p:nvSpPr>
-          <p:cNvPr id="13" name="TextBox 12">
-            <a:extLst>
-              <a:ext uri="{FF2B5EF4-FFF2-40B4-BE49-F238E27FC236}">
-                <a16:creationId xmlns:a16="http://schemas.microsoft.com/office/drawing/2014/main" id="{7F1B14A0-8D4F-0885-2109-AE119F932ACB}"/>
+          <p:cNvPr id="6" name="TextBox 5">
+            <a:extLst>
+              <a:ext uri="{FF2B5EF4-FFF2-40B4-BE49-F238E27FC236}">
+                <a16:creationId xmlns:a16="http://schemas.microsoft.com/office/drawing/2014/main" id="{88814C75-CEB2-52DB-7B3A-BFFF1FD835E5}"/>
               </a:ext>
             </a:extLst>
           </p:cNvPr>
@@ -6834,8 +9195,8 @@
         </p:nvSpPr>
         <p:spPr>
           <a:xfrm>
-            <a:off x="14659495" y="3882813"/>
-            <a:ext cx="3679366" cy="584775"/>
+            <a:off x="7974023" y="3264588"/>
+            <a:ext cx="3679366" cy="523220"/>
           </a:xfrm>
           <a:prstGeom prst="rect">
             <a:avLst/>
@@ -6852,45 +9213,478 @@
           <a:lstStyle/>
           <a:p>
             <a:r>
-              <a:rPr lang="en-US" sz="3200" dirty="0" err="1">
-                <a:solidFill>
-                  <a:schemeClr val="bg1"/>
-                </a:solidFill>
-                <a:cs typeface="Calibri"/>
+              <a:rPr lang="en-US" sz="2800" dirty="0" err="1">
+                <a:solidFill>
+                  <a:schemeClr val="bg1"/>
+                </a:solidFill>
+                <a:latin typeface="Poppins" panose="00000500000000000000" pitchFamily="2" charset="0"/>
+                <a:cs typeface="Poppins" panose="00000500000000000000" pitchFamily="2" charset="0"/>
               </a:rPr>
               <a:t>Revistas</a:t>
             </a:r>
             <a:r>
-              <a:rPr lang="en-US" sz="3200" dirty="0">
-                <a:solidFill>
-                  <a:schemeClr val="bg1"/>
-                </a:solidFill>
-                <a:cs typeface="Calibri"/>
+              <a:rPr lang="en-US" sz="2800" dirty="0">
+                <a:solidFill>
+                  <a:schemeClr val="bg1"/>
+                </a:solidFill>
+                <a:latin typeface="Poppins" panose="00000500000000000000" pitchFamily="2" charset="0"/>
+                <a:cs typeface="Poppins" panose="00000500000000000000" pitchFamily="2" charset="0"/>
               </a:rPr>
               <a:t> </a:t>
             </a:r>
             <a:r>
-              <a:rPr lang="en-US" sz="3200" dirty="0" err="1">
-                <a:solidFill>
-                  <a:schemeClr val="bg1"/>
-                </a:solidFill>
-                <a:cs typeface="Calibri"/>
+              <a:rPr lang="en-US" sz="2800" dirty="0" err="1">
+                <a:solidFill>
+                  <a:schemeClr val="bg1"/>
+                </a:solidFill>
+                <a:latin typeface="Poppins" panose="00000500000000000000" pitchFamily="2" charset="0"/>
+                <a:cs typeface="Poppins" panose="00000500000000000000" pitchFamily="2" charset="0"/>
               </a:rPr>
               <a:t>recreio</a:t>
             </a:r>
+            <a:endParaRPr lang="en-US" sz="2800" dirty="0">
+              <a:solidFill>
+                <a:schemeClr val="bg1"/>
+              </a:solidFill>
+              <a:latin typeface="Poppins" panose="00000500000000000000" pitchFamily="2" charset="0"/>
+              <a:cs typeface="Poppins" panose="00000500000000000000" pitchFamily="2" charset="0"/>
+            </a:endParaRPr>
+          </a:p>
+        </p:txBody>
+      </p:sp>
+      <p:sp>
+        <p:nvSpPr>
+          <p:cNvPr id="8" name="TextBox 7">
+            <a:extLst>
+              <a:ext uri="{FF2B5EF4-FFF2-40B4-BE49-F238E27FC236}">
+                <a16:creationId xmlns:a16="http://schemas.microsoft.com/office/drawing/2014/main" id="{ED57BBDF-2850-6202-0DCB-A72CD9DC6446}"/>
+              </a:ext>
+            </a:extLst>
+          </p:cNvPr>
+          <p:cNvSpPr txBox="1"/>
+          <p:nvPr/>
+        </p:nvSpPr>
+        <p:spPr>
+          <a:xfrm>
+            <a:off x="6309032" y="3523225"/>
+            <a:ext cx="311354" cy="369332"/>
+          </a:xfrm>
+          <a:prstGeom prst="rect">
+            <a:avLst/>
+          </a:prstGeom>
+          <a:noFill/>
+        </p:spPr>
+        <p:txBody>
+          <a:bodyPr rot="0" spcFirstLastPara="0" vertOverflow="overflow" horzOverflow="overflow" vert="horz" wrap="square" lIns="91440" tIns="45720" rIns="91440" bIns="45720" numCol="1" spcCol="0" rtlCol="0" fromWordArt="0" anchor="t" anchorCtr="0" forceAA="0" compatLnSpc="1">
+            <a:prstTxWarp prst="textNoShape">
+              <a:avLst/>
+            </a:prstTxWarp>
+            <a:spAutoFit/>
+          </a:bodyPr>
+          <a:lstStyle/>
+          <a:p>
+            <a:pPr algn="l"/>
+            <a:endParaRPr lang="en-US">
+              <a:latin typeface="Poppins" panose="00000500000000000000" pitchFamily="2" charset="0"/>
+              <a:cs typeface="Poppins" panose="00000500000000000000" pitchFamily="2" charset="0"/>
+            </a:endParaRPr>
+          </a:p>
+        </p:txBody>
+      </p:sp>
+      <p:sp>
+        <p:nvSpPr>
+          <p:cNvPr id="9" name="TextBox 8">
+            <a:extLst>
+              <a:ext uri="{FF2B5EF4-FFF2-40B4-BE49-F238E27FC236}">
+                <a16:creationId xmlns:a16="http://schemas.microsoft.com/office/drawing/2014/main" id="{1206884E-EE01-D7A2-CB0E-343F3A78BD9A}"/>
+              </a:ext>
+            </a:extLst>
+          </p:cNvPr>
+          <p:cNvSpPr txBox="1"/>
+          <p:nvPr/>
+        </p:nvSpPr>
+        <p:spPr>
+          <a:xfrm>
+            <a:off x="3918371" y="2303468"/>
+            <a:ext cx="2737573" cy="830997"/>
+          </a:xfrm>
+          <a:prstGeom prst="rect">
+            <a:avLst/>
+          </a:prstGeom>
+          <a:noFill/>
+        </p:spPr>
+        <p:txBody>
+          <a:bodyPr rot="0" spcFirstLastPara="0" vertOverflow="overflow" horzOverflow="overflow" vert="horz" wrap="square" lIns="91440" tIns="45720" rIns="91440" bIns="45720" numCol="1" spcCol="0" rtlCol="0" fromWordArt="0" anchor="t" anchorCtr="0" forceAA="0" compatLnSpc="1">
+            <a:prstTxWarp prst="textNoShape">
+              <a:avLst/>
+            </a:prstTxWarp>
+            <a:spAutoFit/>
+          </a:bodyPr>
+          <a:lstStyle/>
+          <a:p>
+            <a:pPr marL="457200" indent="-457200">
+              <a:buFont typeface="Arial"/>
+              <a:buChar char="•"/>
+            </a:pPr>
+            <a:r>
+              <a:rPr lang="en-US" sz="2400" dirty="0" err="1">
+                <a:solidFill>
+                  <a:schemeClr val="bg1"/>
+                </a:solidFill>
+                <a:latin typeface="Poppins" panose="00000500000000000000" pitchFamily="2" charset="0"/>
+                <a:cs typeface="Poppins" panose="00000500000000000000" pitchFamily="2" charset="0"/>
+              </a:rPr>
+              <a:t>Curiosidades</a:t>
+            </a:r>
+            <a:r>
+              <a:rPr lang="en-US" sz="2400" dirty="0">
+                <a:solidFill>
+                  <a:schemeClr val="bg1"/>
+                </a:solidFill>
+                <a:latin typeface="Poppins" panose="00000500000000000000" pitchFamily="2" charset="0"/>
+                <a:cs typeface="Poppins" panose="00000500000000000000" pitchFamily="2" charset="0"/>
+              </a:rPr>
+              <a:t> </a:t>
+            </a:r>
+            <a:r>
+              <a:rPr lang="en-US" sz="2400" dirty="0" err="1">
+                <a:solidFill>
+                  <a:schemeClr val="bg1"/>
+                </a:solidFill>
+                <a:latin typeface="Poppins" panose="00000500000000000000" pitchFamily="2" charset="0"/>
+                <a:cs typeface="Poppins" panose="00000500000000000000" pitchFamily="2" charset="0"/>
+              </a:rPr>
+              <a:t>cientificas</a:t>
+            </a:r>
+            <a:endParaRPr lang="en-US" sz="1600" dirty="0">
+              <a:latin typeface="Poppins" panose="00000500000000000000" pitchFamily="2" charset="0"/>
+              <a:cs typeface="Poppins" panose="00000500000000000000" pitchFamily="2" charset="0"/>
+            </a:endParaRPr>
+          </a:p>
+        </p:txBody>
+      </p:sp>
+      <p:sp>
+        <p:nvSpPr>
+          <p:cNvPr id="10" name="TextBox 9">
+            <a:extLst>
+              <a:ext uri="{FF2B5EF4-FFF2-40B4-BE49-F238E27FC236}">
+                <a16:creationId xmlns:a16="http://schemas.microsoft.com/office/drawing/2014/main" id="{05577CA9-BB2C-3194-9E77-C2C94CAF2A36}"/>
+              </a:ext>
+            </a:extLst>
+          </p:cNvPr>
+          <p:cNvSpPr txBox="1"/>
+          <p:nvPr/>
+        </p:nvSpPr>
+        <p:spPr>
+          <a:xfrm>
+            <a:off x="3916053" y="4293574"/>
+            <a:ext cx="1950064" cy="461665"/>
+          </a:xfrm>
+          <a:prstGeom prst="rect">
+            <a:avLst/>
+          </a:prstGeom>
+          <a:noFill/>
+        </p:spPr>
+        <p:txBody>
+          <a:bodyPr rot="0" spcFirstLastPara="0" vertOverflow="overflow" horzOverflow="overflow" vert="horz" wrap="square" lIns="91440" tIns="45720" rIns="91440" bIns="45720" numCol="1" spcCol="0" rtlCol="0" fromWordArt="0" anchor="t" anchorCtr="0" forceAA="0" compatLnSpc="1">
+            <a:prstTxWarp prst="textNoShape">
+              <a:avLst/>
+            </a:prstTxWarp>
+            <a:spAutoFit/>
+          </a:bodyPr>
+          <a:lstStyle/>
+          <a:p>
+            <a:pPr marL="342900" indent="-342900">
+              <a:buFont typeface="Arial" panose="020B0604020202020204" pitchFamily="34" charset="0"/>
+              <a:buChar char="•"/>
+            </a:pPr>
+            <a:r>
+              <a:rPr lang="en-US" sz="2400" dirty="0">
+                <a:solidFill>
+                  <a:schemeClr val="bg1"/>
+                </a:solidFill>
+                <a:latin typeface="Poppins" panose="00000500000000000000" pitchFamily="2" charset="0"/>
+                <a:cs typeface="Poppins" panose="00000500000000000000" pitchFamily="2" charset="0"/>
+              </a:rPr>
+              <a:t>Artigos</a:t>
+            </a:r>
+            <a:endParaRPr lang="en-US">
+              <a:latin typeface="Poppins" panose="00000500000000000000" pitchFamily="2" charset="0"/>
+              <a:cs typeface="Poppins" panose="00000500000000000000" pitchFamily="2" charset="0"/>
+            </a:endParaRPr>
+          </a:p>
+        </p:txBody>
+      </p:sp>
+      <p:sp>
+        <p:nvSpPr>
+          <p:cNvPr id="14" name="Title 1">
+            <a:extLst>
+              <a:ext uri="{FF2B5EF4-FFF2-40B4-BE49-F238E27FC236}">
+                <a16:creationId xmlns:a16="http://schemas.microsoft.com/office/drawing/2014/main" id="{C016BBC2-41AE-9FBE-3522-BD193B4106FB}"/>
+              </a:ext>
+            </a:extLst>
+          </p:cNvPr>
+          <p:cNvSpPr>
+            <a:spLocks noGrp="1"/>
+          </p:cNvSpPr>
+          <p:nvPr>
+            <p:ph type="title"/>
+          </p:nvPr>
+        </p:nvSpPr>
+        <p:spPr>
+          <a:xfrm>
+            <a:off x="3253596" y="480144"/>
+            <a:ext cx="5814204" cy="1339940"/>
+          </a:xfrm>
+        </p:spPr>
+        <p:txBody>
+          <a:bodyPr>
+            <a:normAutofit/>
+          </a:bodyPr>
+          <a:lstStyle/>
+          <a:p>
+            <a:r>
+              <a:rPr lang="en-US" sz="3200" b="1" dirty="0">
+                <a:solidFill>
+                  <a:schemeClr val="bg1"/>
+                </a:solidFill>
+                <a:latin typeface="Poppins" panose="00000500000000000000" pitchFamily="2" charset="0"/>
+                <a:cs typeface="Poppins" panose="00000500000000000000" pitchFamily="2" charset="0"/>
+              </a:rPr>
+              <a:t>A </a:t>
+            </a:r>
+            <a:r>
+              <a:rPr lang="en-US" sz="3200" b="1" dirty="0" err="1">
+                <a:solidFill>
+                  <a:schemeClr val="bg1"/>
+                </a:solidFill>
+                <a:latin typeface="Poppins" panose="00000500000000000000" pitchFamily="2" charset="0"/>
+                <a:cs typeface="Poppins" panose="00000500000000000000" pitchFamily="2" charset="0"/>
+              </a:rPr>
+              <a:t>ciencia</a:t>
+            </a:r>
+            <a:r>
+              <a:rPr lang="en-US" sz="3200" b="1" dirty="0">
+                <a:solidFill>
+                  <a:schemeClr val="bg1"/>
+                </a:solidFill>
+                <a:latin typeface="Poppins" panose="00000500000000000000" pitchFamily="2" charset="0"/>
+                <a:cs typeface="Poppins" panose="00000500000000000000" pitchFamily="2" charset="0"/>
+              </a:rPr>
+              <a:t> </a:t>
+            </a:r>
+            <a:r>
+              <a:rPr lang="en-US" sz="3200" b="1" dirty="0" err="1">
+                <a:solidFill>
+                  <a:schemeClr val="bg1"/>
+                </a:solidFill>
+                <a:latin typeface="Poppins" panose="00000500000000000000" pitchFamily="2" charset="0"/>
+                <a:cs typeface="Poppins" panose="00000500000000000000" pitchFamily="2" charset="0"/>
+              </a:rPr>
+              <a:t>na</a:t>
+            </a:r>
+            <a:r>
+              <a:rPr lang="en-US" sz="3200" b="1" dirty="0">
+                <a:solidFill>
+                  <a:schemeClr val="bg1"/>
+                </a:solidFill>
+                <a:latin typeface="Poppins" panose="00000500000000000000" pitchFamily="2" charset="0"/>
+                <a:cs typeface="Poppins" panose="00000500000000000000" pitchFamily="2" charset="0"/>
+              </a:rPr>
+              <a:t> </a:t>
+            </a:r>
+            <a:r>
+              <a:rPr lang="en-US" sz="3200" b="1" dirty="0" err="1">
+                <a:solidFill>
+                  <a:schemeClr val="bg1"/>
+                </a:solidFill>
+                <a:latin typeface="Poppins" panose="00000500000000000000" pitchFamily="2" charset="0"/>
+                <a:cs typeface="Poppins" panose="00000500000000000000" pitchFamily="2" charset="0"/>
+              </a:rPr>
+              <a:t>minha</a:t>
+            </a:r>
+            <a:r>
+              <a:rPr lang="en-US" sz="3200" b="1" dirty="0">
+                <a:solidFill>
+                  <a:schemeClr val="bg1"/>
+                </a:solidFill>
+                <a:latin typeface="Poppins" panose="00000500000000000000" pitchFamily="2" charset="0"/>
+                <a:cs typeface="Poppins" panose="00000500000000000000" pitchFamily="2" charset="0"/>
+              </a:rPr>
+              <a:t> </a:t>
+            </a:r>
+            <a:r>
+              <a:rPr lang="en-US" sz="3200" b="1" dirty="0" err="1">
+                <a:solidFill>
+                  <a:schemeClr val="bg1"/>
+                </a:solidFill>
+                <a:latin typeface="Poppins" panose="00000500000000000000" pitchFamily="2" charset="0"/>
+                <a:cs typeface="Poppins" panose="00000500000000000000" pitchFamily="2" charset="0"/>
+              </a:rPr>
+              <a:t>vida</a:t>
+            </a:r>
+            <a:endParaRPr lang="en-US" sz="3200" b="1" dirty="0">
+              <a:solidFill>
+                <a:schemeClr val="bg1"/>
+              </a:solidFill>
+              <a:latin typeface="Poppins" panose="00000500000000000000" pitchFamily="2" charset="0"/>
+              <a:cs typeface="Poppins" panose="00000500000000000000" pitchFamily="2" charset="0"/>
+            </a:endParaRPr>
+          </a:p>
+        </p:txBody>
+      </p:sp>
+      <p:sp>
+        <p:nvSpPr>
+          <p:cNvPr id="15" name="TextBox 14">
+            <a:extLst>
+              <a:ext uri="{FF2B5EF4-FFF2-40B4-BE49-F238E27FC236}">
+                <a16:creationId xmlns:a16="http://schemas.microsoft.com/office/drawing/2014/main" id="{4EC0D550-8C8D-9553-B731-C0901E4A4BDD}"/>
+              </a:ext>
+            </a:extLst>
+          </p:cNvPr>
+          <p:cNvSpPr txBox="1"/>
+          <p:nvPr/>
+        </p:nvSpPr>
+        <p:spPr>
+          <a:xfrm>
+            <a:off x="3917906" y="3491379"/>
+            <a:ext cx="2507225" cy="461665"/>
+          </a:xfrm>
+          <a:prstGeom prst="rect">
+            <a:avLst/>
+          </a:prstGeom>
+          <a:noFill/>
+        </p:spPr>
+        <p:txBody>
+          <a:bodyPr rot="0" spcFirstLastPara="0" vertOverflow="overflow" horzOverflow="overflow" vert="horz" wrap="square" lIns="91440" tIns="45720" rIns="91440" bIns="45720" numCol="1" spcCol="0" rtlCol="0" fromWordArt="0" anchor="t" anchorCtr="0" forceAA="0" compatLnSpc="1">
+            <a:prstTxWarp prst="textNoShape">
+              <a:avLst/>
+            </a:prstTxWarp>
+            <a:spAutoFit/>
+          </a:bodyPr>
+          <a:lstStyle/>
+          <a:p>
+            <a:pPr marL="342900" indent="-342900" algn="l">
+              <a:buFont typeface="Arial" panose="020B0604020202020204" pitchFamily="34" charset="0"/>
+              <a:buChar char="•"/>
+            </a:pPr>
+            <a:r>
+              <a:rPr lang="en-US" sz="2400" dirty="0">
+                <a:solidFill>
+                  <a:schemeClr val="bg1"/>
+                </a:solidFill>
+                <a:latin typeface="Poppins" panose="00000500000000000000" pitchFamily="2" charset="0"/>
+                <a:cs typeface="Poppins" panose="00000500000000000000" pitchFamily="2" charset="0"/>
+              </a:rPr>
+              <a:t>Quiz</a:t>
+            </a:r>
+            <a:endParaRPr lang="en-US" dirty="0">
+              <a:solidFill>
+                <a:schemeClr val="bg1"/>
+              </a:solidFill>
+              <a:latin typeface="Poppins" panose="00000500000000000000" pitchFamily="2" charset="0"/>
+              <a:cs typeface="Poppins" panose="00000500000000000000" pitchFamily="2" charset="0"/>
+            </a:endParaRPr>
+          </a:p>
+        </p:txBody>
+      </p:sp>
+      <p:sp>
+        <p:nvSpPr>
+          <p:cNvPr id="17" name="TextBox 16">
+            <a:extLst>
+              <a:ext uri="{FF2B5EF4-FFF2-40B4-BE49-F238E27FC236}">
+                <a16:creationId xmlns:a16="http://schemas.microsoft.com/office/drawing/2014/main" id="{5ED317A7-6DA5-F586-423D-6EDB036EDB7B}"/>
+              </a:ext>
+            </a:extLst>
+          </p:cNvPr>
+          <p:cNvSpPr txBox="1"/>
+          <p:nvPr/>
+        </p:nvSpPr>
+        <p:spPr>
+          <a:xfrm>
+            <a:off x="3920536" y="5026510"/>
+            <a:ext cx="3255930" cy="830997"/>
+          </a:xfrm>
+          <a:prstGeom prst="rect">
+            <a:avLst/>
+          </a:prstGeom>
+          <a:noFill/>
+        </p:spPr>
+        <p:txBody>
+          <a:bodyPr rot="0" spcFirstLastPara="0" vertOverflow="overflow" horzOverflow="overflow" vert="horz" wrap="square" lIns="91440" tIns="45720" rIns="91440" bIns="45720" numCol="1" spcCol="0" rtlCol="0" fromWordArt="0" anchor="t" anchorCtr="0" forceAA="0" compatLnSpc="1">
+            <a:prstTxWarp prst="textNoShape">
+              <a:avLst/>
+            </a:prstTxWarp>
+            <a:spAutoFit/>
+          </a:bodyPr>
+          <a:lstStyle/>
+          <a:p>
+            <a:pPr marL="342900" indent="-342900">
+              <a:buFont typeface="Arial"/>
+              <a:buChar char="•"/>
+            </a:pPr>
+            <a:r>
+              <a:rPr lang="en-US" sz="2400" dirty="0" err="1">
+                <a:solidFill>
+                  <a:schemeClr val="bg1"/>
+                </a:solidFill>
+                <a:latin typeface="Poppins" panose="00000500000000000000" pitchFamily="2" charset="0"/>
+                <a:cs typeface="Poppins" panose="00000500000000000000" pitchFamily="2" charset="0"/>
+              </a:rPr>
+              <a:t>Indicações</a:t>
+            </a:r>
+            <a:r>
+              <a:rPr lang="en-US" sz="2400" dirty="0">
+                <a:solidFill>
+                  <a:schemeClr val="bg1"/>
+                </a:solidFill>
+                <a:latin typeface="Poppins" panose="00000500000000000000" pitchFamily="2" charset="0"/>
+                <a:cs typeface="Poppins" panose="00000500000000000000" pitchFamily="2" charset="0"/>
+              </a:rPr>
+              <a:t> de </a:t>
+            </a:r>
+            <a:r>
+              <a:rPr lang="en-US" sz="2400" dirty="0" err="1">
+                <a:solidFill>
+                  <a:schemeClr val="bg1"/>
+                </a:solidFill>
+                <a:latin typeface="Poppins" panose="00000500000000000000" pitchFamily="2" charset="0"/>
+                <a:cs typeface="Poppins" panose="00000500000000000000" pitchFamily="2" charset="0"/>
+              </a:rPr>
+              <a:t>livros</a:t>
+            </a:r>
+            <a:endParaRPr lang="en-US" dirty="0" err="1">
+              <a:solidFill>
+                <a:schemeClr val="bg1"/>
+              </a:solidFill>
+              <a:latin typeface="Poppins" panose="00000500000000000000" pitchFamily="2" charset="0"/>
+              <a:cs typeface="Poppins" panose="00000500000000000000" pitchFamily="2" charset="0"/>
+            </a:endParaRPr>
           </a:p>
         </p:txBody>
       </p:sp>
     </p:spTree>
     <p:extLst>
       <p:ext uri="{BB962C8B-B14F-4D97-AF65-F5344CB8AC3E}">
-        <p14:creationId xmlns:p14="http://schemas.microsoft.com/office/powerpoint/2010/main" val="1131364859"/>
+        <p14:creationId xmlns:p14="http://schemas.microsoft.com/office/powerpoint/2010/main" val="3173067596"/>
       </p:ext>
     </p:extLst>
   </p:cSld>
   <p:clrMapOvr>
     <a:masterClrMapping/>
   </p:clrMapOvr>
+  <mc:AlternateContent xmlns:mc="http://schemas.openxmlformats.org/markup-compatibility/2006" xmlns:p159="http://schemas.microsoft.com/office/powerpoint/2015/09/main">
+    <mc:Choice Requires="p159">
+      <p:transition spd="slow">
+        <p159:morph option="byObject"/>
+      </p:transition>
+    </mc:Choice>
+    <mc:Fallback xmlns="">
+      <p:transition spd="slow">
+        <p:fade/>
+      </p:transition>
+    </mc:Fallback>
+  </mc:AlternateContent>
 </p:sld>
 </file>
 
@@ -6919,6 +9713,124 @@
           <a:chExt cx="0" cy="0"/>
         </a:xfrm>
       </p:grpSpPr>
+      <p:sp>
+        <p:nvSpPr>
+          <p:cNvPr id="2" name="Title 1">
+            <a:extLst>
+              <a:ext uri="{FF2B5EF4-FFF2-40B4-BE49-F238E27FC236}">
+                <a16:creationId xmlns:a16="http://schemas.microsoft.com/office/drawing/2014/main" id="{3FC4B111-A769-BCD9-0A1A-F492DF60BC86}"/>
+              </a:ext>
+            </a:extLst>
+          </p:cNvPr>
+          <p:cNvSpPr>
+            <a:spLocks noGrp="1"/>
+          </p:cNvSpPr>
+          <p:nvPr>
+            <p:ph type="title"/>
+          </p:nvPr>
+        </p:nvSpPr>
+        <p:spPr>
+          <a:xfrm>
+            <a:off x="3253596" y="480144"/>
+            <a:ext cx="5814204" cy="1339940"/>
+          </a:xfrm>
+        </p:spPr>
+        <p:txBody>
+          <a:bodyPr>
+            <a:normAutofit/>
+          </a:bodyPr>
+          <a:lstStyle/>
+          <a:p>
+            <a:r>
+              <a:rPr lang="en-US" sz="3200" b="1" dirty="0">
+                <a:solidFill>
+                  <a:schemeClr val="bg1"/>
+                </a:solidFill>
+                <a:latin typeface="Poppins" panose="00000500000000000000" pitchFamily="2" charset="0"/>
+                <a:cs typeface="Poppins" panose="00000500000000000000" pitchFamily="2" charset="0"/>
+              </a:rPr>
+              <a:t>A </a:t>
+            </a:r>
+            <a:r>
+              <a:rPr lang="en-US" sz="3200" b="1" dirty="0" err="1">
+                <a:solidFill>
+                  <a:schemeClr val="bg1"/>
+                </a:solidFill>
+                <a:latin typeface="Poppins" panose="00000500000000000000" pitchFamily="2" charset="0"/>
+                <a:cs typeface="Poppins" panose="00000500000000000000" pitchFamily="2" charset="0"/>
+              </a:rPr>
+              <a:t>ciência</a:t>
+            </a:r>
+            <a:r>
+              <a:rPr lang="en-US" sz="3200" b="1" dirty="0">
+                <a:solidFill>
+                  <a:schemeClr val="bg1"/>
+                </a:solidFill>
+                <a:latin typeface="Poppins" panose="00000500000000000000" pitchFamily="2" charset="0"/>
+                <a:cs typeface="Poppins" panose="00000500000000000000" pitchFamily="2" charset="0"/>
+              </a:rPr>
+              <a:t> </a:t>
+            </a:r>
+            <a:r>
+              <a:rPr lang="en-US" sz="3200" b="1" dirty="0" err="1">
+                <a:solidFill>
+                  <a:schemeClr val="bg1"/>
+                </a:solidFill>
+                <a:latin typeface="Poppins" panose="00000500000000000000" pitchFamily="2" charset="0"/>
+                <a:cs typeface="Poppins" panose="00000500000000000000" pitchFamily="2" charset="0"/>
+              </a:rPr>
+              <a:t>na</a:t>
+            </a:r>
+            <a:r>
+              <a:rPr lang="en-US" sz="3200" b="1" dirty="0">
+                <a:solidFill>
+                  <a:schemeClr val="bg1"/>
+                </a:solidFill>
+                <a:latin typeface="Poppins" panose="00000500000000000000" pitchFamily="2" charset="0"/>
+                <a:cs typeface="Poppins" panose="00000500000000000000" pitchFamily="2" charset="0"/>
+              </a:rPr>
+              <a:t> </a:t>
+            </a:r>
+            <a:r>
+              <a:rPr lang="en-US" sz="3200" b="1" dirty="0" err="1">
+                <a:solidFill>
+                  <a:schemeClr val="bg1"/>
+                </a:solidFill>
+                <a:latin typeface="Poppins" panose="00000500000000000000" pitchFamily="2" charset="0"/>
+                <a:cs typeface="Poppins" panose="00000500000000000000" pitchFamily="2" charset="0"/>
+              </a:rPr>
+              <a:t>minha</a:t>
+            </a:r>
+            <a:r>
+              <a:rPr lang="en-US" sz="3200" b="1" dirty="0">
+                <a:solidFill>
+                  <a:schemeClr val="bg1"/>
+                </a:solidFill>
+                <a:latin typeface="Poppins" panose="00000500000000000000" pitchFamily="2" charset="0"/>
+                <a:cs typeface="Poppins" panose="00000500000000000000" pitchFamily="2" charset="0"/>
+              </a:rPr>
+              <a:t> </a:t>
+            </a:r>
+            <a:r>
+              <a:rPr lang="en-US" sz="3200" b="1" dirty="0" err="1">
+                <a:solidFill>
+                  <a:schemeClr val="bg1"/>
+                </a:solidFill>
+                <a:latin typeface="Poppins" panose="00000500000000000000" pitchFamily="2" charset="0"/>
+                <a:cs typeface="Poppins" panose="00000500000000000000" pitchFamily="2" charset="0"/>
+              </a:rPr>
+              <a:t>vida</a:t>
+            </a:r>
+            <a:endParaRPr lang="en-US" sz="3200" b="1" dirty="0">
+              <a:solidFill>
+                <a:schemeClr val="bg1"/>
+              </a:solidFill>
+              <a:latin typeface="Poppins" panose="00000500000000000000" pitchFamily="2" charset="0"/>
+              <a:cs typeface="Poppins" panose="00000500000000000000" pitchFamily="2" charset="0"/>
+            </a:endParaRPr>
+          </a:p>
+        </p:txBody>
+      </p:sp>
       <p:pic>
         <p:nvPicPr>
           <p:cNvPr id="4" name="Picture 4" descr="A picture containing calendar&#10;&#10;Description automatically generated">
@@ -6941,7 +9853,7 @@
         </p:blipFill>
         <p:spPr>
           <a:xfrm>
-            <a:off x="-6159259" y="2411094"/>
+            <a:off x="1072552" y="2770528"/>
             <a:ext cx="5647426" cy="3085359"/>
           </a:xfrm>
           <a:prstGeom prst="rect">
@@ -6971,7 +9883,7 @@
         </p:blipFill>
         <p:spPr>
           <a:xfrm>
-            <a:off x="13048891" y="2515319"/>
+            <a:off x="7585495" y="2874753"/>
             <a:ext cx="3763992" cy="2862532"/>
           </a:xfrm>
           <a:prstGeom prst="rect">
@@ -6981,10 +9893,71 @@
       </p:pic>
       <p:sp>
         <p:nvSpPr>
-          <p:cNvPr id="16" name="Rectangle 15">
-            <a:extLst>
-              <a:ext uri="{FF2B5EF4-FFF2-40B4-BE49-F238E27FC236}">
-                <a16:creationId xmlns:a16="http://schemas.microsoft.com/office/drawing/2014/main" id="{FA94A387-1BAF-CE0A-3779-640B953461D9}"/>
+          <p:cNvPr id="8" name="TextBox 7">
+            <a:extLst>
+              <a:ext uri="{FF2B5EF4-FFF2-40B4-BE49-F238E27FC236}">
+                <a16:creationId xmlns:a16="http://schemas.microsoft.com/office/drawing/2014/main" id="{92583D3B-C2AB-A48A-03E9-C2B97574D4F9}"/>
+              </a:ext>
+            </a:extLst>
+          </p:cNvPr>
+          <p:cNvSpPr txBox="1"/>
+          <p:nvPr/>
+        </p:nvSpPr>
+        <p:spPr>
+          <a:xfrm>
+            <a:off x="13581193" y="3580888"/>
+            <a:ext cx="3679366" cy="584775"/>
+          </a:xfrm>
+          <a:prstGeom prst="rect">
+            <a:avLst/>
+          </a:prstGeom>
+          <a:noFill/>
+        </p:spPr>
+        <p:txBody>
+          <a:bodyPr rot="0" spcFirstLastPara="0" vertOverflow="overflow" horzOverflow="overflow" vert="horz" wrap="square" lIns="91440" tIns="45720" rIns="91440" bIns="45720" numCol="1" spcCol="0" rtlCol="0" fromWordArt="0" anchor="t" anchorCtr="0" forceAA="0" compatLnSpc="1">
+            <a:prstTxWarp prst="textNoShape">
+              <a:avLst/>
+            </a:prstTxWarp>
+            <a:spAutoFit/>
+          </a:bodyPr>
+          <a:lstStyle/>
+          <a:p>
+            <a:r>
+              <a:rPr lang="en-US" sz="3200" dirty="0" err="1">
+                <a:solidFill>
+                  <a:schemeClr val="bg1"/>
+                </a:solidFill>
+                <a:cs typeface="Calibri"/>
+              </a:rPr>
+              <a:t>Revistas</a:t>
+            </a:r>
+            <a:r>
+              <a:rPr lang="en-US" sz="3200" dirty="0">
+                <a:solidFill>
+                  <a:schemeClr val="bg1"/>
+                </a:solidFill>
+                <a:cs typeface="Calibri"/>
+              </a:rPr>
+              <a:t> </a:t>
+            </a:r>
+            <a:r>
+              <a:rPr lang="en-US" sz="3200" dirty="0" err="1">
+                <a:solidFill>
+                  <a:schemeClr val="bg1"/>
+                </a:solidFill>
+                <a:cs typeface="Calibri"/>
+              </a:rPr>
+              <a:t>recreio</a:t>
+            </a:r>
+          </a:p>
+        </p:txBody>
+      </p:sp>
+      <p:sp>
+        <p:nvSpPr>
+          <p:cNvPr id="10" name="Rectangle 9">
+            <a:extLst>
+              <a:ext uri="{FF2B5EF4-FFF2-40B4-BE49-F238E27FC236}">
+                <a16:creationId xmlns:a16="http://schemas.microsoft.com/office/drawing/2014/main" id="{FC722614-0B26-CB7C-5049-A8B70142CAF8}"/>
               </a:ext>
             </a:extLst>
           </p:cNvPr>
@@ -6993,7 +9966,7 @@
         </p:nvSpPr>
         <p:spPr>
           <a:xfrm>
-            <a:off x="357888" y="1930276"/>
+            <a:off x="-7305244" y="1887144"/>
             <a:ext cx="6599207" cy="4226943"/>
           </a:xfrm>
           <a:prstGeom prst="rect">
@@ -7032,19 +10005,16 @@
           <a:lstStyle/>
           <a:p>
             <a:pPr algn="ctr"/>
-            <a:endParaRPr lang="en-US">
-              <a:latin typeface="Poppins" panose="00000500000000000000" pitchFamily="2" charset="0"/>
-              <a:cs typeface="Poppins" panose="00000500000000000000" pitchFamily="2" charset="0"/>
-            </a:endParaRPr>
+            <a:endParaRPr lang="en-US"/>
           </a:p>
         </p:txBody>
       </p:sp>
       <p:pic>
         <p:nvPicPr>
-          <p:cNvPr id="3" name="Picture 5" descr="Text, qr code&#10;&#10;Description automatically generated">
-            <a:extLst>
-              <a:ext uri="{FF2B5EF4-FFF2-40B4-BE49-F238E27FC236}">
-                <a16:creationId xmlns:a16="http://schemas.microsoft.com/office/drawing/2014/main" id="{A6937FE3-904F-303C-CA66-D4BF940712B0}"/>
+          <p:cNvPr id="12" name="Picture 5" descr="Text, qr code&#10;&#10;Description automatically generated">
+            <a:extLst>
+              <a:ext uri="{FF2B5EF4-FFF2-40B4-BE49-F238E27FC236}">
+                <a16:creationId xmlns:a16="http://schemas.microsoft.com/office/drawing/2014/main" id="{3F89B924-8262-DD81-8CDD-4BE476CCEA78}"/>
               </a:ext>
             </a:extLst>
           </p:cNvPr>
@@ -7061,7 +10031,7 @@
         </p:blipFill>
         <p:spPr>
           <a:xfrm>
-            <a:off x="684362" y="2205954"/>
+            <a:off x="-6978770" y="2162822"/>
             <a:ext cx="2743200" cy="3653794"/>
           </a:xfrm>
           <a:prstGeom prst="rect">
@@ -7071,10 +10041,10 @@
       </p:pic>
       <p:sp>
         <p:nvSpPr>
-          <p:cNvPr id="6" name="TextBox 5">
-            <a:extLst>
-              <a:ext uri="{FF2B5EF4-FFF2-40B4-BE49-F238E27FC236}">
-                <a16:creationId xmlns:a16="http://schemas.microsoft.com/office/drawing/2014/main" id="{88814C75-CEB2-52DB-7B3A-BFFF1FD835E5}"/>
+          <p:cNvPr id="14" name="TextBox 13">
+            <a:extLst>
+              <a:ext uri="{FF2B5EF4-FFF2-40B4-BE49-F238E27FC236}">
+                <a16:creationId xmlns:a16="http://schemas.microsoft.com/office/drawing/2014/main" id="{C3596984-32F8-C1C3-FF7A-FBEF13A12617}"/>
               </a:ext>
             </a:extLst>
           </p:cNvPr>
@@ -7083,8 +10053,8 @@
         </p:nvSpPr>
         <p:spPr>
           <a:xfrm>
-            <a:off x="7974023" y="3264588"/>
-            <a:ext cx="3679366" cy="523220"/>
+            <a:off x="-1354100" y="3480093"/>
+            <a:ext cx="311354" cy="114709"/>
           </a:xfrm>
           <a:prstGeom prst="rect">
             <a:avLst/>
@@ -7100,52 +10070,17 @@
           </a:bodyPr>
           <a:lstStyle/>
           <a:p>
-            <a:r>
-              <a:rPr lang="en-US" sz="2800" dirty="0" err="1">
-                <a:solidFill>
-                  <a:schemeClr val="bg1"/>
-                </a:solidFill>
-                <a:latin typeface="Poppins" panose="00000500000000000000" pitchFamily="2" charset="0"/>
-                <a:cs typeface="Poppins" panose="00000500000000000000" pitchFamily="2" charset="0"/>
-              </a:rPr>
-              <a:t>Revistas</a:t>
-            </a:r>
-            <a:r>
-              <a:rPr lang="en-US" sz="2800" dirty="0">
-                <a:solidFill>
-                  <a:schemeClr val="bg1"/>
-                </a:solidFill>
-                <a:latin typeface="Poppins" panose="00000500000000000000" pitchFamily="2" charset="0"/>
-                <a:cs typeface="Poppins" panose="00000500000000000000" pitchFamily="2" charset="0"/>
-              </a:rPr>
-              <a:t> </a:t>
-            </a:r>
-            <a:r>
-              <a:rPr lang="en-US" sz="2800" dirty="0" err="1">
-                <a:solidFill>
-                  <a:schemeClr val="bg1"/>
-                </a:solidFill>
-                <a:latin typeface="Poppins" panose="00000500000000000000" pitchFamily="2" charset="0"/>
-                <a:cs typeface="Poppins" panose="00000500000000000000" pitchFamily="2" charset="0"/>
-              </a:rPr>
-              <a:t>recreio</a:t>
-            </a:r>
-            <a:endParaRPr lang="en-US" sz="2800" dirty="0">
-              <a:solidFill>
-                <a:schemeClr val="bg1"/>
-              </a:solidFill>
-              <a:latin typeface="Poppins" panose="00000500000000000000" pitchFamily="2" charset="0"/>
-              <a:cs typeface="Poppins" panose="00000500000000000000" pitchFamily="2" charset="0"/>
-            </a:endParaRPr>
-          </a:p>
-        </p:txBody>
-      </p:sp>
-      <p:sp>
-        <p:nvSpPr>
-          <p:cNvPr id="8" name="TextBox 7">
-            <a:extLst>
-              <a:ext uri="{FF2B5EF4-FFF2-40B4-BE49-F238E27FC236}">
-                <a16:creationId xmlns:a16="http://schemas.microsoft.com/office/drawing/2014/main" id="{ED57BBDF-2850-6202-0DCB-A72CD9DC6446}"/>
+            <a:pPr algn="l"/>
+            <a:endParaRPr lang="en-US"/>
+          </a:p>
+        </p:txBody>
+      </p:sp>
+      <p:sp>
+        <p:nvSpPr>
+          <p:cNvPr id="16" name="TextBox 15">
+            <a:extLst>
+              <a:ext uri="{FF2B5EF4-FFF2-40B4-BE49-F238E27FC236}">
+                <a16:creationId xmlns:a16="http://schemas.microsoft.com/office/drawing/2014/main" id="{757A3CA4-D685-4FA5-9A1C-5F0B75429A86}"/>
               </a:ext>
             </a:extLst>
           </p:cNvPr>
@@ -7154,8 +10089,8 @@
         </p:nvSpPr>
         <p:spPr>
           <a:xfrm>
-            <a:off x="6309032" y="3523225"/>
-            <a:ext cx="311354" cy="369332"/>
+            <a:off x="-3744761" y="2260336"/>
+            <a:ext cx="2737573" cy="954107"/>
           </a:xfrm>
           <a:prstGeom prst="rect">
             <a:avLst/>
@@ -7171,20 +10106,47 @@
           </a:bodyPr>
           <a:lstStyle/>
           <a:p>
-            <a:pPr algn="l"/>
-            <a:endParaRPr lang="en-US">
-              <a:latin typeface="Poppins" panose="00000500000000000000" pitchFamily="2" charset="0"/>
-              <a:cs typeface="Poppins" panose="00000500000000000000" pitchFamily="2" charset="0"/>
-            </a:endParaRPr>
-          </a:p>
-        </p:txBody>
-      </p:sp>
-      <p:sp>
-        <p:nvSpPr>
-          <p:cNvPr id="9" name="TextBox 8">
-            <a:extLst>
-              <a:ext uri="{FF2B5EF4-FFF2-40B4-BE49-F238E27FC236}">
-                <a16:creationId xmlns:a16="http://schemas.microsoft.com/office/drawing/2014/main" id="{1206884E-EE01-D7A2-CB0E-343F3A78BD9A}"/>
+            <a:pPr marL="457200" indent="-457200">
+              <a:buFont typeface="Arial"/>
+              <a:buChar char="•"/>
+            </a:pPr>
+            <a:r>
+              <a:rPr lang="en-US" sz="2800" dirty="0" err="1">
+                <a:solidFill>
+                  <a:schemeClr val="bg1"/>
+                </a:solidFill>
+                <a:cs typeface="Calibri"/>
+              </a:rPr>
+              <a:t>Curiosidades</a:t>
+            </a:r>
+            <a:r>
+              <a:rPr lang="en-US" sz="2800" dirty="0">
+                <a:solidFill>
+                  <a:schemeClr val="bg1"/>
+                </a:solidFill>
+                <a:cs typeface="Calibri"/>
+              </a:rPr>
+              <a:t> </a:t>
+            </a:r>
+            <a:r>
+              <a:rPr lang="en-US" sz="2800" dirty="0" err="1">
+                <a:solidFill>
+                  <a:schemeClr val="bg1"/>
+                </a:solidFill>
+                <a:cs typeface="Calibri"/>
+              </a:rPr>
+              <a:t>cientificas</a:t>
+            </a:r>
+            <a:endParaRPr lang="en-US"/>
+          </a:p>
+        </p:txBody>
+      </p:sp>
+      <p:sp>
+        <p:nvSpPr>
+          <p:cNvPr id="18" name="TextBox 17">
+            <a:extLst>
+              <a:ext uri="{FF2B5EF4-FFF2-40B4-BE49-F238E27FC236}">
+                <a16:creationId xmlns:a16="http://schemas.microsoft.com/office/drawing/2014/main" id="{60735D97-A303-5EFB-A5B8-3CB6806A4247}"/>
               </a:ext>
             </a:extLst>
           </p:cNvPr>
@@ -7193,8 +10155,8 @@
         </p:nvSpPr>
         <p:spPr>
           <a:xfrm>
-            <a:off x="3918371" y="2303468"/>
-            <a:ext cx="2737573" cy="830997"/>
+            <a:off x="-3747079" y="4250442"/>
+            <a:ext cx="1950064" cy="461665"/>
           </a:xfrm>
           <a:prstGeom prst="rect">
             <a:avLst/>
@@ -7210,53 +10172,29 @@
           </a:bodyPr>
           <a:lstStyle/>
           <a:p>
-            <a:pPr marL="457200" indent="-457200">
-              <a:buFont typeface="Arial"/>
+            <a:pPr marL="342900" indent="-342900">
+              <a:buFont typeface="Arial" panose="020B0604020202020204" pitchFamily="34" charset="0"/>
               <a:buChar char="•"/>
             </a:pPr>
             <a:r>
-              <a:rPr lang="en-US" sz="2400" dirty="0" err="1">
-                <a:solidFill>
-                  <a:schemeClr val="bg1"/>
-                </a:solidFill>
-                <a:latin typeface="Poppins" panose="00000500000000000000" pitchFamily="2" charset="0"/>
-                <a:cs typeface="Poppins" panose="00000500000000000000" pitchFamily="2" charset="0"/>
-              </a:rPr>
-              <a:t>Curiosidades</a:t>
-            </a:r>
-            <a:r>
               <a:rPr lang="en-US" sz="2400" dirty="0">
                 <a:solidFill>
                   <a:schemeClr val="bg1"/>
                 </a:solidFill>
-                <a:latin typeface="Poppins" panose="00000500000000000000" pitchFamily="2" charset="0"/>
-                <a:cs typeface="Poppins" panose="00000500000000000000" pitchFamily="2" charset="0"/>
-              </a:rPr>
-              <a:t> </a:t>
-            </a:r>
-            <a:r>
-              <a:rPr lang="en-US" sz="2400" dirty="0" err="1">
-                <a:solidFill>
-                  <a:schemeClr val="bg1"/>
-                </a:solidFill>
-                <a:latin typeface="Poppins" panose="00000500000000000000" pitchFamily="2" charset="0"/>
-                <a:cs typeface="Poppins" panose="00000500000000000000" pitchFamily="2" charset="0"/>
-              </a:rPr>
-              <a:t>cientificas</a:t>
-            </a:r>
-            <a:endParaRPr lang="en-US" sz="1600" dirty="0">
-              <a:latin typeface="Poppins" panose="00000500000000000000" pitchFamily="2" charset="0"/>
-              <a:cs typeface="Poppins" panose="00000500000000000000" pitchFamily="2" charset="0"/>
-            </a:endParaRPr>
-          </a:p>
-        </p:txBody>
-      </p:sp>
-      <p:sp>
-        <p:nvSpPr>
-          <p:cNvPr id="10" name="TextBox 9">
-            <a:extLst>
-              <a:ext uri="{FF2B5EF4-FFF2-40B4-BE49-F238E27FC236}">
-                <a16:creationId xmlns:a16="http://schemas.microsoft.com/office/drawing/2014/main" id="{05577CA9-BB2C-3194-9E77-C2C94CAF2A36}"/>
+                <a:cs typeface="Calibri"/>
+              </a:rPr>
+              <a:t>Artigos</a:t>
+            </a:r>
+            <a:endParaRPr lang="en-US"/>
+          </a:p>
+        </p:txBody>
+      </p:sp>
+      <p:sp>
+        <p:nvSpPr>
+          <p:cNvPr id="20" name="TextBox 19">
+            <a:extLst>
+              <a:ext uri="{FF2B5EF4-FFF2-40B4-BE49-F238E27FC236}">
+                <a16:creationId xmlns:a16="http://schemas.microsoft.com/office/drawing/2014/main" id="{0A2B88CB-E2FB-33D4-CE43-61462329BE9E}"/>
               </a:ext>
             </a:extLst>
           </p:cNvPr>
@@ -7265,8 +10203,8 @@
         </p:nvSpPr>
         <p:spPr>
           <a:xfrm>
-            <a:off x="3916053" y="4293574"/>
-            <a:ext cx="1950064" cy="461665"/>
+            <a:off x="-3745226" y="3448247"/>
+            <a:ext cx="2507225" cy="461665"/>
           </a:xfrm>
           <a:prstGeom prst="rect">
             <a:avLst/>
@@ -7282,7 +10220,7 @@
           </a:bodyPr>
           <a:lstStyle/>
           <a:p>
-            <a:pPr marL="342900" indent="-342900">
+            <a:pPr marL="342900" indent="-342900" algn="l">
               <a:buFont typeface="Arial" panose="020B0604020202020204" pitchFamily="34" charset="0"/>
               <a:buChar char="•"/>
             </a:pPr>
@@ -7291,142 +10229,25 @@
                 <a:solidFill>
                   <a:schemeClr val="bg1"/>
                 </a:solidFill>
-                <a:latin typeface="Poppins" panose="00000500000000000000" pitchFamily="2" charset="0"/>
-                <a:cs typeface="Poppins" panose="00000500000000000000" pitchFamily="2" charset="0"/>
-              </a:rPr>
-              <a:t>Artigos</a:t>
-            </a:r>
-            <a:endParaRPr lang="en-US">
-              <a:latin typeface="Poppins" panose="00000500000000000000" pitchFamily="2" charset="0"/>
-              <a:cs typeface="Poppins" panose="00000500000000000000" pitchFamily="2" charset="0"/>
-            </a:endParaRPr>
-          </a:p>
-        </p:txBody>
-      </p:sp>
-      <p:sp>
-        <p:nvSpPr>
-          <p:cNvPr id="14" name="Title 1">
-            <a:extLst>
-              <a:ext uri="{FF2B5EF4-FFF2-40B4-BE49-F238E27FC236}">
-                <a16:creationId xmlns:a16="http://schemas.microsoft.com/office/drawing/2014/main" id="{C016BBC2-41AE-9FBE-3522-BD193B4106FB}"/>
-              </a:ext>
-            </a:extLst>
-          </p:cNvPr>
-          <p:cNvSpPr>
-            <a:spLocks noGrp="1"/>
-          </p:cNvSpPr>
-          <p:nvPr>
-            <p:ph type="title"/>
-          </p:nvPr>
-        </p:nvSpPr>
-        <p:spPr>
-          <a:xfrm>
-            <a:off x="3253596" y="480144"/>
-            <a:ext cx="5814204" cy="1339940"/>
-          </a:xfrm>
-        </p:spPr>
-        <p:txBody>
-          <a:bodyPr>
-            <a:normAutofit/>
-          </a:bodyPr>
-          <a:lstStyle/>
-          <a:p>
-            <a:r>
-              <a:rPr lang="en-US" sz="3200" b="1" dirty="0">
-                <a:solidFill>
-                  <a:schemeClr val="bg1"/>
-                </a:solidFill>
-                <a:latin typeface="Poppins" panose="00000500000000000000" pitchFamily="2" charset="0"/>
-                <a:cs typeface="Poppins" panose="00000500000000000000" pitchFamily="2" charset="0"/>
-              </a:rPr>
-              <a:t>A </a:t>
-            </a:r>
-            <a:r>
-              <a:rPr lang="en-US" sz="3200" b="1" dirty="0" err="1">
-                <a:solidFill>
-                  <a:schemeClr val="bg1"/>
-                </a:solidFill>
-                <a:latin typeface="Poppins" panose="00000500000000000000" pitchFamily="2" charset="0"/>
-                <a:cs typeface="Poppins" panose="00000500000000000000" pitchFamily="2" charset="0"/>
-              </a:rPr>
-              <a:t>ciencia</a:t>
-            </a:r>
-            <a:r>
-              <a:rPr lang="en-US" sz="3200" b="1" dirty="0">
-                <a:solidFill>
-                  <a:schemeClr val="bg1"/>
-                </a:solidFill>
-                <a:latin typeface="Poppins" panose="00000500000000000000" pitchFamily="2" charset="0"/>
-                <a:cs typeface="Poppins" panose="00000500000000000000" pitchFamily="2" charset="0"/>
-              </a:rPr>
-              <a:t> </a:t>
-            </a:r>
-            <a:r>
-              <a:rPr lang="en-US" sz="3200" b="1" dirty="0" err="1">
-                <a:solidFill>
-                  <a:schemeClr val="bg1"/>
-                </a:solidFill>
-                <a:latin typeface="Poppins" panose="00000500000000000000" pitchFamily="2" charset="0"/>
-                <a:cs typeface="Poppins" panose="00000500000000000000" pitchFamily="2" charset="0"/>
-              </a:rPr>
-              <a:t>na</a:t>
-            </a:r>
-            <a:r>
-              <a:rPr lang="en-US" sz="3200" b="1" dirty="0">
-                <a:solidFill>
-                  <a:schemeClr val="bg1"/>
-                </a:solidFill>
-                <a:latin typeface="Poppins" panose="00000500000000000000" pitchFamily="2" charset="0"/>
-                <a:cs typeface="Poppins" panose="00000500000000000000" pitchFamily="2" charset="0"/>
-              </a:rPr>
-              <a:t> </a:t>
-            </a:r>
-            <a:r>
-              <a:rPr lang="en-US" sz="3200" b="1" dirty="0" err="1">
-                <a:solidFill>
-                  <a:schemeClr val="bg1"/>
-                </a:solidFill>
-                <a:latin typeface="Poppins" panose="00000500000000000000" pitchFamily="2" charset="0"/>
-                <a:cs typeface="Poppins" panose="00000500000000000000" pitchFamily="2" charset="0"/>
-              </a:rPr>
-              <a:t>minha</a:t>
-            </a:r>
-            <a:r>
-              <a:rPr lang="en-US" sz="3200" b="1" dirty="0">
-                <a:solidFill>
-                  <a:schemeClr val="bg1"/>
-                </a:solidFill>
-                <a:latin typeface="Poppins" panose="00000500000000000000" pitchFamily="2" charset="0"/>
-                <a:cs typeface="Poppins" panose="00000500000000000000" pitchFamily="2" charset="0"/>
-              </a:rPr>
-              <a:t> </a:t>
-            </a:r>
-            <a:r>
-              <a:rPr lang="en-US" sz="3200" b="1" dirty="0" err="1">
-                <a:solidFill>
-                  <a:schemeClr val="bg1"/>
-                </a:solidFill>
-                <a:latin typeface="Poppins" panose="00000500000000000000" pitchFamily="2" charset="0"/>
-                <a:cs typeface="Poppins" panose="00000500000000000000" pitchFamily="2" charset="0"/>
-              </a:rPr>
-              <a:t>vida</a:t>
-            </a:r>
-            <a:endParaRPr lang="en-US" sz="3200" b="1" dirty="0">
+                <a:cs typeface="Calibri"/>
+              </a:rPr>
+              <a:t>Quiz</a:t>
+            </a:r>
+            <a:endParaRPr lang="en-US" dirty="0">
               <a:solidFill>
                 <a:schemeClr val="bg1"/>
               </a:solidFill>
-              <a:latin typeface="Poppins" panose="00000500000000000000" pitchFamily="2" charset="0"/>
-              <a:cs typeface="Poppins" panose="00000500000000000000" pitchFamily="2" charset="0"/>
+              <a:cs typeface="Calibri" panose="020F0502020204030204"/>
             </a:endParaRPr>
           </a:p>
         </p:txBody>
       </p:sp>
       <p:sp>
         <p:nvSpPr>
-          <p:cNvPr id="15" name="TextBox 14">
-            <a:extLst>
-              <a:ext uri="{FF2B5EF4-FFF2-40B4-BE49-F238E27FC236}">
-                <a16:creationId xmlns:a16="http://schemas.microsoft.com/office/drawing/2014/main" id="{4EC0D550-8C8D-9553-B731-C0901E4A4BDD}"/>
+          <p:cNvPr id="22" name="TextBox 21">
+            <a:extLst>
+              <a:ext uri="{FF2B5EF4-FFF2-40B4-BE49-F238E27FC236}">
+                <a16:creationId xmlns:a16="http://schemas.microsoft.com/office/drawing/2014/main" id="{082F5F51-06BD-BE63-DE43-FFC01DB263AE}"/>
               </a:ext>
             </a:extLst>
           </p:cNvPr>
@@ -7435,8 +10256,8 @@
         </p:nvSpPr>
         <p:spPr>
           <a:xfrm>
-            <a:off x="3917906" y="3491379"/>
-            <a:ext cx="2507225" cy="461665"/>
+            <a:off x="-3742596" y="4983378"/>
+            <a:ext cx="3255930" cy="461665"/>
           </a:xfrm>
           <a:prstGeom prst="rect">
             <a:avLst/>
@@ -7452,61 +10273,6 @@
           </a:bodyPr>
           <a:lstStyle/>
           <a:p>
-            <a:pPr marL="342900" indent="-342900" algn="l">
-              <a:buFont typeface="Arial" panose="020B0604020202020204" pitchFamily="34" charset="0"/>
-              <a:buChar char="•"/>
-            </a:pPr>
-            <a:r>
-              <a:rPr lang="en-US" sz="2400" dirty="0">
-                <a:solidFill>
-                  <a:schemeClr val="bg1"/>
-                </a:solidFill>
-                <a:latin typeface="Poppins" panose="00000500000000000000" pitchFamily="2" charset="0"/>
-                <a:cs typeface="Poppins" panose="00000500000000000000" pitchFamily="2" charset="0"/>
-              </a:rPr>
-              <a:t>Quiz</a:t>
-            </a:r>
-            <a:endParaRPr lang="en-US" dirty="0">
-              <a:solidFill>
-                <a:schemeClr val="bg1"/>
-              </a:solidFill>
-              <a:latin typeface="Poppins" panose="00000500000000000000" pitchFamily="2" charset="0"/>
-              <a:cs typeface="Poppins" panose="00000500000000000000" pitchFamily="2" charset="0"/>
-            </a:endParaRPr>
-          </a:p>
-        </p:txBody>
-      </p:sp>
-      <p:sp>
-        <p:nvSpPr>
-          <p:cNvPr id="17" name="TextBox 16">
-            <a:extLst>
-              <a:ext uri="{FF2B5EF4-FFF2-40B4-BE49-F238E27FC236}">
-                <a16:creationId xmlns:a16="http://schemas.microsoft.com/office/drawing/2014/main" id="{5ED317A7-6DA5-F586-423D-6EDB036EDB7B}"/>
-              </a:ext>
-            </a:extLst>
-          </p:cNvPr>
-          <p:cNvSpPr txBox="1"/>
-          <p:nvPr/>
-        </p:nvSpPr>
-        <p:spPr>
-          <a:xfrm>
-            <a:off x="3920536" y="5026510"/>
-            <a:ext cx="3255930" cy="830997"/>
-          </a:xfrm>
-          <a:prstGeom prst="rect">
-            <a:avLst/>
-          </a:prstGeom>
-          <a:noFill/>
-        </p:spPr>
-        <p:txBody>
-          <a:bodyPr rot="0" spcFirstLastPara="0" vertOverflow="overflow" horzOverflow="overflow" vert="horz" wrap="square" lIns="91440" tIns="45720" rIns="91440" bIns="45720" numCol="1" spcCol="0" rtlCol="0" fromWordArt="0" anchor="t" anchorCtr="0" forceAA="0" compatLnSpc="1">
-            <a:prstTxWarp prst="textNoShape">
-              <a:avLst/>
-            </a:prstTxWarp>
-            <a:spAutoFit/>
-          </a:bodyPr>
-          <a:lstStyle/>
-          <a:p>
             <a:pPr marL="342900" indent="-342900">
               <a:buFont typeface="Arial"/>
               <a:buChar char="•"/>
@@ -7516,8 +10282,7 @@
                 <a:solidFill>
                   <a:schemeClr val="bg1"/>
                 </a:solidFill>
-                <a:latin typeface="Poppins" panose="00000500000000000000" pitchFamily="2" charset="0"/>
-                <a:cs typeface="Poppins" panose="00000500000000000000" pitchFamily="2" charset="0"/>
+                <a:cs typeface="Calibri"/>
               </a:rPr>
               <a:t>Indicações</a:t>
             </a:r>
@@ -7526,8 +10291,7 @@
                 <a:solidFill>
                   <a:schemeClr val="bg1"/>
                 </a:solidFill>
-                <a:latin typeface="Poppins" panose="00000500000000000000" pitchFamily="2" charset="0"/>
-                <a:cs typeface="Poppins" panose="00000500000000000000" pitchFamily="2" charset="0"/>
+                <a:cs typeface="Calibri"/>
               </a:rPr>
               <a:t> de </a:t>
             </a:r>
@@ -7536,8 +10300,7 @@
                 <a:solidFill>
                   <a:schemeClr val="bg1"/>
                 </a:solidFill>
-                <a:latin typeface="Poppins" panose="00000500000000000000" pitchFamily="2" charset="0"/>
-                <a:cs typeface="Poppins" panose="00000500000000000000" pitchFamily="2" charset="0"/>
+                <a:cs typeface="Calibri"/>
               </a:rPr>
               <a:t>livros</a:t>
             </a:r>
@@ -7545,8 +10308,7 @@
               <a:solidFill>
                 <a:schemeClr val="bg1"/>
               </a:solidFill>
-              <a:latin typeface="Poppins" panose="00000500000000000000" pitchFamily="2" charset="0"/>
-              <a:cs typeface="Poppins" panose="00000500000000000000" pitchFamily="2" charset="0"/>
+              <a:cs typeface="Calibri"/>
             </a:endParaRPr>
           </a:p>
         </p:txBody>
@@ -7554,7 +10316,7 @@
     </p:spTree>
     <p:extLst>
       <p:ext uri="{BB962C8B-B14F-4D97-AF65-F5344CB8AC3E}">
-        <p14:creationId xmlns:p14="http://schemas.microsoft.com/office/powerpoint/2010/main" val="3173067596"/>
+        <p14:creationId xmlns:p14="http://schemas.microsoft.com/office/powerpoint/2010/main" val="1695301063"/>
       </p:ext>
     </p:extLst>
   </p:cSld>
@@ -7647,7 +10409,7 @@
                 <a:latin typeface="Poppins" panose="00000500000000000000" pitchFamily="2" charset="0"/>
                 <a:cs typeface="Poppins" panose="00000500000000000000" pitchFamily="2" charset="0"/>
               </a:rPr>
-              <a:t>ciencia</a:t>
+              <a:t>ciência</a:t>
             </a:r>
             <a:r>
               <a:rPr lang="en-US" sz="3200" b="1" dirty="0">
@@ -7721,10 +10483,10 @@
       </p:sp>
       <p:pic>
         <p:nvPicPr>
-          <p:cNvPr id="4" name="Picture 4" descr="A picture containing calendar&#10;&#10;Description automatically generated">
-            <a:extLst>
-              <a:ext uri="{FF2B5EF4-FFF2-40B4-BE49-F238E27FC236}">
-                <a16:creationId xmlns:a16="http://schemas.microsoft.com/office/drawing/2014/main" id="{B58C87D5-1FAD-CCA8-6F24-6B95FDBD4371}"/>
+          <p:cNvPr id="5" name="Picture 5" descr="Text&#10;&#10;Description automatically generated">
+            <a:extLst>
+              <a:ext uri="{FF2B5EF4-FFF2-40B4-BE49-F238E27FC236}">
+                <a16:creationId xmlns:a16="http://schemas.microsoft.com/office/drawing/2014/main" id="{3252B8BE-BBDE-BB50-CC8A-260D6AF110E2}"/>
               </a:ext>
             </a:extLst>
           </p:cNvPr>
@@ -7741,20 +10503,81 @@
         </p:blipFill>
         <p:spPr>
           <a:xfrm>
-            <a:off x="1072552" y="2770528"/>
-            <a:ext cx="5647426" cy="3085359"/>
+            <a:off x="13710250" y="2745357"/>
+            <a:ext cx="3763992" cy="2862532"/>
           </a:xfrm>
           <a:prstGeom prst="rect">
             <a:avLst/>
           </a:prstGeom>
         </p:spPr>
       </p:pic>
+      <p:sp>
+        <p:nvSpPr>
+          <p:cNvPr id="8" name="TextBox 7">
+            <a:extLst>
+              <a:ext uri="{FF2B5EF4-FFF2-40B4-BE49-F238E27FC236}">
+                <a16:creationId xmlns:a16="http://schemas.microsoft.com/office/drawing/2014/main" id="{92583D3B-C2AB-A48A-03E9-C2B97574D4F9}"/>
+              </a:ext>
+            </a:extLst>
+          </p:cNvPr>
+          <p:cNvSpPr txBox="1"/>
+          <p:nvPr/>
+        </p:nvSpPr>
+        <p:spPr>
+          <a:xfrm>
+            <a:off x="13581193" y="3580888"/>
+            <a:ext cx="3679366" cy="584775"/>
+          </a:xfrm>
+          <a:prstGeom prst="rect">
+            <a:avLst/>
+          </a:prstGeom>
+          <a:noFill/>
+        </p:spPr>
+        <p:txBody>
+          <a:bodyPr rot="0" spcFirstLastPara="0" vertOverflow="overflow" horzOverflow="overflow" vert="horz" wrap="square" lIns="91440" tIns="45720" rIns="91440" bIns="45720" numCol="1" spcCol="0" rtlCol="0" fromWordArt="0" anchor="t" anchorCtr="0" forceAA="0" compatLnSpc="1">
+            <a:prstTxWarp prst="textNoShape">
+              <a:avLst/>
+            </a:prstTxWarp>
+            <a:spAutoFit/>
+          </a:bodyPr>
+          <a:lstStyle/>
+          <a:p>
+            <a:r>
+              <a:rPr lang="en-US" sz="3200" dirty="0" err="1">
+                <a:solidFill>
+                  <a:schemeClr val="bg1"/>
+                </a:solidFill>
+                <a:cs typeface="Calibri"/>
+              </a:rPr>
+              <a:t>Revistas</a:t>
+            </a:r>
+            <a:r>
+              <a:rPr lang="en-US" sz="3200" dirty="0">
+                <a:solidFill>
+                  <a:schemeClr val="bg1"/>
+                </a:solidFill>
+                <a:cs typeface="Calibri"/>
+              </a:rPr>
+              <a:t> </a:t>
+            </a:r>
+            <a:r>
+              <a:rPr lang="en-US" sz="3200" dirty="0" err="1">
+                <a:solidFill>
+                  <a:schemeClr val="bg1"/>
+                </a:solidFill>
+                <a:cs typeface="Calibri"/>
+              </a:rPr>
+              <a:t>recreio</a:t>
+            </a:r>
+          </a:p>
+        </p:txBody>
+      </p:sp>
       <p:pic>
         <p:nvPicPr>
-          <p:cNvPr id="5" name="Picture 5" descr="Text&#10;&#10;Description automatically generated">
-            <a:extLst>
-              <a:ext uri="{FF2B5EF4-FFF2-40B4-BE49-F238E27FC236}">
-                <a16:creationId xmlns:a16="http://schemas.microsoft.com/office/drawing/2014/main" id="{3252B8BE-BBDE-BB50-CC8A-260D6AF110E2}"/>
+          <p:cNvPr id="6" name="Picture 6" descr="Icon&#10;&#10;Description automatically generated">
+            <a:extLst>
+              <a:ext uri="{FF2B5EF4-FFF2-40B4-BE49-F238E27FC236}">
+                <a16:creationId xmlns:a16="http://schemas.microsoft.com/office/drawing/2014/main" id="{332E92CE-EB3D-3051-9363-69D5CE77A412}"/>
               </a:ext>
             </a:extLst>
           </p:cNvPr>
@@ -7771,138 +10594,20 @@
         </p:blipFill>
         <p:spPr>
           <a:xfrm>
-            <a:off x="7585495" y="2874753"/>
-            <a:ext cx="3763992" cy="2862532"/>
+            <a:off x="1647643" y="2718759"/>
+            <a:ext cx="1722410" cy="1736786"/>
           </a:xfrm>
           <a:prstGeom prst="rect">
             <a:avLst/>
           </a:prstGeom>
         </p:spPr>
       </p:pic>
-      <p:sp>
-        <p:nvSpPr>
-          <p:cNvPr id="8" name="TextBox 7">
-            <a:extLst>
-              <a:ext uri="{FF2B5EF4-FFF2-40B4-BE49-F238E27FC236}">
-                <a16:creationId xmlns:a16="http://schemas.microsoft.com/office/drawing/2014/main" id="{92583D3B-C2AB-A48A-03E9-C2B97574D4F9}"/>
-              </a:ext>
-            </a:extLst>
-          </p:cNvPr>
-          <p:cNvSpPr txBox="1"/>
-          <p:nvPr/>
-        </p:nvSpPr>
-        <p:spPr>
-          <a:xfrm>
-            <a:off x="13581193" y="3580888"/>
-            <a:ext cx="3679366" cy="584775"/>
-          </a:xfrm>
-          <a:prstGeom prst="rect">
-            <a:avLst/>
-          </a:prstGeom>
-          <a:noFill/>
-        </p:spPr>
-        <p:txBody>
-          <a:bodyPr rot="0" spcFirstLastPara="0" vertOverflow="overflow" horzOverflow="overflow" vert="horz" wrap="square" lIns="91440" tIns="45720" rIns="91440" bIns="45720" numCol="1" spcCol="0" rtlCol="0" fromWordArt="0" anchor="t" anchorCtr="0" forceAA="0" compatLnSpc="1">
-            <a:prstTxWarp prst="textNoShape">
-              <a:avLst/>
-            </a:prstTxWarp>
-            <a:spAutoFit/>
-          </a:bodyPr>
-          <a:lstStyle/>
-          <a:p>
-            <a:r>
-              <a:rPr lang="en-US" sz="3200" dirty="0" err="1">
-                <a:solidFill>
-                  <a:schemeClr val="bg1"/>
-                </a:solidFill>
-                <a:cs typeface="Calibri"/>
-              </a:rPr>
-              <a:t>Revistas</a:t>
-            </a:r>
-            <a:r>
-              <a:rPr lang="en-US" sz="3200" dirty="0">
-                <a:solidFill>
-                  <a:schemeClr val="bg1"/>
-                </a:solidFill>
-                <a:cs typeface="Calibri"/>
-              </a:rPr>
-              <a:t> </a:t>
-            </a:r>
-            <a:r>
-              <a:rPr lang="en-US" sz="3200" dirty="0" err="1">
-                <a:solidFill>
-                  <a:schemeClr val="bg1"/>
-                </a:solidFill>
-                <a:cs typeface="Calibri"/>
-              </a:rPr>
-              <a:t>recreio</a:t>
-            </a:r>
-          </a:p>
-        </p:txBody>
-      </p:sp>
-      <p:sp>
-        <p:nvSpPr>
-          <p:cNvPr id="10" name="Rectangle 9">
-            <a:extLst>
-              <a:ext uri="{FF2B5EF4-FFF2-40B4-BE49-F238E27FC236}">
-                <a16:creationId xmlns:a16="http://schemas.microsoft.com/office/drawing/2014/main" id="{FC722614-0B26-CB7C-5049-A8B70142CAF8}"/>
-              </a:ext>
-            </a:extLst>
-          </p:cNvPr>
-          <p:cNvSpPr/>
-          <p:nvPr/>
-        </p:nvSpPr>
-        <p:spPr>
-          <a:xfrm>
-            <a:off x="-7305244" y="1887144"/>
-            <a:ext cx="6599207" cy="4226943"/>
-          </a:xfrm>
-          <a:prstGeom prst="rect">
-            <a:avLst/>
-          </a:prstGeom>
-          <a:solidFill>
-            <a:schemeClr val="tx1">
-              <a:lumMod val="95000"/>
-              <a:lumOff val="5000"/>
-            </a:schemeClr>
-          </a:solidFill>
-          <a:ln w="57150">
-            <a:solidFill>
-              <a:schemeClr val="bg1"/>
-            </a:solidFill>
-          </a:ln>
-        </p:spPr>
-        <p:style>
-          <a:lnRef idx="2">
-            <a:schemeClr val="accent1">
-              <a:shade val="50000"/>
-            </a:schemeClr>
-          </a:lnRef>
-          <a:fillRef idx="1">
-            <a:schemeClr val="accent1"/>
-          </a:fillRef>
-          <a:effectRef idx="0">
-            <a:schemeClr val="accent1"/>
-          </a:effectRef>
-          <a:fontRef idx="minor">
-            <a:schemeClr val="lt1"/>
-          </a:fontRef>
-        </p:style>
-        <p:txBody>
-          <a:bodyPr rtlCol="0" anchor="ctr"/>
-          <a:lstStyle/>
-          <a:p>
-            <a:pPr algn="ctr"/>
-            <a:endParaRPr lang="en-US"/>
-          </a:p>
-        </p:txBody>
-      </p:sp>
       <p:pic>
         <p:nvPicPr>
-          <p:cNvPr id="12" name="Picture 5" descr="Text, qr code&#10;&#10;Description automatically generated">
-            <a:extLst>
-              <a:ext uri="{FF2B5EF4-FFF2-40B4-BE49-F238E27FC236}">
-                <a16:creationId xmlns:a16="http://schemas.microsoft.com/office/drawing/2014/main" id="{3F89B924-8262-DD81-8CDD-4BE476CCEA78}"/>
+          <p:cNvPr id="9" name="Picture 10" descr="Logo&#10;&#10;Description automatically generated">
+            <a:extLst>
+              <a:ext uri="{FF2B5EF4-FFF2-40B4-BE49-F238E27FC236}">
+                <a16:creationId xmlns:a16="http://schemas.microsoft.com/office/drawing/2014/main" id="{30220D53-3578-2A11-8377-5374D3A71429}"/>
               </a:ext>
             </a:extLst>
           </p:cNvPr>
@@ -7919,292 +10624,78 @@
         </p:blipFill>
         <p:spPr>
           <a:xfrm>
-            <a:off x="-6978770" y="2162822"/>
-            <a:ext cx="2743200" cy="3653794"/>
+            <a:off x="4896928" y="2201174"/>
+            <a:ext cx="2743200" cy="2743200"/>
           </a:xfrm>
           <a:prstGeom prst="rect">
             <a:avLst/>
           </a:prstGeom>
         </p:spPr>
       </p:pic>
-      <p:sp>
-        <p:nvSpPr>
-          <p:cNvPr id="14" name="TextBox 13">
-            <a:extLst>
-              <a:ext uri="{FF2B5EF4-FFF2-40B4-BE49-F238E27FC236}">
-                <a16:creationId xmlns:a16="http://schemas.microsoft.com/office/drawing/2014/main" id="{C3596984-32F8-C1C3-FF7A-FBEF13A12617}"/>
-              </a:ext>
-            </a:extLst>
-          </p:cNvPr>
-          <p:cNvSpPr txBox="1"/>
+      <p:pic>
+        <p:nvPicPr>
+          <p:cNvPr id="11" name="Picture 12" descr="Icon&#10;&#10;Description automatically generated">
+            <a:extLst>
+              <a:ext uri="{FF2B5EF4-FFF2-40B4-BE49-F238E27FC236}">
+                <a16:creationId xmlns:a16="http://schemas.microsoft.com/office/drawing/2014/main" id="{DF52D1DC-7F92-4A10-3A43-9D67505C71C2}"/>
+              </a:ext>
+            </a:extLst>
+          </p:cNvPr>
+          <p:cNvPicPr>
+            <a:picLocks noChangeAspect="1"/>
+          </p:cNvPicPr>
           <p:nvPr/>
-        </p:nvSpPr>
-        <p:spPr>
-          <a:xfrm>
-            <a:off x="-1354100" y="3480093"/>
-            <a:ext cx="311354" cy="114709"/>
+        </p:nvPicPr>
+        <p:blipFill>
+          <a:blip r:embed="rId5"/>
+          <a:stretch>
+            <a:fillRect/>
+          </a:stretch>
+        </p:blipFill>
+        <p:spPr>
+          <a:xfrm>
+            <a:off x="9224513" y="2819400"/>
+            <a:ext cx="1794295" cy="1794295"/>
           </a:xfrm>
           <a:prstGeom prst="rect">
             <a:avLst/>
           </a:prstGeom>
-          <a:noFill/>
-        </p:spPr>
-        <p:txBody>
-          <a:bodyPr rot="0" spcFirstLastPara="0" vertOverflow="overflow" horzOverflow="overflow" vert="horz" wrap="square" lIns="91440" tIns="45720" rIns="91440" bIns="45720" numCol="1" spcCol="0" rtlCol="0" fromWordArt="0" anchor="t" anchorCtr="0" forceAA="0" compatLnSpc="1">
-            <a:prstTxWarp prst="textNoShape">
-              <a:avLst/>
-            </a:prstTxWarp>
-            <a:spAutoFit/>
-          </a:bodyPr>
-          <a:lstStyle/>
-          <a:p>
-            <a:pPr algn="l"/>
-            <a:endParaRPr lang="en-US"/>
-          </a:p>
-        </p:txBody>
-      </p:sp>
-      <p:sp>
-        <p:nvSpPr>
-          <p:cNvPr id="16" name="TextBox 15">
-            <a:extLst>
-              <a:ext uri="{FF2B5EF4-FFF2-40B4-BE49-F238E27FC236}">
-                <a16:creationId xmlns:a16="http://schemas.microsoft.com/office/drawing/2014/main" id="{757A3CA4-D685-4FA5-9A1C-5F0B75429A86}"/>
-              </a:ext>
-            </a:extLst>
-          </p:cNvPr>
-          <p:cNvSpPr txBox="1"/>
+        </p:spPr>
+      </p:pic>
+      <p:pic>
+        <p:nvPicPr>
+          <p:cNvPr id="15" name="Picture 4" descr="A picture containing calendar&#10;&#10;Description automatically generated">
+            <a:extLst>
+              <a:ext uri="{FF2B5EF4-FFF2-40B4-BE49-F238E27FC236}">
+                <a16:creationId xmlns:a16="http://schemas.microsoft.com/office/drawing/2014/main" id="{7D54CA27-E7DB-32D4-650F-08D026BC7193}"/>
+              </a:ext>
+            </a:extLst>
+          </p:cNvPr>
+          <p:cNvPicPr>
+            <a:picLocks noChangeAspect="1"/>
+          </p:cNvPicPr>
           <p:nvPr/>
-        </p:nvSpPr>
-        <p:spPr>
-          <a:xfrm>
-            <a:off x="-3744761" y="2260336"/>
-            <a:ext cx="2737573" cy="954107"/>
+        </p:nvPicPr>
+        <p:blipFill>
+          <a:blip r:embed="rId6"/>
+          <a:stretch>
+            <a:fillRect/>
+          </a:stretch>
+        </p:blipFill>
+        <p:spPr>
+          <a:xfrm>
+            <a:off x="-6849373" y="2339207"/>
+            <a:ext cx="5647426" cy="3085359"/>
           </a:xfrm>
           <a:prstGeom prst="rect">
             <a:avLst/>
           </a:prstGeom>
-          <a:noFill/>
-        </p:spPr>
-        <p:txBody>
-          <a:bodyPr rot="0" spcFirstLastPara="0" vertOverflow="overflow" horzOverflow="overflow" vert="horz" wrap="square" lIns="91440" tIns="45720" rIns="91440" bIns="45720" numCol="1" spcCol="0" rtlCol="0" fromWordArt="0" anchor="t" anchorCtr="0" forceAA="0" compatLnSpc="1">
-            <a:prstTxWarp prst="textNoShape">
-              <a:avLst/>
-            </a:prstTxWarp>
-            <a:spAutoFit/>
-          </a:bodyPr>
-          <a:lstStyle/>
-          <a:p>
-            <a:pPr marL="457200" indent="-457200">
-              <a:buFont typeface="Arial"/>
-              <a:buChar char="•"/>
-            </a:pPr>
-            <a:r>
-              <a:rPr lang="en-US" sz="2800" dirty="0" err="1">
-                <a:solidFill>
-                  <a:schemeClr val="bg1"/>
-                </a:solidFill>
-                <a:cs typeface="Calibri"/>
-              </a:rPr>
-              <a:t>Curiosidades</a:t>
-            </a:r>
-            <a:r>
-              <a:rPr lang="en-US" sz="2800" dirty="0">
-                <a:solidFill>
-                  <a:schemeClr val="bg1"/>
-                </a:solidFill>
-                <a:cs typeface="Calibri"/>
-              </a:rPr>
-              <a:t> </a:t>
-            </a:r>
-            <a:r>
-              <a:rPr lang="en-US" sz="2800" dirty="0" err="1">
-                <a:solidFill>
-                  <a:schemeClr val="bg1"/>
-                </a:solidFill>
-                <a:cs typeface="Calibri"/>
-              </a:rPr>
-              <a:t>cientificas</a:t>
-            </a:r>
-            <a:endParaRPr lang="en-US"/>
-          </a:p>
-        </p:txBody>
-      </p:sp>
-      <p:sp>
-        <p:nvSpPr>
-          <p:cNvPr id="18" name="TextBox 17">
-            <a:extLst>
-              <a:ext uri="{FF2B5EF4-FFF2-40B4-BE49-F238E27FC236}">
-                <a16:creationId xmlns:a16="http://schemas.microsoft.com/office/drawing/2014/main" id="{60735D97-A303-5EFB-A5B8-3CB6806A4247}"/>
-              </a:ext>
-            </a:extLst>
-          </p:cNvPr>
-          <p:cNvSpPr txBox="1"/>
-          <p:nvPr/>
-        </p:nvSpPr>
-        <p:spPr>
-          <a:xfrm>
-            <a:off x="-3747079" y="4250442"/>
-            <a:ext cx="1950064" cy="461665"/>
-          </a:xfrm>
-          <a:prstGeom prst="rect">
-            <a:avLst/>
-          </a:prstGeom>
-          <a:noFill/>
-        </p:spPr>
-        <p:txBody>
-          <a:bodyPr rot="0" spcFirstLastPara="0" vertOverflow="overflow" horzOverflow="overflow" vert="horz" wrap="square" lIns="91440" tIns="45720" rIns="91440" bIns="45720" numCol="1" spcCol="0" rtlCol="0" fromWordArt="0" anchor="t" anchorCtr="0" forceAA="0" compatLnSpc="1">
-            <a:prstTxWarp prst="textNoShape">
-              <a:avLst/>
-            </a:prstTxWarp>
-            <a:spAutoFit/>
-          </a:bodyPr>
-          <a:lstStyle/>
-          <a:p>
-            <a:pPr marL="342900" indent="-342900">
-              <a:buFont typeface="Arial" panose="020B0604020202020204" pitchFamily="34" charset="0"/>
-              <a:buChar char="•"/>
-            </a:pPr>
-            <a:r>
-              <a:rPr lang="en-US" sz="2400" dirty="0">
-                <a:solidFill>
-                  <a:schemeClr val="bg1"/>
-                </a:solidFill>
-                <a:cs typeface="Calibri"/>
-              </a:rPr>
-              <a:t>Artigos</a:t>
-            </a:r>
-            <a:endParaRPr lang="en-US"/>
-          </a:p>
-        </p:txBody>
-      </p:sp>
-      <p:sp>
-        <p:nvSpPr>
-          <p:cNvPr id="20" name="TextBox 19">
-            <a:extLst>
-              <a:ext uri="{FF2B5EF4-FFF2-40B4-BE49-F238E27FC236}">
-                <a16:creationId xmlns:a16="http://schemas.microsoft.com/office/drawing/2014/main" id="{0A2B88CB-E2FB-33D4-CE43-61462329BE9E}"/>
-              </a:ext>
-            </a:extLst>
-          </p:cNvPr>
-          <p:cNvSpPr txBox="1"/>
-          <p:nvPr/>
-        </p:nvSpPr>
-        <p:spPr>
-          <a:xfrm>
-            <a:off x="-3745226" y="3448247"/>
-            <a:ext cx="2507225" cy="461665"/>
-          </a:xfrm>
-          <a:prstGeom prst="rect">
-            <a:avLst/>
-          </a:prstGeom>
-          <a:noFill/>
-        </p:spPr>
-        <p:txBody>
-          <a:bodyPr rot="0" spcFirstLastPara="0" vertOverflow="overflow" horzOverflow="overflow" vert="horz" wrap="square" lIns="91440" tIns="45720" rIns="91440" bIns="45720" numCol="1" spcCol="0" rtlCol="0" fromWordArt="0" anchor="t" anchorCtr="0" forceAA="0" compatLnSpc="1">
-            <a:prstTxWarp prst="textNoShape">
-              <a:avLst/>
-            </a:prstTxWarp>
-            <a:spAutoFit/>
-          </a:bodyPr>
-          <a:lstStyle/>
-          <a:p>
-            <a:pPr marL="342900" indent="-342900" algn="l">
-              <a:buFont typeface="Arial" panose="020B0604020202020204" pitchFamily="34" charset="0"/>
-              <a:buChar char="•"/>
-            </a:pPr>
-            <a:r>
-              <a:rPr lang="en-US" sz="2400" dirty="0">
-                <a:solidFill>
-                  <a:schemeClr val="bg1"/>
-                </a:solidFill>
-                <a:cs typeface="Calibri"/>
-              </a:rPr>
-              <a:t>Quiz</a:t>
-            </a:r>
-            <a:endParaRPr lang="en-US" dirty="0">
-              <a:solidFill>
-                <a:schemeClr val="bg1"/>
-              </a:solidFill>
-              <a:cs typeface="Calibri" panose="020F0502020204030204"/>
-            </a:endParaRPr>
-          </a:p>
-        </p:txBody>
-      </p:sp>
-      <p:sp>
-        <p:nvSpPr>
-          <p:cNvPr id="22" name="TextBox 21">
-            <a:extLst>
-              <a:ext uri="{FF2B5EF4-FFF2-40B4-BE49-F238E27FC236}">
-                <a16:creationId xmlns:a16="http://schemas.microsoft.com/office/drawing/2014/main" id="{082F5F51-06BD-BE63-DE43-FFC01DB263AE}"/>
-              </a:ext>
-            </a:extLst>
-          </p:cNvPr>
-          <p:cNvSpPr txBox="1"/>
-          <p:nvPr/>
-        </p:nvSpPr>
-        <p:spPr>
-          <a:xfrm>
-            <a:off x="-3742596" y="4983378"/>
-            <a:ext cx="3255930" cy="461665"/>
-          </a:xfrm>
-          <a:prstGeom prst="rect">
-            <a:avLst/>
-          </a:prstGeom>
-          <a:noFill/>
-        </p:spPr>
-        <p:txBody>
-          <a:bodyPr rot="0" spcFirstLastPara="0" vertOverflow="overflow" horzOverflow="overflow" vert="horz" wrap="square" lIns="91440" tIns="45720" rIns="91440" bIns="45720" numCol="1" spcCol="0" rtlCol="0" fromWordArt="0" anchor="t" anchorCtr="0" forceAA="0" compatLnSpc="1">
-            <a:prstTxWarp prst="textNoShape">
-              <a:avLst/>
-            </a:prstTxWarp>
-            <a:spAutoFit/>
-          </a:bodyPr>
-          <a:lstStyle/>
-          <a:p>
-            <a:pPr marL="342900" indent="-342900">
-              <a:buFont typeface="Arial"/>
-              <a:buChar char="•"/>
-            </a:pPr>
-            <a:r>
-              <a:rPr lang="en-US" sz="2400" dirty="0" err="1">
-                <a:solidFill>
-                  <a:schemeClr val="bg1"/>
-                </a:solidFill>
-                <a:cs typeface="Calibri"/>
-              </a:rPr>
-              <a:t>Indicações</a:t>
-            </a:r>
-            <a:r>
-              <a:rPr lang="en-US" sz="2400" dirty="0">
-                <a:solidFill>
-                  <a:schemeClr val="bg1"/>
-                </a:solidFill>
-                <a:cs typeface="Calibri"/>
-              </a:rPr>
-              <a:t> de </a:t>
-            </a:r>
-            <a:r>
-              <a:rPr lang="en-US" sz="2400" dirty="0" err="1">
-                <a:solidFill>
-                  <a:schemeClr val="bg1"/>
-                </a:solidFill>
-                <a:cs typeface="Calibri"/>
-              </a:rPr>
-              <a:t>livros</a:t>
-            </a:r>
-            <a:endParaRPr lang="en-US" dirty="0" err="1">
-              <a:solidFill>
-                <a:schemeClr val="bg1"/>
-              </a:solidFill>
-              <a:cs typeface="Calibri"/>
-            </a:endParaRPr>
-          </a:p>
-        </p:txBody>
-      </p:sp>
+        </p:spPr>
+      </p:pic>
     </p:spTree>
     <p:extLst>
       <p:ext uri="{BB962C8B-B14F-4D97-AF65-F5344CB8AC3E}">
-        <p14:creationId xmlns:p14="http://schemas.microsoft.com/office/powerpoint/2010/main" val="1695301063"/>
+        <p14:creationId xmlns:p14="http://schemas.microsoft.com/office/powerpoint/2010/main" val="3389458396"/>
       </p:ext>
     </p:extLst>
   </p:cSld>
@@ -8269,8 +10760,8 @@
         </p:nvSpPr>
         <p:spPr>
           <a:xfrm>
-            <a:off x="3253596" y="480144"/>
-            <a:ext cx="5814204" cy="1339940"/>
+            <a:off x="4964502" y="2564860"/>
+            <a:ext cx="2104846" cy="1339940"/>
           </a:xfrm>
         </p:spPr>
         <p:txBody>
@@ -8284,80 +10775,10 @@
                 <a:solidFill>
                   <a:schemeClr val="bg1"/>
                 </a:solidFill>
-                <a:latin typeface="Poppins" panose="00000500000000000000" pitchFamily="2" charset="0"/>
-                <a:cs typeface="Poppins" panose="00000500000000000000" pitchFamily="2" charset="0"/>
-              </a:rPr>
-              <a:t>A </a:t>
-            </a:r>
-            <a:r>
-              <a:rPr lang="en-US" sz="3200" b="1" dirty="0" err="1">
-                <a:solidFill>
-                  <a:schemeClr val="bg1"/>
-                </a:solidFill>
-                <a:latin typeface="Poppins" panose="00000500000000000000" pitchFamily="2" charset="0"/>
-                <a:cs typeface="Poppins" panose="00000500000000000000" pitchFamily="2" charset="0"/>
-              </a:rPr>
-              <a:t>ciencia</a:t>
-            </a:r>
-            <a:r>
-              <a:rPr lang="en-US" sz="3200" b="1" dirty="0">
-                <a:solidFill>
-                  <a:schemeClr val="bg1"/>
-                </a:solidFill>
-                <a:latin typeface="Poppins" panose="00000500000000000000" pitchFamily="2" charset="0"/>
-                <a:cs typeface="Poppins" panose="00000500000000000000" pitchFamily="2" charset="0"/>
-              </a:rPr>
-              <a:t> </a:t>
-            </a:r>
-            <a:r>
-              <a:rPr lang="en-US" sz="3200" b="1" dirty="0" err="1">
-                <a:solidFill>
-                  <a:schemeClr val="bg1"/>
-                </a:solidFill>
-                <a:latin typeface="Poppins" panose="00000500000000000000" pitchFamily="2" charset="0"/>
-                <a:cs typeface="Poppins" panose="00000500000000000000" pitchFamily="2" charset="0"/>
-              </a:rPr>
-              <a:t>na</a:t>
-            </a:r>
-            <a:r>
-              <a:rPr lang="en-US" sz="3200" b="1" dirty="0">
-                <a:solidFill>
-                  <a:schemeClr val="bg1"/>
-                </a:solidFill>
-                <a:latin typeface="Poppins" panose="00000500000000000000" pitchFamily="2" charset="0"/>
-                <a:cs typeface="Poppins" panose="00000500000000000000" pitchFamily="2" charset="0"/>
-              </a:rPr>
-              <a:t> </a:t>
-            </a:r>
-            <a:r>
-              <a:rPr lang="en-US" sz="3200" b="1" dirty="0" err="1">
-                <a:solidFill>
-                  <a:schemeClr val="bg1"/>
-                </a:solidFill>
-                <a:latin typeface="Poppins" panose="00000500000000000000" pitchFamily="2" charset="0"/>
-                <a:cs typeface="Poppins" panose="00000500000000000000" pitchFamily="2" charset="0"/>
-              </a:rPr>
-              <a:t>minha</a:t>
-            </a:r>
-            <a:r>
-              <a:rPr lang="en-US" sz="3200" b="1" dirty="0">
-                <a:solidFill>
-                  <a:schemeClr val="bg1"/>
-                </a:solidFill>
-                <a:latin typeface="Poppins" panose="00000500000000000000" pitchFamily="2" charset="0"/>
-                <a:cs typeface="Poppins" panose="00000500000000000000" pitchFamily="2" charset="0"/>
-              </a:rPr>
-              <a:t> </a:t>
-            </a:r>
-            <a:r>
-              <a:rPr lang="en-US" sz="3200" b="1" dirty="0" err="1">
-                <a:solidFill>
-                  <a:schemeClr val="bg1"/>
-                </a:solidFill>
-                <a:latin typeface="Poppins" panose="00000500000000000000" pitchFamily="2" charset="0"/>
-                <a:cs typeface="Poppins" panose="00000500000000000000" pitchFamily="2" charset="0"/>
-              </a:rPr>
-              <a:t>vida</a:t>
+                <a:latin typeface="Poppins"/>
+                <a:cs typeface="Poppins"/>
+              </a:rPr>
+              <a:t>Meu site</a:t>
             </a:r>
             <a:endParaRPr lang="en-US" sz="3200" b="1" dirty="0">
               <a:solidFill>
@@ -8369,221 +10790,10 @@
           </a:p>
         </p:txBody>
       </p:sp>
-      <p:pic>
-        <p:nvPicPr>
-          <p:cNvPr id="5" name="Picture 5" descr="Text&#10;&#10;Description automatically generated">
-            <a:extLst>
-              <a:ext uri="{FF2B5EF4-FFF2-40B4-BE49-F238E27FC236}">
-                <a16:creationId xmlns:a16="http://schemas.microsoft.com/office/drawing/2014/main" id="{3252B8BE-BBDE-BB50-CC8A-260D6AF110E2}"/>
-              </a:ext>
-            </a:extLst>
-          </p:cNvPr>
-          <p:cNvPicPr>
-            <a:picLocks noChangeAspect="1"/>
-          </p:cNvPicPr>
-          <p:nvPr/>
-        </p:nvPicPr>
-        <p:blipFill>
-          <a:blip r:embed="rId2"/>
-          <a:stretch>
-            <a:fillRect/>
-          </a:stretch>
-        </p:blipFill>
-        <p:spPr>
-          <a:xfrm>
-            <a:off x="13710250" y="2745357"/>
-            <a:ext cx="3763992" cy="2862532"/>
-          </a:xfrm>
-          <a:prstGeom prst="rect">
-            <a:avLst/>
-          </a:prstGeom>
-        </p:spPr>
-      </p:pic>
-      <p:sp>
-        <p:nvSpPr>
-          <p:cNvPr id="8" name="TextBox 7">
-            <a:extLst>
-              <a:ext uri="{FF2B5EF4-FFF2-40B4-BE49-F238E27FC236}">
-                <a16:creationId xmlns:a16="http://schemas.microsoft.com/office/drawing/2014/main" id="{92583D3B-C2AB-A48A-03E9-C2B97574D4F9}"/>
-              </a:ext>
-            </a:extLst>
-          </p:cNvPr>
-          <p:cNvSpPr txBox="1"/>
-          <p:nvPr/>
-        </p:nvSpPr>
-        <p:spPr>
-          <a:xfrm>
-            <a:off x="13581193" y="3580888"/>
-            <a:ext cx="3679366" cy="584775"/>
-          </a:xfrm>
-          <a:prstGeom prst="rect">
-            <a:avLst/>
-          </a:prstGeom>
-          <a:noFill/>
-        </p:spPr>
-        <p:txBody>
-          <a:bodyPr rot="0" spcFirstLastPara="0" vertOverflow="overflow" horzOverflow="overflow" vert="horz" wrap="square" lIns="91440" tIns="45720" rIns="91440" bIns="45720" numCol="1" spcCol="0" rtlCol="0" fromWordArt="0" anchor="t" anchorCtr="0" forceAA="0" compatLnSpc="1">
-            <a:prstTxWarp prst="textNoShape">
-              <a:avLst/>
-            </a:prstTxWarp>
-            <a:spAutoFit/>
-          </a:bodyPr>
-          <a:lstStyle/>
-          <a:p>
-            <a:r>
-              <a:rPr lang="en-US" sz="3200" dirty="0" err="1">
-                <a:solidFill>
-                  <a:schemeClr val="bg1"/>
-                </a:solidFill>
-                <a:cs typeface="Calibri"/>
-              </a:rPr>
-              <a:t>Revistas</a:t>
-            </a:r>
-            <a:r>
-              <a:rPr lang="en-US" sz="3200" dirty="0">
-                <a:solidFill>
-                  <a:schemeClr val="bg1"/>
-                </a:solidFill>
-                <a:cs typeface="Calibri"/>
-              </a:rPr>
-              <a:t> </a:t>
-            </a:r>
-            <a:r>
-              <a:rPr lang="en-US" sz="3200" dirty="0" err="1">
-                <a:solidFill>
-                  <a:schemeClr val="bg1"/>
-                </a:solidFill>
-                <a:cs typeface="Calibri"/>
-              </a:rPr>
-              <a:t>recreio</a:t>
-            </a:r>
-          </a:p>
-        </p:txBody>
-      </p:sp>
-      <p:pic>
-        <p:nvPicPr>
-          <p:cNvPr id="6" name="Picture 6" descr="Icon&#10;&#10;Description automatically generated">
-            <a:extLst>
-              <a:ext uri="{FF2B5EF4-FFF2-40B4-BE49-F238E27FC236}">
-                <a16:creationId xmlns:a16="http://schemas.microsoft.com/office/drawing/2014/main" id="{332E92CE-EB3D-3051-9363-69D5CE77A412}"/>
-              </a:ext>
-            </a:extLst>
-          </p:cNvPr>
-          <p:cNvPicPr>
-            <a:picLocks noChangeAspect="1"/>
-          </p:cNvPicPr>
-          <p:nvPr/>
-        </p:nvPicPr>
-        <p:blipFill>
-          <a:blip r:embed="rId3"/>
-          <a:stretch>
-            <a:fillRect/>
-          </a:stretch>
-        </p:blipFill>
-        <p:spPr>
-          <a:xfrm>
-            <a:off x="1647643" y="2718759"/>
-            <a:ext cx="1722410" cy="1736786"/>
-          </a:xfrm>
-          <a:prstGeom prst="rect">
-            <a:avLst/>
-          </a:prstGeom>
-        </p:spPr>
-      </p:pic>
-      <p:pic>
-        <p:nvPicPr>
-          <p:cNvPr id="9" name="Picture 10" descr="Logo&#10;&#10;Description automatically generated">
-            <a:extLst>
-              <a:ext uri="{FF2B5EF4-FFF2-40B4-BE49-F238E27FC236}">
-                <a16:creationId xmlns:a16="http://schemas.microsoft.com/office/drawing/2014/main" id="{30220D53-3578-2A11-8377-5374D3A71429}"/>
-              </a:ext>
-            </a:extLst>
-          </p:cNvPr>
-          <p:cNvPicPr>
-            <a:picLocks noChangeAspect="1"/>
-          </p:cNvPicPr>
-          <p:nvPr/>
-        </p:nvPicPr>
-        <p:blipFill>
-          <a:blip r:embed="rId4"/>
-          <a:stretch>
-            <a:fillRect/>
-          </a:stretch>
-        </p:blipFill>
-        <p:spPr>
-          <a:xfrm>
-            <a:off x="4896928" y="2201174"/>
-            <a:ext cx="2743200" cy="2743200"/>
-          </a:xfrm>
-          <a:prstGeom prst="rect">
-            <a:avLst/>
-          </a:prstGeom>
-        </p:spPr>
-      </p:pic>
-      <p:pic>
-        <p:nvPicPr>
-          <p:cNvPr id="11" name="Picture 12" descr="Icon&#10;&#10;Description automatically generated">
-            <a:extLst>
-              <a:ext uri="{FF2B5EF4-FFF2-40B4-BE49-F238E27FC236}">
-                <a16:creationId xmlns:a16="http://schemas.microsoft.com/office/drawing/2014/main" id="{DF52D1DC-7F92-4A10-3A43-9D67505C71C2}"/>
-              </a:ext>
-            </a:extLst>
-          </p:cNvPr>
-          <p:cNvPicPr>
-            <a:picLocks noChangeAspect="1"/>
-          </p:cNvPicPr>
-          <p:nvPr/>
-        </p:nvPicPr>
-        <p:blipFill>
-          <a:blip r:embed="rId5"/>
-          <a:stretch>
-            <a:fillRect/>
-          </a:stretch>
-        </p:blipFill>
-        <p:spPr>
-          <a:xfrm>
-            <a:off x="9224513" y="2819400"/>
-            <a:ext cx="1794295" cy="1794295"/>
-          </a:xfrm>
-          <a:prstGeom prst="rect">
-            <a:avLst/>
-          </a:prstGeom>
-        </p:spPr>
-      </p:pic>
-      <p:pic>
-        <p:nvPicPr>
-          <p:cNvPr id="15" name="Picture 4" descr="A picture containing calendar&#10;&#10;Description automatically generated">
-            <a:extLst>
-              <a:ext uri="{FF2B5EF4-FFF2-40B4-BE49-F238E27FC236}">
-                <a16:creationId xmlns:a16="http://schemas.microsoft.com/office/drawing/2014/main" id="{7D54CA27-E7DB-32D4-650F-08D026BC7193}"/>
-              </a:ext>
-            </a:extLst>
-          </p:cNvPr>
-          <p:cNvPicPr>
-            <a:picLocks noChangeAspect="1"/>
-          </p:cNvPicPr>
-          <p:nvPr/>
-        </p:nvPicPr>
-        <p:blipFill>
-          <a:blip r:embed="rId6"/>
-          <a:stretch>
-            <a:fillRect/>
-          </a:stretch>
-        </p:blipFill>
-        <p:spPr>
-          <a:xfrm>
-            <a:off x="-6849373" y="2339207"/>
-            <a:ext cx="5647426" cy="3085359"/>
-          </a:xfrm>
-          <a:prstGeom prst="rect">
-            <a:avLst/>
-          </a:prstGeom>
-        </p:spPr>
-      </p:pic>
     </p:spTree>
     <p:extLst>
       <p:ext uri="{BB962C8B-B14F-4D97-AF65-F5344CB8AC3E}">
-        <p14:creationId xmlns:p14="http://schemas.microsoft.com/office/powerpoint/2010/main" val="3389458396"/>
+        <p14:creationId xmlns:p14="http://schemas.microsoft.com/office/powerpoint/2010/main" val="2263651494"/>
       </p:ext>
     </p:extLst>
   </p:cSld>
